--- a/Assignment01 - League of Legends Match.pptx
+++ b/Assignment01 - League of Legends Match.pptx
@@ -1,18 +1,40 @@
 
 <file path=ppt/presentation.xml><?xml version="1.0" encoding="utf-8"?>
-<p:presentation xmlns:a="http://schemas.openxmlformats.org/drawingml/2006/main" xmlns:r="http://schemas.openxmlformats.org/officeDocument/2006/relationships" xmlns:p="http://schemas.openxmlformats.org/presentationml/2006/main" saveSubsetFonts="1">
+<p:presentation xmlns:a="http://schemas.openxmlformats.org/drawingml/2006/main" xmlns:r="http://schemas.openxmlformats.org/officeDocument/2006/relationships" xmlns:p="http://schemas.openxmlformats.org/presentationml/2006/main" embedTrueTypeFonts="1" saveSubsetFonts="1">
   <p:sldMasterIdLst>
     <p:sldMasterId id="2147483648" r:id="rId1"/>
   </p:sldMasterIdLst>
+  <p:notesMasterIdLst>
+    <p:notesMasterId r:id="rId12"/>
+  </p:notesMasterIdLst>
   <p:sldIdLst>
     <p:sldId id="256" r:id="rId2"/>
-    <p:sldId id="257" r:id="rId3"/>
-    <p:sldId id="260" r:id="rId4"/>
-    <p:sldId id="258" r:id="rId5"/>
-    <p:sldId id="259" r:id="rId6"/>
+    <p:sldId id="261" r:id="rId3"/>
+    <p:sldId id="262" r:id="rId4"/>
+    <p:sldId id="263" r:id="rId5"/>
+    <p:sldId id="264" r:id="rId6"/>
+    <p:sldId id="265" r:id="rId7"/>
+    <p:sldId id="266" r:id="rId8"/>
+    <p:sldId id="267" r:id="rId9"/>
+    <p:sldId id="268" r:id="rId10"/>
+    <p:sldId id="269" r:id="rId11"/>
   </p:sldIdLst>
   <p:sldSz cx="12192000" cy="6858000"/>
   <p:notesSz cx="6858000" cy="9144000"/>
+  <p:embeddedFontLst>
+    <p:embeddedFont>
+      <p:font typeface="맑은 고딕" panose="020B0503020000020004" pitchFamily="50" charset="-127"/>
+      <p:regular r:id="rId13"/>
+      <p:bold r:id="rId14"/>
+    </p:embeddedFont>
+    <p:embeddedFont>
+      <p:font typeface="helvetica" panose="020B0604020202020204" pitchFamily="34" charset="0"/>
+      <p:regular r:id="rId15"/>
+      <p:bold r:id="rId16"/>
+      <p:italic r:id="rId17"/>
+      <p:boldItalic r:id="rId18"/>
+    </p:embeddedFont>
+  </p:embeddedFontLst>
   <p:defaultTextStyle>
     <a:defPPr>
       <a:defRPr lang="ko-KR"/>
@@ -127,6 +149,934 @@
 </p:presentation>
 </file>
 
+<file path=ppt/notesMasters/notesMaster1.xml><?xml version="1.0" encoding="utf-8"?>
+<p:notesMaster xmlns:a="http://schemas.openxmlformats.org/drawingml/2006/main" xmlns:r="http://schemas.openxmlformats.org/officeDocument/2006/relationships" xmlns:p="http://schemas.openxmlformats.org/presentationml/2006/main">
+  <p:cSld>
+    <p:bg>
+      <p:bgRef idx="1001">
+        <a:schemeClr val="bg1"/>
+      </p:bgRef>
+    </p:bg>
+    <p:spTree>
+      <p:nvGrpSpPr>
+        <p:cNvPr id="1" name=""/>
+        <p:cNvGrpSpPr/>
+        <p:nvPr/>
+      </p:nvGrpSpPr>
+      <p:grpSpPr>
+        <a:xfrm>
+          <a:off x="0" y="0"/>
+          <a:ext cx="0" cy="0"/>
+          <a:chOff x="0" y="0"/>
+          <a:chExt cx="0" cy="0"/>
+        </a:xfrm>
+      </p:grpSpPr>
+      <p:sp>
+        <p:nvSpPr>
+          <p:cNvPr id="2" name="머리글 개체 틀 1"/>
+          <p:cNvSpPr>
+            <a:spLocks noGrp="1"/>
+          </p:cNvSpPr>
+          <p:nvPr>
+            <p:ph type="hdr" sz="quarter"/>
+          </p:nvPr>
+        </p:nvSpPr>
+        <p:spPr>
+          <a:xfrm>
+            <a:off x="0" y="0"/>
+            <a:ext cx="2971800" cy="458788"/>
+          </a:xfrm>
+          <a:prstGeom prst="rect">
+            <a:avLst/>
+          </a:prstGeom>
+        </p:spPr>
+        <p:txBody>
+          <a:bodyPr vert="horz" lIns="91440" tIns="45720" rIns="91440" bIns="45720" rtlCol="0"/>
+          <a:lstStyle>
+            <a:lvl1pPr algn="l">
+              <a:defRPr sz="1200"/>
+            </a:lvl1pPr>
+          </a:lstStyle>
+          <a:p>
+            <a:endParaRPr lang="ko-KR" altLang="en-US"/>
+          </a:p>
+        </p:txBody>
+      </p:sp>
+      <p:sp>
+        <p:nvSpPr>
+          <p:cNvPr id="3" name="날짜 개체 틀 2"/>
+          <p:cNvSpPr>
+            <a:spLocks noGrp="1"/>
+          </p:cNvSpPr>
+          <p:nvPr>
+            <p:ph type="dt" idx="1"/>
+          </p:nvPr>
+        </p:nvSpPr>
+        <p:spPr>
+          <a:xfrm>
+            <a:off x="3884613" y="0"/>
+            <a:ext cx="2971800" cy="458788"/>
+          </a:xfrm>
+          <a:prstGeom prst="rect">
+            <a:avLst/>
+          </a:prstGeom>
+        </p:spPr>
+        <p:txBody>
+          <a:bodyPr vert="horz" lIns="91440" tIns="45720" rIns="91440" bIns="45720" rtlCol="0"/>
+          <a:lstStyle>
+            <a:lvl1pPr algn="r">
+              <a:defRPr sz="1200"/>
+            </a:lvl1pPr>
+          </a:lstStyle>
+          <a:p>
+            <a:fld id="{F23053E0-B6E2-4DEA-9139-331B101529B5}" type="datetimeFigureOut">
+              <a:rPr lang="ko-KR" altLang="en-US" smtClean="0"/>
+              <a:t>2018-09-12</a:t>
+            </a:fld>
+            <a:endParaRPr lang="ko-KR" altLang="en-US"/>
+          </a:p>
+        </p:txBody>
+      </p:sp>
+      <p:sp>
+        <p:nvSpPr>
+          <p:cNvPr id="4" name="슬라이드 이미지 개체 틀 3"/>
+          <p:cNvSpPr>
+            <a:spLocks noGrp="1" noRot="1" noChangeAspect="1"/>
+          </p:cNvSpPr>
+          <p:nvPr>
+            <p:ph type="sldImg" idx="2"/>
+          </p:nvPr>
+        </p:nvSpPr>
+        <p:spPr>
+          <a:xfrm>
+            <a:off x="685800" y="1143000"/>
+            <a:ext cx="5486400" cy="3086100"/>
+          </a:xfrm>
+          <a:prstGeom prst="rect">
+            <a:avLst/>
+          </a:prstGeom>
+          <a:noFill/>
+          <a:ln w="12700">
+            <a:solidFill>
+              <a:prstClr val="black"/>
+            </a:solidFill>
+          </a:ln>
+        </p:spPr>
+        <p:txBody>
+          <a:bodyPr vert="horz" lIns="91440" tIns="45720" rIns="91440" bIns="45720" rtlCol="0" anchor="ctr"/>
+          <a:lstStyle/>
+          <a:p>
+            <a:endParaRPr lang="ko-KR" altLang="en-US"/>
+          </a:p>
+        </p:txBody>
+      </p:sp>
+      <p:sp>
+        <p:nvSpPr>
+          <p:cNvPr id="5" name="슬라이드 노트 개체 틀 4"/>
+          <p:cNvSpPr>
+            <a:spLocks noGrp="1"/>
+          </p:cNvSpPr>
+          <p:nvPr>
+            <p:ph type="body" sz="quarter" idx="3"/>
+          </p:nvPr>
+        </p:nvSpPr>
+        <p:spPr>
+          <a:xfrm>
+            <a:off x="685800" y="4400550"/>
+            <a:ext cx="5486400" cy="3600450"/>
+          </a:xfrm>
+          <a:prstGeom prst="rect">
+            <a:avLst/>
+          </a:prstGeom>
+        </p:spPr>
+        <p:txBody>
+          <a:bodyPr vert="horz" lIns="91440" tIns="45720" rIns="91440" bIns="45720" rtlCol="0"/>
+          <a:lstStyle/>
+          <a:p>
+            <a:pPr lvl="0"/>
+            <a:r>
+              <a:rPr lang="ko-KR" altLang="en-US"/>
+              <a:t>마스터 텍스트 스타일 편집</a:t>
+            </a:r>
+          </a:p>
+          <a:p>
+            <a:pPr lvl="1"/>
+            <a:r>
+              <a:rPr lang="ko-KR" altLang="en-US"/>
+              <a:t>둘째 수준</a:t>
+            </a:r>
+          </a:p>
+          <a:p>
+            <a:pPr lvl="2"/>
+            <a:r>
+              <a:rPr lang="ko-KR" altLang="en-US"/>
+              <a:t>셋째 수준</a:t>
+            </a:r>
+          </a:p>
+          <a:p>
+            <a:pPr lvl="3"/>
+            <a:r>
+              <a:rPr lang="ko-KR" altLang="en-US"/>
+              <a:t>넷째 수준</a:t>
+            </a:r>
+          </a:p>
+          <a:p>
+            <a:pPr lvl="4"/>
+            <a:r>
+              <a:rPr lang="ko-KR" altLang="en-US"/>
+              <a:t>다섯째 수준</a:t>
+            </a:r>
+          </a:p>
+        </p:txBody>
+      </p:sp>
+      <p:sp>
+        <p:nvSpPr>
+          <p:cNvPr id="6" name="바닥글 개체 틀 5"/>
+          <p:cNvSpPr>
+            <a:spLocks noGrp="1"/>
+          </p:cNvSpPr>
+          <p:nvPr>
+            <p:ph type="ftr" sz="quarter" idx="4"/>
+          </p:nvPr>
+        </p:nvSpPr>
+        <p:spPr>
+          <a:xfrm>
+            <a:off x="0" y="8685213"/>
+            <a:ext cx="2971800" cy="458787"/>
+          </a:xfrm>
+          <a:prstGeom prst="rect">
+            <a:avLst/>
+          </a:prstGeom>
+        </p:spPr>
+        <p:txBody>
+          <a:bodyPr vert="horz" lIns="91440" tIns="45720" rIns="91440" bIns="45720" rtlCol="0" anchor="b"/>
+          <a:lstStyle>
+            <a:lvl1pPr algn="l">
+              <a:defRPr sz="1200"/>
+            </a:lvl1pPr>
+          </a:lstStyle>
+          <a:p>
+            <a:endParaRPr lang="ko-KR" altLang="en-US"/>
+          </a:p>
+        </p:txBody>
+      </p:sp>
+      <p:sp>
+        <p:nvSpPr>
+          <p:cNvPr id="7" name="슬라이드 번호 개체 틀 6"/>
+          <p:cNvSpPr>
+            <a:spLocks noGrp="1"/>
+          </p:cNvSpPr>
+          <p:nvPr>
+            <p:ph type="sldNum" sz="quarter" idx="5"/>
+          </p:nvPr>
+        </p:nvSpPr>
+        <p:spPr>
+          <a:xfrm>
+            <a:off x="3884613" y="8685213"/>
+            <a:ext cx="2971800" cy="458787"/>
+          </a:xfrm>
+          <a:prstGeom prst="rect">
+            <a:avLst/>
+          </a:prstGeom>
+        </p:spPr>
+        <p:txBody>
+          <a:bodyPr vert="horz" lIns="91440" tIns="45720" rIns="91440" bIns="45720" rtlCol="0" anchor="b"/>
+          <a:lstStyle>
+            <a:lvl1pPr algn="r">
+              <a:defRPr sz="1200"/>
+            </a:lvl1pPr>
+          </a:lstStyle>
+          <a:p>
+            <a:fld id="{6594DF6C-BF38-4307-BF1B-8846C5E3F520}" type="slidenum">
+              <a:rPr lang="ko-KR" altLang="en-US" smtClean="0"/>
+              <a:t>‹#›</a:t>
+            </a:fld>
+            <a:endParaRPr lang="ko-KR" altLang="en-US"/>
+          </a:p>
+        </p:txBody>
+      </p:sp>
+    </p:spTree>
+    <p:extLst>
+      <p:ext uri="{BB962C8B-B14F-4D97-AF65-F5344CB8AC3E}">
+        <p14:creationId xmlns:p14="http://schemas.microsoft.com/office/powerpoint/2010/main" val="1386384943"/>
+      </p:ext>
+    </p:extLst>
+  </p:cSld>
+  <p:clrMap bg1="lt1" tx1="dk1" bg2="lt2" tx2="dk2" accent1="accent1" accent2="accent2" accent3="accent3" accent4="accent4" accent5="accent5" accent6="accent6" hlink="hlink" folHlink="folHlink"/>
+  <p:notesStyle>
+    <a:lvl1pPr marL="0" algn="l" defTabSz="914400" rtl="0" eaLnBrk="1" latinLnBrk="1" hangingPunct="1">
+      <a:defRPr sz="1200" kern="1200">
+        <a:solidFill>
+          <a:schemeClr val="tx1"/>
+        </a:solidFill>
+        <a:latin typeface="+mn-lt"/>
+        <a:ea typeface="+mn-ea"/>
+        <a:cs typeface="+mn-cs"/>
+      </a:defRPr>
+    </a:lvl1pPr>
+    <a:lvl2pPr marL="457200" algn="l" defTabSz="914400" rtl="0" eaLnBrk="1" latinLnBrk="1" hangingPunct="1">
+      <a:defRPr sz="1200" kern="1200">
+        <a:solidFill>
+          <a:schemeClr val="tx1"/>
+        </a:solidFill>
+        <a:latin typeface="+mn-lt"/>
+        <a:ea typeface="+mn-ea"/>
+        <a:cs typeface="+mn-cs"/>
+      </a:defRPr>
+    </a:lvl2pPr>
+    <a:lvl3pPr marL="914400" algn="l" defTabSz="914400" rtl="0" eaLnBrk="1" latinLnBrk="1" hangingPunct="1">
+      <a:defRPr sz="1200" kern="1200">
+        <a:solidFill>
+          <a:schemeClr val="tx1"/>
+        </a:solidFill>
+        <a:latin typeface="+mn-lt"/>
+        <a:ea typeface="+mn-ea"/>
+        <a:cs typeface="+mn-cs"/>
+      </a:defRPr>
+    </a:lvl3pPr>
+    <a:lvl4pPr marL="1371600" algn="l" defTabSz="914400" rtl="0" eaLnBrk="1" latinLnBrk="1" hangingPunct="1">
+      <a:defRPr sz="1200" kern="1200">
+        <a:solidFill>
+          <a:schemeClr val="tx1"/>
+        </a:solidFill>
+        <a:latin typeface="+mn-lt"/>
+        <a:ea typeface="+mn-ea"/>
+        <a:cs typeface="+mn-cs"/>
+      </a:defRPr>
+    </a:lvl4pPr>
+    <a:lvl5pPr marL="1828800" algn="l" defTabSz="914400" rtl="0" eaLnBrk="1" latinLnBrk="1" hangingPunct="1">
+      <a:defRPr sz="1200" kern="1200">
+        <a:solidFill>
+          <a:schemeClr val="tx1"/>
+        </a:solidFill>
+        <a:latin typeface="+mn-lt"/>
+        <a:ea typeface="+mn-ea"/>
+        <a:cs typeface="+mn-cs"/>
+      </a:defRPr>
+    </a:lvl5pPr>
+    <a:lvl6pPr marL="2286000" algn="l" defTabSz="914400" rtl="0" eaLnBrk="1" latinLnBrk="1" hangingPunct="1">
+      <a:defRPr sz="1200" kern="1200">
+        <a:solidFill>
+          <a:schemeClr val="tx1"/>
+        </a:solidFill>
+        <a:latin typeface="+mn-lt"/>
+        <a:ea typeface="+mn-ea"/>
+        <a:cs typeface="+mn-cs"/>
+      </a:defRPr>
+    </a:lvl6pPr>
+    <a:lvl7pPr marL="2743200" algn="l" defTabSz="914400" rtl="0" eaLnBrk="1" latinLnBrk="1" hangingPunct="1">
+      <a:defRPr sz="1200" kern="1200">
+        <a:solidFill>
+          <a:schemeClr val="tx1"/>
+        </a:solidFill>
+        <a:latin typeface="+mn-lt"/>
+        <a:ea typeface="+mn-ea"/>
+        <a:cs typeface="+mn-cs"/>
+      </a:defRPr>
+    </a:lvl7pPr>
+    <a:lvl8pPr marL="3200400" algn="l" defTabSz="914400" rtl="0" eaLnBrk="1" latinLnBrk="1" hangingPunct="1">
+      <a:defRPr sz="1200" kern="1200">
+        <a:solidFill>
+          <a:schemeClr val="tx1"/>
+        </a:solidFill>
+        <a:latin typeface="+mn-lt"/>
+        <a:ea typeface="+mn-ea"/>
+        <a:cs typeface="+mn-cs"/>
+      </a:defRPr>
+    </a:lvl8pPr>
+    <a:lvl9pPr marL="3657600" algn="l" defTabSz="914400" rtl="0" eaLnBrk="1" latinLnBrk="1" hangingPunct="1">
+      <a:defRPr sz="1200" kern="1200">
+        <a:solidFill>
+          <a:schemeClr val="tx1"/>
+        </a:solidFill>
+        <a:latin typeface="+mn-lt"/>
+        <a:ea typeface="+mn-ea"/>
+        <a:cs typeface="+mn-cs"/>
+      </a:defRPr>
+    </a:lvl9pPr>
+  </p:notesStyle>
+</p:notesMaster>
+</file>
+
+<file path=ppt/notesSlides/notesSlide1.xml><?xml version="1.0" encoding="utf-8"?>
+<p:notes xmlns:a="http://schemas.openxmlformats.org/drawingml/2006/main" xmlns:r="http://schemas.openxmlformats.org/officeDocument/2006/relationships" xmlns:p="http://schemas.openxmlformats.org/presentationml/2006/main">
+  <p:cSld>
+    <p:spTree>
+      <p:nvGrpSpPr>
+        <p:cNvPr id="1" name=""/>
+        <p:cNvGrpSpPr/>
+        <p:nvPr/>
+      </p:nvGrpSpPr>
+      <p:grpSpPr>
+        <a:xfrm>
+          <a:off x="0" y="0"/>
+          <a:ext cx="0" cy="0"/>
+          <a:chOff x="0" y="0"/>
+          <a:chExt cx="0" cy="0"/>
+        </a:xfrm>
+      </p:grpSpPr>
+      <p:sp>
+        <p:nvSpPr>
+          <p:cNvPr id="2" name="슬라이드 이미지 개체 틀 1"/>
+          <p:cNvSpPr>
+            <a:spLocks noGrp="1" noRot="1" noChangeAspect="1"/>
+          </p:cNvSpPr>
+          <p:nvPr>
+            <p:ph type="sldImg"/>
+          </p:nvPr>
+        </p:nvSpPr>
+        <p:spPr/>
+      </p:sp>
+      <p:sp>
+        <p:nvSpPr>
+          <p:cNvPr id="3" name="슬라이드 노트 개체 틀 2"/>
+          <p:cNvSpPr>
+            <a:spLocks noGrp="1"/>
+          </p:cNvSpPr>
+          <p:nvPr>
+            <p:ph type="body" idx="1"/>
+          </p:nvPr>
+        </p:nvSpPr>
+        <p:spPr/>
+        <p:txBody>
+          <a:bodyPr/>
+          <a:lstStyle/>
+          <a:p>
+            <a:endParaRPr lang="ko-KR" altLang="en-US" dirty="0"/>
+          </a:p>
+        </p:txBody>
+      </p:sp>
+      <p:sp>
+        <p:nvSpPr>
+          <p:cNvPr id="4" name="슬라이드 번호 개체 틀 3"/>
+          <p:cNvSpPr>
+            <a:spLocks noGrp="1"/>
+          </p:cNvSpPr>
+          <p:nvPr>
+            <p:ph type="sldNum" sz="quarter" idx="5"/>
+          </p:nvPr>
+        </p:nvSpPr>
+        <p:spPr/>
+        <p:txBody>
+          <a:bodyPr/>
+          <a:lstStyle/>
+          <a:p>
+            <a:fld id="{6594DF6C-BF38-4307-BF1B-8846C5E3F520}" type="slidenum">
+              <a:rPr lang="ko-KR" altLang="en-US" smtClean="0"/>
+              <a:t>3</a:t>
+            </a:fld>
+            <a:endParaRPr lang="ko-KR" altLang="en-US"/>
+          </a:p>
+        </p:txBody>
+      </p:sp>
+    </p:spTree>
+    <p:extLst>
+      <p:ext uri="{BB962C8B-B14F-4D97-AF65-F5344CB8AC3E}">
+        <p14:creationId xmlns:p14="http://schemas.microsoft.com/office/powerpoint/2010/main" val="1944879119"/>
+      </p:ext>
+    </p:extLst>
+  </p:cSld>
+  <p:clrMapOvr>
+    <a:masterClrMapping/>
+  </p:clrMapOvr>
+</p:notes>
+</file>
+
+<file path=ppt/notesSlides/notesSlide2.xml><?xml version="1.0" encoding="utf-8"?>
+<p:notes xmlns:a="http://schemas.openxmlformats.org/drawingml/2006/main" xmlns:r="http://schemas.openxmlformats.org/officeDocument/2006/relationships" xmlns:p="http://schemas.openxmlformats.org/presentationml/2006/main">
+  <p:cSld>
+    <p:spTree>
+      <p:nvGrpSpPr>
+        <p:cNvPr id="1" name=""/>
+        <p:cNvGrpSpPr/>
+        <p:nvPr/>
+      </p:nvGrpSpPr>
+      <p:grpSpPr>
+        <a:xfrm>
+          <a:off x="0" y="0"/>
+          <a:ext cx="0" cy="0"/>
+          <a:chOff x="0" y="0"/>
+          <a:chExt cx="0" cy="0"/>
+        </a:xfrm>
+      </p:grpSpPr>
+      <p:sp>
+        <p:nvSpPr>
+          <p:cNvPr id="2" name="슬라이드 이미지 개체 틀 1"/>
+          <p:cNvSpPr>
+            <a:spLocks noGrp="1" noRot="1" noChangeAspect="1"/>
+          </p:cNvSpPr>
+          <p:nvPr>
+            <p:ph type="sldImg"/>
+          </p:nvPr>
+        </p:nvSpPr>
+        <p:spPr/>
+      </p:sp>
+      <p:sp>
+        <p:nvSpPr>
+          <p:cNvPr id="3" name="슬라이드 노트 개체 틀 2"/>
+          <p:cNvSpPr>
+            <a:spLocks noGrp="1"/>
+          </p:cNvSpPr>
+          <p:nvPr>
+            <p:ph type="body" idx="1"/>
+          </p:nvPr>
+        </p:nvSpPr>
+        <p:spPr/>
+        <p:txBody>
+          <a:bodyPr/>
+          <a:lstStyle/>
+          <a:p>
+            <a:endParaRPr lang="ko-KR" altLang="en-US" dirty="0"/>
+          </a:p>
+        </p:txBody>
+      </p:sp>
+      <p:sp>
+        <p:nvSpPr>
+          <p:cNvPr id="4" name="슬라이드 번호 개체 틀 3"/>
+          <p:cNvSpPr>
+            <a:spLocks noGrp="1"/>
+          </p:cNvSpPr>
+          <p:nvPr>
+            <p:ph type="sldNum" sz="quarter" idx="5"/>
+          </p:nvPr>
+        </p:nvSpPr>
+        <p:spPr/>
+        <p:txBody>
+          <a:bodyPr/>
+          <a:lstStyle/>
+          <a:p>
+            <a:fld id="{6594DF6C-BF38-4307-BF1B-8846C5E3F520}" type="slidenum">
+              <a:rPr lang="ko-KR" altLang="en-US" smtClean="0"/>
+              <a:t>4</a:t>
+            </a:fld>
+            <a:endParaRPr lang="ko-KR" altLang="en-US"/>
+          </a:p>
+        </p:txBody>
+      </p:sp>
+    </p:spTree>
+    <p:extLst>
+      <p:ext uri="{BB962C8B-B14F-4D97-AF65-F5344CB8AC3E}">
+        <p14:creationId xmlns:p14="http://schemas.microsoft.com/office/powerpoint/2010/main" val="567236324"/>
+      </p:ext>
+    </p:extLst>
+  </p:cSld>
+  <p:clrMapOvr>
+    <a:masterClrMapping/>
+  </p:clrMapOvr>
+</p:notes>
+</file>
+
+<file path=ppt/notesSlides/notesSlide3.xml><?xml version="1.0" encoding="utf-8"?>
+<p:notes xmlns:a="http://schemas.openxmlformats.org/drawingml/2006/main" xmlns:r="http://schemas.openxmlformats.org/officeDocument/2006/relationships" xmlns:p="http://schemas.openxmlformats.org/presentationml/2006/main">
+  <p:cSld>
+    <p:spTree>
+      <p:nvGrpSpPr>
+        <p:cNvPr id="1" name=""/>
+        <p:cNvGrpSpPr/>
+        <p:nvPr/>
+      </p:nvGrpSpPr>
+      <p:grpSpPr>
+        <a:xfrm>
+          <a:off x="0" y="0"/>
+          <a:ext cx="0" cy="0"/>
+          <a:chOff x="0" y="0"/>
+          <a:chExt cx="0" cy="0"/>
+        </a:xfrm>
+      </p:grpSpPr>
+      <p:sp>
+        <p:nvSpPr>
+          <p:cNvPr id="2" name="슬라이드 이미지 개체 틀 1"/>
+          <p:cNvSpPr>
+            <a:spLocks noGrp="1" noRot="1" noChangeAspect="1"/>
+          </p:cNvSpPr>
+          <p:nvPr>
+            <p:ph type="sldImg"/>
+          </p:nvPr>
+        </p:nvSpPr>
+        <p:spPr/>
+      </p:sp>
+      <p:sp>
+        <p:nvSpPr>
+          <p:cNvPr id="3" name="슬라이드 노트 개체 틀 2"/>
+          <p:cNvSpPr>
+            <a:spLocks noGrp="1"/>
+          </p:cNvSpPr>
+          <p:nvPr>
+            <p:ph type="body" idx="1"/>
+          </p:nvPr>
+        </p:nvSpPr>
+        <p:spPr/>
+        <p:txBody>
+          <a:bodyPr/>
+          <a:lstStyle/>
+          <a:p>
+            <a:r>
+              <a:rPr lang="ko-KR" altLang="en-US" dirty="0"/>
+              <a:t>큰 단위부터 작은 단위로 확장</a:t>
+            </a:r>
+            <a:endParaRPr lang="en-US" altLang="ko-KR" dirty="0"/>
+          </a:p>
+          <a:p>
+            <a:endParaRPr lang="en-US" altLang="ko-KR" dirty="0"/>
+          </a:p>
+          <a:p>
+            <a:r>
+              <a:rPr lang="en-US" altLang="ko-KR" dirty="0"/>
+              <a:t>1</a:t>
+            </a:r>
+            <a:r>
+              <a:rPr lang="ko-KR" altLang="en-US" dirty="0"/>
+              <a:t>차</a:t>
+            </a:r>
+            <a:r>
+              <a:rPr lang="en-US" altLang="ko-KR" dirty="0"/>
+              <a:t>: </a:t>
+            </a:r>
+            <a:r>
+              <a:rPr lang="ko-KR" altLang="en-US" dirty="0"/>
+              <a:t>연도</a:t>
+            </a:r>
+            <a:r>
+              <a:rPr lang="en-US" altLang="ko-KR" dirty="0"/>
+              <a:t>,</a:t>
+            </a:r>
+          </a:p>
+          <a:p>
+            <a:r>
+              <a:rPr lang="en-US" altLang="ko-KR" dirty="0"/>
+              <a:t>2</a:t>
+            </a:r>
+            <a:r>
+              <a:rPr lang="ko-KR" altLang="en-US" dirty="0"/>
+              <a:t>차</a:t>
+            </a:r>
+            <a:r>
+              <a:rPr lang="en-US" altLang="ko-KR" dirty="0"/>
+              <a:t>: </a:t>
+            </a:r>
+            <a:r>
+              <a:rPr lang="ko-KR" altLang="en-US" dirty="0"/>
+              <a:t>시즌</a:t>
+            </a:r>
+            <a:r>
+              <a:rPr lang="en-US" altLang="ko-KR" dirty="0"/>
+              <a:t>, </a:t>
+            </a:r>
+            <a:r>
+              <a:rPr lang="ko-KR" altLang="en-US" dirty="0"/>
+              <a:t>리그</a:t>
+            </a:r>
+            <a:endParaRPr lang="en-US" altLang="ko-KR" dirty="0"/>
+          </a:p>
+          <a:p>
+            <a:r>
+              <a:rPr lang="en-US" altLang="ko-KR" dirty="0"/>
+              <a:t>3</a:t>
+            </a:r>
+            <a:r>
+              <a:rPr lang="ko-KR" altLang="en-US" dirty="0"/>
+              <a:t>차</a:t>
+            </a:r>
+            <a:r>
+              <a:rPr lang="en-US" altLang="ko-KR" dirty="0"/>
+              <a:t>: </a:t>
+            </a:r>
+            <a:r>
+              <a:rPr lang="ko-KR" altLang="en-US" dirty="0"/>
+              <a:t>타입</a:t>
+            </a:r>
+            <a:endParaRPr lang="en-US" altLang="ko-KR" dirty="0"/>
+          </a:p>
+        </p:txBody>
+      </p:sp>
+      <p:sp>
+        <p:nvSpPr>
+          <p:cNvPr id="4" name="슬라이드 번호 개체 틀 3"/>
+          <p:cNvSpPr>
+            <a:spLocks noGrp="1"/>
+          </p:cNvSpPr>
+          <p:nvPr>
+            <p:ph type="sldNum" sz="quarter" idx="5"/>
+          </p:nvPr>
+        </p:nvSpPr>
+        <p:spPr/>
+        <p:txBody>
+          <a:bodyPr/>
+          <a:lstStyle/>
+          <a:p>
+            <a:fld id="{6594DF6C-BF38-4307-BF1B-8846C5E3F520}" type="slidenum">
+              <a:rPr lang="ko-KR" altLang="en-US" smtClean="0"/>
+              <a:t>7</a:t>
+            </a:fld>
+            <a:endParaRPr lang="ko-KR" altLang="en-US"/>
+          </a:p>
+        </p:txBody>
+      </p:sp>
+    </p:spTree>
+    <p:extLst>
+      <p:ext uri="{BB962C8B-B14F-4D97-AF65-F5344CB8AC3E}">
+        <p14:creationId xmlns:p14="http://schemas.microsoft.com/office/powerpoint/2010/main" val="1887387533"/>
+      </p:ext>
+    </p:extLst>
+  </p:cSld>
+  <p:clrMapOvr>
+    <a:masterClrMapping/>
+  </p:clrMapOvr>
+</p:notes>
+</file>
+
+<file path=ppt/notesSlides/notesSlide4.xml><?xml version="1.0" encoding="utf-8"?>
+<p:notes xmlns:a="http://schemas.openxmlformats.org/drawingml/2006/main" xmlns:r="http://schemas.openxmlformats.org/officeDocument/2006/relationships" xmlns:p="http://schemas.openxmlformats.org/presentationml/2006/main">
+  <p:cSld>
+    <p:spTree>
+      <p:nvGrpSpPr>
+        <p:cNvPr id="1" name=""/>
+        <p:cNvGrpSpPr/>
+        <p:nvPr/>
+      </p:nvGrpSpPr>
+      <p:grpSpPr>
+        <a:xfrm>
+          <a:off x="0" y="0"/>
+          <a:ext cx="0" cy="0"/>
+          <a:chOff x="0" y="0"/>
+          <a:chExt cx="0" cy="0"/>
+        </a:xfrm>
+      </p:grpSpPr>
+      <p:sp>
+        <p:nvSpPr>
+          <p:cNvPr id="2" name="슬라이드 이미지 개체 틀 1"/>
+          <p:cNvSpPr>
+            <a:spLocks noGrp="1" noRot="1" noChangeAspect="1"/>
+          </p:cNvSpPr>
+          <p:nvPr>
+            <p:ph type="sldImg"/>
+          </p:nvPr>
+        </p:nvSpPr>
+        <p:spPr/>
+      </p:sp>
+      <p:sp>
+        <p:nvSpPr>
+          <p:cNvPr id="3" name="슬라이드 노트 개체 틀 2"/>
+          <p:cNvSpPr>
+            <a:spLocks noGrp="1"/>
+          </p:cNvSpPr>
+          <p:nvPr>
+            <p:ph type="body" idx="1"/>
+          </p:nvPr>
+        </p:nvSpPr>
+        <p:spPr/>
+        <p:txBody>
+          <a:bodyPr/>
+          <a:lstStyle/>
+          <a:p>
+            <a:endParaRPr lang="en-US" altLang="ko-KR" dirty="0"/>
+          </a:p>
+        </p:txBody>
+      </p:sp>
+      <p:sp>
+        <p:nvSpPr>
+          <p:cNvPr id="4" name="슬라이드 번호 개체 틀 3"/>
+          <p:cNvSpPr>
+            <a:spLocks noGrp="1"/>
+          </p:cNvSpPr>
+          <p:nvPr>
+            <p:ph type="sldNum" sz="quarter" idx="5"/>
+          </p:nvPr>
+        </p:nvSpPr>
+        <p:spPr/>
+        <p:txBody>
+          <a:bodyPr/>
+          <a:lstStyle/>
+          <a:p>
+            <a:fld id="{6594DF6C-BF38-4307-BF1B-8846C5E3F520}" type="slidenum">
+              <a:rPr lang="ko-KR" altLang="en-US" smtClean="0"/>
+              <a:t>8</a:t>
+            </a:fld>
+            <a:endParaRPr lang="ko-KR" altLang="en-US"/>
+          </a:p>
+        </p:txBody>
+      </p:sp>
+    </p:spTree>
+    <p:extLst>
+      <p:ext uri="{BB962C8B-B14F-4D97-AF65-F5344CB8AC3E}">
+        <p14:creationId xmlns:p14="http://schemas.microsoft.com/office/powerpoint/2010/main" val="752137164"/>
+      </p:ext>
+    </p:extLst>
+  </p:cSld>
+  <p:clrMapOvr>
+    <a:masterClrMapping/>
+  </p:clrMapOvr>
+</p:notes>
+</file>
+
+<file path=ppt/notesSlides/notesSlide5.xml><?xml version="1.0" encoding="utf-8"?>
+<p:notes xmlns:a="http://schemas.openxmlformats.org/drawingml/2006/main" xmlns:r="http://schemas.openxmlformats.org/officeDocument/2006/relationships" xmlns:p="http://schemas.openxmlformats.org/presentationml/2006/main">
+  <p:cSld>
+    <p:spTree>
+      <p:nvGrpSpPr>
+        <p:cNvPr id="1" name=""/>
+        <p:cNvGrpSpPr/>
+        <p:nvPr/>
+      </p:nvGrpSpPr>
+      <p:grpSpPr>
+        <a:xfrm>
+          <a:off x="0" y="0"/>
+          <a:ext cx="0" cy="0"/>
+          <a:chOff x="0" y="0"/>
+          <a:chExt cx="0" cy="0"/>
+        </a:xfrm>
+      </p:grpSpPr>
+      <p:sp>
+        <p:nvSpPr>
+          <p:cNvPr id="2" name="슬라이드 이미지 개체 틀 1"/>
+          <p:cNvSpPr>
+            <a:spLocks noGrp="1" noRot="1" noChangeAspect="1"/>
+          </p:cNvSpPr>
+          <p:nvPr>
+            <p:ph type="sldImg"/>
+          </p:nvPr>
+        </p:nvSpPr>
+        <p:spPr/>
+      </p:sp>
+      <p:sp>
+        <p:nvSpPr>
+          <p:cNvPr id="3" name="슬라이드 노트 개체 틀 2"/>
+          <p:cNvSpPr>
+            <a:spLocks noGrp="1"/>
+          </p:cNvSpPr>
+          <p:nvPr>
+            <p:ph type="body" idx="1"/>
+          </p:nvPr>
+        </p:nvSpPr>
+        <p:spPr/>
+        <p:txBody>
+          <a:bodyPr/>
+          <a:lstStyle/>
+          <a:p>
+            <a:endParaRPr lang="en-US" altLang="ko-KR" dirty="0"/>
+          </a:p>
+        </p:txBody>
+      </p:sp>
+      <p:sp>
+        <p:nvSpPr>
+          <p:cNvPr id="4" name="슬라이드 번호 개체 틀 3"/>
+          <p:cNvSpPr>
+            <a:spLocks noGrp="1"/>
+          </p:cNvSpPr>
+          <p:nvPr>
+            <p:ph type="sldNum" sz="quarter" idx="5"/>
+          </p:nvPr>
+        </p:nvSpPr>
+        <p:spPr/>
+        <p:txBody>
+          <a:bodyPr/>
+          <a:lstStyle/>
+          <a:p>
+            <a:fld id="{6594DF6C-BF38-4307-BF1B-8846C5E3F520}" type="slidenum">
+              <a:rPr lang="ko-KR" altLang="en-US" smtClean="0"/>
+              <a:t>9</a:t>
+            </a:fld>
+            <a:endParaRPr lang="ko-KR" altLang="en-US"/>
+          </a:p>
+        </p:txBody>
+      </p:sp>
+    </p:spTree>
+    <p:extLst>
+      <p:ext uri="{BB962C8B-B14F-4D97-AF65-F5344CB8AC3E}">
+        <p14:creationId xmlns:p14="http://schemas.microsoft.com/office/powerpoint/2010/main" val="2597281773"/>
+      </p:ext>
+    </p:extLst>
+  </p:cSld>
+  <p:clrMapOvr>
+    <a:masterClrMapping/>
+  </p:clrMapOvr>
+</p:notes>
+</file>
+
+<file path=ppt/notesSlides/notesSlide6.xml><?xml version="1.0" encoding="utf-8"?>
+<p:notes xmlns:a="http://schemas.openxmlformats.org/drawingml/2006/main" xmlns:r="http://schemas.openxmlformats.org/officeDocument/2006/relationships" xmlns:p="http://schemas.openxmlformats.org/presentationml/2006/main">
+  <p:cSld>
+    <p:spTree>
+      <p:nvGrpSpPr>
+        <p:cNvPr id="1" name=""/>
+        <p:cNvGrpSpPr/>
+        <p:nvPr/>
+      </p:nvGrpSpPr>
+      <p:grpSpPr>
+        <a:xfrm>
+          <a:off x="0" y="0"/>
+          <a:ext cx="0" cy="0"/>
+          <a:chOff x="0" y="0"/>
+          <a:chExt cx="0" cy="0"/>
+        </a:xfrm>
+      </p:grpSpPr>
+      <p:sp>
+        <p:nvSpPr>
+          <p:cNvPr id="2" name="슬라이드 이미지 개체 틀 1"/>
+          <p:cNvSpPr>
+            <a:spLocks noGrp="1" noRot="1" noChangeAspect="1"/>
+          </p:cNvSpPr>
+          <p:nvPr>
+            <p:ph type="sldImg"/>
+          </p:nvPr>
+        </p:nvSpPr>
+        <p:spPr/>
+      </p:sp>
+      <p:sp>
+        <p:nvSpPr>
+          <p:cNvPr id="3" name="슬라이드 노트 개체 틀 2"/>
+          <p:cNvSpPr>
+            <a:spLocks noGrp="1"/>
+          </p:cNvSpPr>
+          <p:nvPr>
+            <p:ph type="body" idx="1"/>
+          </p:nvPr>
+        </p:nvSpPr>
+        <p:spPr/>
+        <p:txBody>
+          <a:bodyPr/>
+          <a:lstStyle/>
+          <a:p>
+            <a:endParaRPr lang="en-US" altLang="ko-KR" dirty="0"/>
+          </a:p>
+        </p:txBody>
+      </p:sp>
+      <p:sp>
+        <p:nvSpPr>
+          <p:cNvPr id="4" name="슬라이드 번호 개체 틀 3"/>
+          <p:cNvSpPr>
+            <a:spLocks noGrp="1"/>
+          </p:cNvSpPr>
+          <p:nvPr>
+            <p:ph type="sldNum" sz="quarter" idx="5"/>
+          </p:nvPr>
+        </p:nvSpPr>
+        <p:spPr/>
+        <p:txBody>
+          <a:bodyPr/>
+          <a:lstStyle/>
+          <a:p>
+            <a:fld id="{6594DF6C-BF38-4307-BF1B-8846C5E3F520}" type="slidenum">
+              <a:rPr lang="ko-KR" altLang="en-US" smtClean="0"/>
+              <a:t>10</a:t>
+            </a:fld>
+            <a:endParaRPr lang="ko-KR" altLang="en-US"/>
+          </a:p>
+        </p:txBody>
+      </p:sp>
+    </p:spTree>
+    <p:extLst>
+      <p:ext uri="{BB962C8B-B14F-4D97-AF65-F5344CB8AC3E}">
+        <p14:creationId xmlns:p14="http://schemas.microsoft.com/office/powerpoint/2010/main" val="1387703984"/>
+      </p:ext>
+    </p:extLst>
+  </p:cSld>
+  <p:clrMapOvr>
+    <a:masterClrMapping/>
+  </p:clrMapOvr>
+</p:notes>
+</file>
+
 <file path=ppt/slideLayouts/slideLayout1.xml><?xml version="1.0" encoding="utf-8"?>
 <p:sldLayout xmlns:a="http://schemas.openxmlformats.org/drawingml/2006/main" xmlns:r="http://schemas.openxmlformats.org/officeDocument/2006/relationships" xmlns:p="http://schemas.openxmlformats.org/presentationml/2006/main" type="title" preserve="1">
   <p:cSld name="제목 슬라이드">
@@ -274,7 +1224,7 @@
           <a:p>
             <a:fld id="{D19EB641-560B-4754-A5CF-1F51C800745C}" type="datetimeFigureOut">
               <a:rPr lang="ko-KR" altLang="en-US" smtClean="0"/>
-              <a:t>2018-09-09</a:t>
+              <a:t>2018-09-12</a:t>
             </a:fld>
             <a:endParaRPr lang="ko-KR" altLang="en-US"/>
           </a:p>
@@ -472,7 +1422,7 @@
           <a:p>
             <a:fld id="{D19EB641-560B-4754-A5CF-1F51C800745C}" type="datetimeFigureOut">
               <a:rPr lang="ko-KR" altLang="en-US" smtClean="0"/>
-              <a:t>2018-09-09</a:t>
+              <a:t>2018-09-12</a:t>
             </a:fld>
             <a:endParaRPr lang="ko-KR" altLang="en-US"/>
           </a:p>
@@ -680,7 +1630,7 @@
           <a:p>
             <a:fld id="{D19EB641-560B-4754-A5CF-1F51C800745C}" type="datetimeFigureOut">
               <a:rPr lang="ko-KR" altLang="en-US" smtClean="0"/>
-              <a:t>2018-09-09</a:t>
+              <a:t>2018-09-12</a:t>
             </a:fld>
             <a:endParaRPr lang="ko-KR" altLang="en-US"/>
           </a:p>
@@ -878,7 +1828,7 @@
           <a:p>
             <a:fld id="{D19EB641-560B-4754-A5CF-1F51C800745C}" type="datetimeFigureOut">
               <a:rPr lang="ko-KR" altLang="en-US" smtClean="0"/>
-              <a:t>2018-09-09</a:t>
+              <a:t>2018-09-12</a:t>
             </a:fld>
             <a:endParaRPr lang="ko-KR" altLang="en-US"/>
           </a:p>
@@ -1153,7 +2103,7 @@
           <a:p>
             <a:fld id="{D19EB641-560B-4754-A5CF-1F51C800745C}" type="datetimeFigureOut">
               <a:rPr lang="ko-KR" altLang="en-US" smtClean="0"/>
-              <a:t>2018-09-09</a:t>
+              <a:t>2018-09-12</a:t>
             </a:fld>
             <a:endParaRPr lang="ko-KR" altLang="en-US"/>
           </a:p>
@@ -1418,7 +2368,7 @@
           <a:p>
             <a:fld id="{D19EB641-560B-4754-A5CF-1F51C800745C}" type="datetimeFigureOut">
               <a:rPr lang="ko-KR" altLang="en-US" smtClean="0"/>
-              <a:t>2018-09-09</a:t>
+              <a:t>2018-09-12</a:t>
             </a:fld>
             <a:endParaRPr lang="ko-KR" altLang="en-US"/>
           </a:p>
@@ -1830,7 +2780,7 @@
           <a:p>
             <a:fld id="{D19EB641-560B-4754-A5CF-1F51C800745C}" type="datetimeFigureOut">
               <a:rPr lang="ko-KR" altLang="en-US" smtClean="0"/>
-              <a:t>2018-09-09</a:t>
+              <a:t>2018-09-12</a:t>
             </a:fld>
             <a:endParaRPr lang="ko-KR" altLang="en-US"/>
           </a:p>
@@ -1971,7 +2921,7 @@
           <a:p>
             <a:fld id="{D19EB641-560B-4754-A5CF-1F51C800745C}" type="datetimeFigureOut">
               <a:rPr lang="ko-KR" altLang="en-US" smtClean="0"/>
-              <a:t>2018-09-09</a:t>
+              <a:t>2018-09-12</a:t>
             </a:fld>
             <a:endParaRPr lang="ko-KR" altLang="en-US"/>
           </a:p>
@@ -2084,7 +3034,7 @@
           <a:p>
             <a:fld id="{D19EB641-560B-4754-A5CF-1F51C800745C}" type="datetimeFigureOut">
               <a:rPr lang="ko-KR" altLang="en-US" smtClean="0"/>
-              <a:t>2018-09-09</a:t>
+              <a:t>2018-09-12</a:t>
             </a:fld>
             <a:endParaRPr lang="ko-KR" altLang="en-US"/>
           </a:p>
@@ -2395,7 +3345,7 @@
           <a:p>
             <a:fld id="{D19EB641-560B-4754-A5CF-1F51C800745C}" type="datetimeFigureOut">
               <a:rPr lang="ko-KR" altLang="en-US" smtClean="0"/>
-              <a:t>2018-09-09</a:t>
+              <a:t>2018-09-12</a:t>
             </a:fld>
             <a:endParaRPr lang="ko-KR" altLang="en-US"/>
           </a:p>
@@ -2683,7 +3633,7 @@
           <a:p>
             <a:fld id="{D19EB641-560B-4754-A5CF-1F51C800745C}" type="datetimeFigureOut">
               <a:rPr lang="ko-KR" altLang="en-US" smtClean="0"/>
-              <a:t>2018-09-09</a:t>
+              <a:t>2018-09-12</a:t>
             </a:fld>
             <a:endParaRPr lang="ko-KR" altLang="en-US"/>
           </a:p>
@@ -2924,7 +3874,7 @@
           <a:p>
             <a:fld id="{D19EB641-560B-4754-A5CF-1F51C800745C}" type="datetimeFigureOut">
               <a:rPr lang="ko-KR" altLang="en-US" smtClean="0"/>
-              <a:t>2018-09-09</a:t>
+              <a:t>2018-09-12</a:t>
             </a:fld>
             <a:endParaRPr lang="ko-KR" altLang="en-US"/>
           </a:p>
@@ -3343,32 +4293,54 @@
       </p:grpSpPr>
       <p:sp>
         <p:nvSpPr>
-          <p:cNvPr id="2" name="제목 1">
-            <a:extLst>
-              <a:ext uri="{FF2B5EF4-FFF2-40B4-BE49-F238E27FC236}">
-                <a16:creationId xmlns:a16="http://schemas.microsoft.com/office/drawing/2014/main" id="{7F435A0C-77BA-44AC-AB5C-A703D9C63564}"/>
-              </a:ext>
-            </a:extLst>
-          </p:cNvPr>
-          <p:cNvSpPr>
-            <a:spLocks noGrp="1"/>
-          </p:cNvSpPr>
-          <p:nvPr>
-            <p:ph type="ctrTitle"/>
-          </p:nvPr>
-        </p:nvSpPr>
-        <p:spPr/>
-        <p:txBody>
-          <a:bodyPr/>
-          <a:lstStyle/>
-          <a:p>
-            <a:r>
-              <a:rPr lang="en-US" altLang="ko-KR" dirty="0">
-                <a:latin typeface="helvetica" panose="020B0604020202020204" pitchFamily="34" charset="0"/>
-                <a:cs typeface="helvetica" panose="020B0604020202020204" pitchFamily="34" charset="0"/>
-              </a:rPr>
-              <a:t>League of Legends Match</a:t>
-            </a:r>
+          <p:cNvPr id="5" name="평행 사변형 4">
+            <a:extLst>
+              <a:ext uri="{FF2B5EF4-FFF2-40B4-BE49-F238E27FC236}">
+                <a16:creationId xmlns:a16="http://schemas.microsoft.com/office/drawing/2014/main" id="{5511079F-E1A1-4558-A16B-39EAAF1AE83B}"/>
+              </a:ext>
+            </a:extLst>
+          </p:cNvPr>
+          <p:cNvSpPr/>
+          <p:nvPr/>
+        </p:nvSpPr>
+        <p:spPr>
+          <a:xfrm>
+            <a:off x="3933645" y="1276709"/>
+            <a:ext cx="4321834" cy="3588589"/>
+          </a:xfrm>
+          <a:prstGeom prst="parallelogram">
+            <a:avLst>
+              <a:gd name="adj" fmla="val 20016"/>
+            </a:avLst>
+          </a:prstGeom>
+          <a:solidFill>
+            <a:srgbClr val="10232C"/>
+          </a:solidFill>
+          <a:ln>
+            <a:noFill/>
+          </a:ln>
+        </p:spPr>
+        <p:style>
+          <a:lnRef idx="2">
+            <a:schemeClr val="accent1">
+              <a:shade val="50000"/>
+            </a:schemeClr>
+          </a:lnRef>
+          <a:fillRef idx="1">
+            <a:schemeClr val="accent1"/>
+          </a:fillRef>
+          <a:effectRef idx="0">
+            <a:schemeClr val="accent1"/>
+          </a:effectRef>
+          <a:fontRef idx="minor">
+            <a:schemeClr val="lt1"/>
+          </a:fontRef>
+        </p:style>
+        <p:txBody>
+          <a:bodyPr rtlCol="0" anchor="ctr"/>
+          <a:lstStyle/>
+          <a:p>
+            <a:pPr algn="ctr"/>
             <a:endParaRPr lang="ko-KR" altLang="en-US" dirty="0">
               <a:latin typeface="helvetica" panose="020B0604020202020204" pitchFamily="34" charset="0"/>
               <a:cs typeface="helvetica" panose="020B0604020202020204" pitchFamily="34" charset="0"/>
@@ -3378,6 +4350,103 @@
       </p:sp>
       <p:sp>
         <p:nvSpPr>
+          <p:cNvPr id="2" name="제목 1">
+            <a:extLst>
+              <a:ext uri="{FF2B5EF4-FFF2-40B4-BE49-F238E27FC236}">
+                <a16:creationId xmlns:a16="http://schemas.microsoft.com/office/drawing/2014/main" id="{7F435A0C-77BA-44AC-AB5C-A703D9C63564}"/>
+              </a:ext>
+            </a:extLst>
+          </p:cNvPr>
+          <p:cNvSpPr>
+            <a:spLocks noGrp="1"/>
+          </p:cNvSpPr>
+          <p:nvPr>
+            <p:ph type="ctrTitle"/>
+          </p:nvPr>
+        </p:nvSpPr>
+        <p:spPr>
+          <a:xfrm>
+            <a:off x="4045789" y="1863096"/>
+            <a:ext cx="6622212" cy="2387600"/>
+          </a:xfrm>
+        </p:spPr>
+        <p:txBody>
+          <a:bodyPr>
+            <a:normAutofit fontScale="90000"/>
+          </a:bodyPr>
+          <a:lstStyle/>
+          <a:p>
+            <a:pPr algn="l"/>
+            <a:r>
+              <a:rPr lang="en-US" altLang="ko-KR" i="1" dirty="0">
+                <a:solidFill>
+                  <a:schemeClr val="bg1"/>
+                </a:solidFill>
+                <a:latin typeface="helvetica" panose="020B0604020202020204" pitchFamily="34" charset="0"/>
+                <a:cs typeface="helvetica" panose="020B0604020202020204" pitchFamily="34" charset="0"/>
+              </a:rPr>
+              <a:t>  DYNAMIC     </a:t>
+            </a:r>
+            <a:br>
+              <a:rPr lang="en-US" altLang="ko-KR" i="1" dirty="0">
+                <a:solidFill>
+                  <a:schemeClr val="bg1"/>
+                </a:solidFill>
+                <a:latin typeface="helvetica" panose="020B0604020202020204" pitchFamily="34" charset="0"/>
+                <a:cs typeface="helvetica" panose="020B0604020202020204" pitchFamily="34" charset="0"/>
+              </a:rPr>
+            </a:br>
+            <a:r>
+              <a:rPr lang="en-US" altLang="ko-KR" i="1" dirty="0">
+                <a:solidFill>
+                  <a:schemeClr val="bg1"/>
+                </a:solidFill>
+                <a:latin typeface="helvetica" panose="020B0604020202020204" pitchFamily="34" charset="0"/>
+                <a:cs typeface="helvetica" panose="020B0604020202020204" pitchFamily="34" charset="0"/>
+              </a:rPr>
+              <a:t> GRAPH</a:t>
+            </a:r>
+            <a:br>
+              <a:rPr lang="en-US" altLang="ko-KR" i="1" dirty="0">
+                <a:solidFill>
+                  <a:schemeClr val="bg1"/>
+                </a:solidFill>
+                <a:latin typeface="helvetica" panose="020B0604020202020204" pitchFamily="34" charset="0"/>
+                <a:cs typeface="helvetica" panose="020B0604020202020204" pitchFamily="34" charset="0"/>
+              </a:rPr>
+            </a:br>
+            <a:r>
+              <a:rPr lang="en-US" altLang="ko-KR" i="1" dirty="0">
+                <a:solidFill>
+                  <a:schemeClr val="bg1"/>
+                </a:solidFill>
+                <a:latin typeface="helvetica" panose="020B0604020202020204" pitchFamily="34" charset="0"/>
+                <a:cs typeface="helvetica" panose="020B0604020202020204" pitchFamily="34" charset="0"/>
+              </a:rPr>
+              <a:t>ASSIGNME</a:t>
+            </a:r>
+            <a:r>
+              <a:rPr lang="en-US" altLang="ko-KR" i="1" dirty="0">
+                <a:solidFill>
+                  <a:srgbClr val="10232C"/>
+                </a:solidFill>
+                <a:latin typeface="helvetica" panose="020B0604020202020204" pitchFamily="34" charset="0"/>
+                <a:cs typeface="helvetica" panose="020B0604020202020204" pitchFamily="34" charset="0"/>
+              </a:rPr>
+              <a:t>NT</a:t>
+            </a:r>
+            <a:endParaRPr lang="ko-KR" altLang="en-US" i="1" dirty="0">
+              <a:solidFill>
+                <a:srgbClr val="10232C"/>
+              </a:solidFill>
+              <a:latin typeface="helvetica" panose="020B0604020202020204" pitchFamily="34" charset="0"/>
+              <a:cs typeface="helvetica" panose="020B0604020202020204" pitchFamily="34" charset="0"/>
+            </a:endParaRPr>
+          </a:p>
+        </p:txBody>
+      </p:sp>
+      <p:sp>
+        <p:nvSpPr>
           <p:cNvPr id="3" name="부제목 2">
             <a:extLst>
               <a:ext uri="{FF2B5EF4-FFF2-40B4-BE49-F238E27FC236}">
@@ -3392,19 +4461,30 @@
             <p:ph type="subTitle" idx="1"/>
           </p:nvPr>
         </p:nvSpPr>
-        <p:spPr/>
+        <p:spPr>
+          <a:xfrm>
+            <a:off x="1101305" y="4865298"/>
+            <a:ext cx="9144000" cy="504645"/>
+          </a:xfrm>
+        </p:spPr>
         <p:txBody>
           <a:bodyPr/>
           <a:lstStyle/>
           <a:p>
             <a:r>
-              <a:rPr lang="en-US" altLang="ko-KR" dirty="0">
+              <a:rPr lang="en-US" altLang="ko-KR" b="1" dirty="0">
+                <a:solidFill>
+                  <a:srgbClr val="10232C"/>
+                </a:solidFill>
                 <a:latin typeface="helvetica" panose="020B0604020202020204" pitchFamily="34" charset="0"/>
                 <a:cs typeface="helvetica" panose="020B0604020202020204" pitchFamily="34" charset="0"/>
               </a:rPr>
               <a:t>Design of data structure</a:t>
             </a:r>
-            <a:endParaRPr lang="ko-KR" altLang="en-US" dirty="0">
+            <a:endParaRPr lang="ko-KR" altLang="en-US" b="1" dirty="0">
+              <a:solidFill>
+                <a:srgbClr val="10232C"/>
+              </a:solidFill>
               <a:latin typeface="helvetica" panose="020B0604020202020204" pitchFamily="34" charset="0"/>
               <a:cs typeface="helvetica" panose="020B0604020202020204" pitchFamily="34" charset="0"/>
             </a:endParaRPr>
@@ -3425,8 +4505,8 @@
         </p:nvSpPr>
         <p:spPr>
           <a:xfrm>
-            <a:off x="9067311" y="5658000"/>
-            <a:ext cx="2785145" cy="646331"/>
+            <a:off x="9067311" y="5378569"/>
+            <a:ext cx="2785145" cy="923330"/>
           </a:xfrm>
           <a:prstGeom prst="rect">
             <a:avLst/>
@@ -3441,8 +4521,34 @@
           <a:p>
             <a:pPr algn="r"/>
             <a:r>
+              <a:rPr lang="ko-KR" altLang="en-US" dirty="0">
+                <a:solidFill>
+                  <a:srgbClr val="10232C"/>
+                </a:solidFill>
+                <a:latin typeface="helvetica" panose="020B0604020202020204" pitchFamily="34" charset="0"/>
+                <a:ea typeface="Sandoll 고딕Neo1 04 Regular" panose="020B0600000101010101" pitchFamily="34" charset="-127"/>
+                <a:cs typeface="helvetica" panose="020B0604020202020204" pitchFamily="34" charset="0"/>
+              </a:rPr>
+              <a:t>경영학부</a:t>
+            </a:r>
+            <a:endParaRPr lang="en-US" altLang="ko-KR" dirty="0">
+              <a:solidFill>
+                <a:srgbClr val="10232C"/>
+              </a:solidFill>
+              <a:latin typeface="helvetica" panose="020B0604020202020204" pitchFamily="34" charset="0"/>
+              <a:ea typeface="Sandoll 고딕Neo1 04 Regular" panose="020B0600000101010101" pitchFamily="34" charset="-127"/>
+              <a:cs typeface="helvetica" panose="020B0604020202020204" pitchFamily="34" charset="0"/>
+            </a:endParaRPr>
+          </a:p>
+          <a:p>
+            <a:pPr algn="r"/>
+            <a:r>
               <a:rPr lang="en-US" altLang="ko-KR" dirty="0">
+                <a:solidFill>
+                  <a:srgbClr val="10232C"/>
+                </a:solidFill>
                 <a:latin typeface="helvetica" panose="020B0604020202020204" pitchFamily="34" charset="0"/>
+                <a:ea typeface="Sandoll 고딕Neo1 04 Regular" panose="020B0600000101010101" pitchFamily="34" charset="-127"/>
                 <a:cs typeface="helvetica" panose="020B0604020202020204" pitchFamily="34" charset="0"/>
               </a:rPr>
               <a:t>20115135</a:t>
@@ -3452,11 +4558,104 @@
             <a:pPr algn="r"/>
             <a:r>
               <a:rPr lang="ko-KR" altLang="en-US" dirty="0" err="1">
+                <a:solidFill>
+                  <a:srgbClr val="10232C"/>
+                </a:solidFill>
                 <a:latin typeface="helvetica" panose="020B0604020202020204" pitchFamily="34" charset="0"/>
+                <a:ea typeface="Sandoll 고딕Neo1 04 Regular" panose="020B0600000101010101" pitchFamily="34" charset="-127"/>
                 <a:cs typeface="helvetica" panose="020B0604020202020204" pitchFamily="34" charset="0"/>
               </a:rPr>
               <a:t>양의현</a:t>
             </a:r>
+            <a:endParaRPr lang="ko-KR" altLang="en-US" dirty="0">
+              <a:solidFill>
+                <a:srgbClr val="10232C"/>
+              </a:solidFill>
+              <a:latin typeface="helvetica" panose="020B0604020202020204" pitchFamily="34" charset="0"/>
+              <a:ea typeface="Sandoll 고딕Neo1 04 Regular" panose="020B0600000101010101" pitchFamily="34" charset="-127"/>
+              <a:cs typeface="helvetica" panose="020B0604020202020204" pitchFamily="34" charset="0"/>
+            </a:endParaRPr>
+          </a:p>
+        </p:txBody>
+      </p:sp>
+    </p:spTree>
+    <p:extLst>
+      <p:ext uri="{BB962C8B-B14F-4D97-AF65-F5344CB8AC3E}">
+        <p14:creationId xmlns:p14="http://schemas.microsoft.com/office/powerpoint/2010/main" val="2984670770"/>
+      </p:ext>
+    </p:extLst>
+  </p:cSld>
+  <p:clrMapOvr>
+    <a:masterClrMapping/>
+  </p:clrMapOvr>
+</p:sld>
+</file>
+
+<file path=ppt/slides/slide10.xml><?xml version="1.0" encoding="utf-8"?>
+<p:sld xmlns:a="http://schemas.openxmlformats.org/drawingml/2006/main" xmlns:r="http://schemas.openxmlformats.org/officeDocument/2006/relationships" xmlns:p="http://schemas.openxmlformats.org/presentationml/2006/main">
+  <p:cSld>
+    <p:spTree>
+      <p:nvGrpSpPr>
+        <p:cNvPr id="1" name=""/>
+        <p:cNvGrpSpPr/>
+        <p:nvPr/>
+      </p:nvGrpSpPr>
+      <p:grpSpPr>
+        <a:xfrm>
+          <a:off x="0" y="0"/>
+          <a:ext cx="0" cy="0"/>
+          <a:chOff x="0" y="0"/>
+          <a:chExt cx="0" cy="0"/>
+        </a:xfrm>
+      </p:grpSpPr>
+      <p:sp>
+        <p:nvSpPr>
+          <p:cNvPr id="6" name="직사각형 5">
+            <a:extLst>
+              <a:ext uri="{FF2B5EF4-FFF2-40B4-BE49-F238E27FC236}">
+                <a16:creationId xmlns:a16="http://schemas.microsoft.com/office/drawing/2014/main" id="{93FD60D2-BBD0-4153-99BC-69CB5966D57A}"/>
+              </a:ext>
+            </a:extLst>
+          </p:cNvPr>
+          <p:cNvSpPr/>
+          <p:nvPr/>
+        </p:nvSpPr>
+        <p:spPr>
+          <a:xfrm>
+            <a:off x="0" y="0"/>
+            <a:ext cx="12192000" cy="6858000"/>
+          </a:xfrm>
+          <a:prstGeom prst="rect">
+            <a:avLst/>
+          </a:prstGeom>
+          <a:solidFill>
+            <a:srgbClr val="10232C"/>
+          </a:solidFill>
+          <a:ln>
+            <a:noFill/>
+          </a:ln>
+        </p:spPr>
+        <p:style>
+          <a:lnRef idx="2">
+            <a:schemeClr val="accent1">
+              <a:shade val="50000"/>
+            </a:schemeClr>
+          </a:lnRef>
+          <a:fillRef idx="1">
+            <a:schemeClr val="accent1"/>
+          </a:fillRef>
+          <a:effectRef idx="0">
+            <a:schemeClr val="accent1"/>
+          </a:effectRef>
+          <a:fontRef idx="minor">
+            <a:schemeClr val="lt1"/>
+          </a:fontRef>
+        </p:style>
+        <p:txBody>
+          <a:bodyPr rtlCol="0" anchor="ctr"/>
+          <a:lstStyle/>
+          <a:p>
+            <a:pPr algn="ctr"/>
             <a:endParaRPr lang="ko-KR" altLang="en-US" dirty="0">
               <a:latin typeface="helvetica" panose="020B0604020202020204" pitchFamily="34" charset="0"/>
               <a:cs typeface="helvetica" panose="020B0604020202020204" pitchFamily="34" charset="0"/>
@@ -3464,10 +4663,92 @@
           </a:p>
         </p:txBody>
       </p:sp>
+      <p:pic>
+        <p:nvPicPr>
+          <p:cNvPr id="5" name="그림 4">
+            <a:extLst>
+              <a:ext uri="{FF2B5EF4-FFF2-40B4-BE49-F238E27FC236}">
+                <a16:creationId xmlns:a16="http://schemas.microsoft.com/office/drawing/2014/main" id="{11EF191B-3FCC-44DA-8153-607D80651D34}"/>
+              </a:ext>
+            </a:extLst>
+          </p:cNvPr>
+          <p:cNvPicPr>
+            <a:picLocks noChangeAspect="1"/>
+          </p:cNvPicPr>
+          <p:nvPr/>
+        </p:nvPicPr>
+        <p:blipFill>
+          <a:blip r:embed="rId3">
+            <a:extLst>
+              <a:ext uri="{28A0092B-C50C-407E-A947-70E740481C1C}">
+                <a14:useLocalDpi xmlns:a14="http://schemas.microsoft.com/office/drawing/2010/main" val="0"/>
+              </a:ext>
+            </a:extLst>
+          </a:blip>
+          <a:stretch>
+            <a:fillRect/>
+          </a:stretch>
+        </p:blipFill>
+        <p:spPr>
+          <a:xfrm>
+            <a:off x="10248900" y="4748213"/>
+            <a:ext cx="1524000" cy="1524000"/>
+          </a:xfrm>
+          <a:prstGeom prst="rect">
+            <a:avLst/>
+          </a:prstGeom>
+        </p:spPr>
+      </p:pic>
+      <p:sp>
+        <p:nvSpPr>
+          <p:cNvPr id="11" name="제목 3">
+            <a:extLst>
+              <a:ext uri="{FF2B5EF4-FFF2-40B4-BE49-F238E27FC236}">
+                <a16:creationId xmlns:a16="http://schemas.microsoft.com/office/drawing/2014/main" id="{BFF53B4E-11D7-45D3-BD1C-A14A7AB34DD4}"/>
+              </a:ext>
+            </a:extLst>
+          </p:cNvPr>
+          <p:cNvSpPr>
+            <a:spLocks noGrp="1"/>
+          </p:cNvSpPr>
+          <p:nvPr>
+            <p:ph type="title"/>
+          </p:nvPr>
+        </p:nvSpPr>
+        <p:spPr>
+          <a:xfrm>
+            <a:off x="1498600" y="3429000"/>
+            <a:ext cx="10515600" cy="2852737"/>
+          </a:xfrm>
+        </p:spPr>
+        <p:txBody>
+          <a:bodyPr/>
+          <a:lstStyle/>
+          <a:p>
+            <a:r>
+              <a:rPr lang="en-US" altLang="ko-KR" dirty="0">
+                <a:solidFill>
+                  <a:schemeClr val="bg1"/>
+                </a:solidFill>
+                <a:latin typeface="helvetica" panose="020B0604020202020204" pitchFamily="34" charset="0"/>
+                <a:cs typeface="helvetica" panose="020B0604020202020204" pitchFamily="34" charset="0"/>
+              </a:rPr>
+              <a:t>Thanks for your attention</a:t>
+            </a:r>
+            <a:endParaRPr lang="ko-KR" altLang="en-US" dirty="0">
+              <a:solidFill>
+                <a:schemeClr val="bg1"/>
+              </a:solidFill>
+              <a:latin typeface="helvetica" panose="020B0604020202020204" pitchFamily="34" charset="0"/>
+              <a:cs typeface="helvetica" panose="020B0604020202020204" pitchFamily="34" charset="0"/>
+            </a:endParaRPr>
+          </a:p>
+        </p:txBody>
+      </p:sp>
     </p:spTree>
     <p:extLst>
       <p:ext uri="{BB962C8B-B14F-4D97-AF65-F5344CB8AC3E}">
-        <p14:creationId xmlns:p14="http://schemas.microsoft.com/office/powerpoint/2010/main" val="2984670770"/>
+        <p14:creationId xmlns:p14="http://schemas.microsoft.com/office/powerpoint/2010/main" val="1067366440"/>
       </p:ext>
     </p:extLst>
   </p:cSld>
@@ -3496,32 +4777,52 @@
       </p:grpSpPr>
       <p:sp>
         <p:nvSpPr>
-          <p:cNvPr id="2" name="제목 1">
-            <a:extLst>
-              <a:ext uri="{FF2B5EF4-FFF2-40B4-BE49-F238E27FC236}">
-                <a16:creationId xmlns:a16="http://schemas.microsoft.com/office/drawing/2014/main" id="{E035347B-DFCD-4474-BE9A-4D675C6325C0}"/>
-              </a:ext>
-            </a:extLst>
-          </p:cNvPr>
-          <p:cNvSpPr>
-            <a:spLocks noGrp="1"/>
-          </p:cNvSpPr>
-          <p:nvPr>
-            <p:ph type="title"/>
-          </p:nvPr>
-        </p:nvSpPr>
-        <p:spPr/>
-        <p:txBody>
-          <a:bodyPr/>
-          <a:lstStyle/>
-          <a:p>
-            <a:r>
-              <a:rPr lang="en-US" altLang="ko-KR" dirty="0">
-                <a:latin typeface="helvetica" panose="020B0604020202020204" pitchFamily="34" charset="0"/>
-                <a:cs typeface="helvetica" panose="020B0604020202020204" pitchFamily="34" charset="0"/>
-              </a:rPr>
-              <a:t>Dataset</a:t>
-            </a:r>
+          <p:cNvPr id="6" name="직사각형 5">
+            <a:extLst>
+              <a:ext uri="{FF2B5EF4-FFF2-40B4-BE49-F238E27FC236}">
+                <a16:creationId xmlns:a16="http://schemas.microsoft.com/office/drawing/2014/main" id="{93FD60D2-BBD0-4153-99BC-69CB5966D57A}"/>
+              </a:ext>
+            </a:extLst>
+          </p:cNvPr>
+          <p:cNvSpPr/>
+          <p:nvPr/>
+        </p:nvSpPr>
+        <p:spPr>
+          <a:xfrm>
+            <a:off x="0" y="0"/>
+            <a:ext cx="12192000" cy="6858000"/>
+          </a:xfrm>
+          <a:prstGeom prst="rect">
+            <a:avLst/>
+          </a:prstGeom>
+          <a:solidFill>
+            <a:srgbClr val="10232C"/>
+          </a:solidFill>
+          <a:ln>
+            <a:noFill/>
+          </a:ln>
+        </p:spPr>
+        <p:style>
+          <a:lnRef idx="2">
+            <a:schemeClr val="accent1">
+              <a:shade val="50000"/>
+            </a:schemeClr>
+          </a:lnRef>
+          <a:fillRef idx="1">
+            <a:schemeClr val="accent1"/>
+          </a:fillRef>
+          <a:effectRef idx="0">
+            <a:schemeClr val="accent1"/>
+          </a:effectRef>
+          <a:fontRef idx="minor">
+            <a:schemeClr val="lt1"/>
+          </a:fontRef>
+        </p:style>
+        <p:txBody>
+          <a:bodyPr rtlCol="0" anchor="ctr"/>
+          <a:lstStyle/>
+          <a:p>
+            <a:pPr algn="ctr"/>
             <a:endParaRPr lang="ko-KR" altLang="en-US" dirty="0">
               <a:latin typeface="helvetica" panose="020B0604020202020204" pitchFamily="34" charset="0"/>
               <a:cs typeface="helvetica" panose="020B0604020202020204" pitchFamily="34" charset="0"/>
@@ -3531,10 +4832,10 @@
       </p:sp>
       <p:sp>
         <p:nvSpPr>
-          <p:cNvPr id="3" name="내용 개체 틀 2">
-            <a:extLst>
-              <a:ext uri="{FF2B5EF4-FFF2-40B4-BE49-F238E27FC236}">
-                <a16:creationId xmlns:a16="http://schemas.microsoft.com/office/drawing/2014/main" id="{430337F9-331E-48CB-A15F-7D88541A93A2}"/>
+          <p:cNvPr id="4" name="제목 3">
+            <a:extLst>
+              <a:ext uri="{FF2B5EF4-FFF2-40B4-BE49-F238E27FC236}">
+                <a16:creationId xmlns:a16="http://schemas.microsoft.com/office/drawing/2014/main" id="{01352715-472E-4054-8508-F8363F27CCFA}"/>
               </a:ext>
             </a:extLst>
           </p:cNvPr>
@@ -3542,42 +4843,98 @@
             <a:spLocks noGrp="1"/>
           </p:cNvSpPr>
           <p:nvPr>
-            <p:ph idx="1"/>
-          </p:nvPr>
-        </p:nvSpPr>
-        <p:spPr/>
+            <p:ph type="title"/>
+          </p:nvPr>
+        </p:nvSpPr>
+        <p:spPr>
+          <a:xfrm>
+            <a:off x="923026" y="1709738"/>
+            <a:ext cx="10424424" cy="2499953"/>
+          </a:xfrm>
+        </p:spPr>
         <p:txBody>
           <a:bodyPr/>
           <a:lstStyle/>
           <a:p>
-            <a:pPr fontAlgn="base"/>
             <a:r>
               <a:rPr lang="en-US" altLang="ko-KR" dirty="0">
+                <a:solidFill>
+                  <a:schemeClr val="bg1"/>
+                </a:solidFill>
                 <a:latin typeface="helvetica" panose="020B0604020202020204" pitchFamily="34" charset="0"/>
                 <a:cs typeface="helvetica" panose="020B0604020202020204" pitchFamily="34" charset="0"/>
               </a:rPr>
-              <a:t>League of Legends Pro league matches</a:t>
-            </a:r>
-          </a:p>
-          <a:p>
-            <a:r>
-              <a:rPr lang="en-US" altLang="ko-KR" dirty="0">
-                <a:latin typeface="helvetica" panose="020B0604020202020204" pitchFamily="34" charset="0"/>
-                <a:cs typeface="helvetica" panose="020B0604020202020204" pitchFamily="34" charset="0"/>
-              </a:rPr>
-              <a:t>https://www.kaggle.com/chuckephron/leagueoflegends</a:t>
+              <a:t>Data Driven</a:t>
             </a:r>
             <a:endParaRPr lang="ko-KR" altLang="en-US" dirty="0">
+              <a:solidFill>
+                <a:schemeClr val="bg1"/>
+              </a:solidFill>
               <a:latin typeface="helvetica" panose="020B0604020202020204" pitchFamily="34" charset="0"/>
               <a:cs typeface="helvetica" panose="020B0604020202020204" pitchFamily="34" charset="0"/>
             </a:endParaRPr>
           </a:p>
         </p:txBody>
       </p:sp>
+      <p:sp>
+        <p:nvSpPr>
+          <p:cNvPr id="7" name="직사각형 6">
+            <a:extLst>
+              <a:ext uri="{FF2B5EF4-FFF2-40B4-BE49-F238E27FC236}">
+                <a16:creationId xmlns:a16="http://schemas.microsoft.com/office/drawing/2014/main" id="{D94655CE-FBF6-4753-A7FC-666F0D178E57}"/>
+              </a:ext>
+            </a:extLst>
+          </p:cNvPr>
+          <p:cNvSpPr/>
+          <p:nvPr/>
+        </p:nvSpPr>
+        <p:spPr>
+          <a:xfrm>
+            <a:off x="1052512" y="4088920"/>
+            <a:ext cx="1569243" cy="56835"/>
+          </a:xfrm>
+          <a:prstGeom prst="rect">
+            <a:avLst/>
+          </a:prstGeom>
+          <a:solidFill>
+            <a:schemeClr val="bg1"/>
+          </a:solidFill>
+          <a:ln>
+            <a:noFill/>
+          </a:ln>
+        </p:spPr>
+        <p:style>
+          <a:lnRef idx="2">
+            <a:schemeClr val="accent1">
+              <a:shade val="50000"/>
+            </a:schemeClr>
+          </a:lnRef>
+          <a:fillRef idx="1">
+            <a:schemeClr val="accent1"/>
+          </a:fillRef>
+          <a:effectRef idx="0">
+            <a:schemeClr val="accent1"/>
+          </a:effectRef>
+          <a:fontRef idx="minor">
+            <a:schemeClr val="lt1"/>
+          </a:fontRef>
+        </p:style>
+        <p:txBody>
+          <a:bodyPr rtlCol="0" anchor="ctr"/>
+          <a:lstStyle/>
+          <a:p>
+            <a:pPr algn="ctr"/>
+            <a:endParaRPr lang="ko-KR" altLang="en-US">
+              <a:latin typeface="helvetica" panose="020B0604020202020204" pitchFamily="34" charset="0"/>
+              <a:cs typeface="helvetica" panose="020B0604020202020204" pitchFamily="34" charset="0"/>
+            </a:endParaRPr>
+          </a:p>
+        </p:txBody>
+      </p:sp>
     </p:spTree>
     <p:extLst>
       <p:ext uri="{BB962C8B-B14F-4D97-AF65-F5344CB8AC3E}">
-        <p14:creationId xmlns:p14="http://schemas.microsoft.com/office/powerpoint/2010/main" val="2202251205"/>
+        <p14:creationId xmlns:p14="http://schemas.microsoft.com/office/powerpoint/2010/main" val="2752525266"/>
       </p:ext>
     </p:extLst>
   </p:cSld>
@@ -3606,32 +4963,52 @@
       </p:grpSpPr>
       <p:sp>
         <p:nvSpPr>
-          <p:cNvPr id="2" name="제목 1">
-            <a:extLst>
-              <a:ext uri="{FF2B5EF4-FFF2-40B4-BE49-F238E27FC236}">
-                <a16:creationId xmlns:a16="http://schemas.microsoft.com/office/drawing/2014/main" id="{0FE4BD9F-76F0-43CD-8C6D-739B052E3D97}"/>
-              </a:ext>
-            </a:extLst>
-          </p:cNvPr>
-          <p:cNvSpPr>
-            <a:spLocks noGrp="1"/>
-          </p:cNvSpPr>
-          <p:nvPr>
-            <p:ph type="title"/>
-          </p:nvPr>
-        </p:nvSpPr>
-        <p:spPr/>
-        <p:txBody>
-          <a:bodyPr/>
-          <a:lstStyle/>
-          <a:p>
-            <a:r>
-              <a:rPr lang="en-US" altLang="ko-KR" dirty="0">
-                <a:latin typeface="helvetica" panose="020B0604020202020204" pitchFamily="34" charset="0"/>
-                <a:cs typeface="helvetica" panose="020B0604020202020204" pitchFamily="34" charset="0"/>
-              </a:rPr>
-              <a:t>Dataset</a:t>
-            </a:r>
+          <p:cNvPr id="6" name="직사각형 5">
+            <a:extLst>
+              <a:ext uri="{FF2B5EF4-FFF2-40B4-BE49-F238E27FC236}">
+                <a16:creationId xmlns:a16="http://schemas.microsoft.com/office/drawing/2014/main" id="{93FD60D2-BBD0-4153-99BC-69CB5966D57A}"/>
+              </a:ext>
+            </a:extLst>
+          </p:cNvPr>
+          <p:cNvSpPr/>
+          <p:nvPr/>
+        </p:nvSpPr>
+        <p:spPr>
+          <a:xfrm>
+            <a:off x="0" y="0"/>
+            <a:ext cx="12192000" cy="6858000"/>
+          </a:xfrm>
+          <a:prstGeom prst="rect">
+            <a:avLst/>
+          </a:prstGeom>
+          <a:solidFill>
+            <a:srgbClr val="10232C"/>
+          </a:solidFill>
+          <a:ln>
+            <a:noFill/>
+          </a:ln>
+        </p:spPr>
+        <p:style>
+          <a:lnRef idx="2">
+            <a:schemeClr val="accent1">
+              <a:shade val="50000"/>
+            </a:schemeClr>
+          </a:lnRef>
+          <a:fillRef idx="1">
+            <a:schemeClr val="accent1"/>
+          </a:fillRef>
+          <a:effectRef idx="0">
+            <a:schemeClr val="accent1"/>
+          </a:effectRef>
+          <a:fontRef idx="minor">
+            <a:schemeClr val="lt1"/>
+          </a:fontRef>
+        </p:style>
+        <p:txBody>
+          <a:bodyPr rtlCol="0" anchor="ctr"/>
+          <a:lstStyle/>
+          <a:p>
+            <a:pPr algn="ctr"/>
             <a:endParaRPr lang="ko-KR" altLang="en-US" dirty="0">
               <a:latin typeface="helvetica" panose="020B0604020202020204" pitchFamily="34" charset="0"/>
               <a:cs typeface="helvetica" panose="020B0604020202020204" pitchFamily="34" charset="0"/>
@@ -3641,10 +5018,10 @@
       </p:sp>
       <p:sp>
         <p:nvSpPr>
-          <p:cNvPr id="3" name="내용 개체 틀 2">
-            <a:extLst>
-              <a:ext uri="{FF2B5EF4-FFF2-40B4-BE49-F238E27FC236}">
-                <a16:creationId xmlns:a16="http://schemas.microsoft.com/office/drawing/2014/main" id="{FE902DB7-BAB5-432F-9F54-54C023134E8E}"/>
+          <p:cNvPr id="4" name="제목 3">
+            <a:extLst>
+              <a:ext uri="{FF2B5EF4-FFF2-40B4-BE49-F238E27FC236}">
+                <a16:creationId xmlns:a16="http://schemas.microsoft.com/office/drawing/2014/main" id="{01352715-472E-4054-8508-F8363F27CCFA}"/>
               </a:ext>
             </a:extLst>
           </p:cNvPr>
@@ -3652,60 +5029,176 @@
             <a:spLocks noGrp="1"/>
           </p:cNvSpPr>
           <p:nvPr>
-            <p:ph idx="1"/>
-          </p:nvPr>
-        </p:nvSpPr>
-        <p:spPr/>
-        <p:txBody>
-          <a:bodyPr/>
-          <a:lstStyle/>
-          <a:p>
-            <a:pPr fontAlgn="base"/>
-            <a:r>
-              <a:rPr lang="en-US" altLang="ko-KR" dirty="0">
+            <p:ph type="title"/>
+          </p:nvPr>
+        </p:nvSpPr>
+        <p:spPr>
+          <a:xfrm>
+            <a:off x="923026" y="2179023"/>
+            <a:ext cx="3968152" cy="2499953"/>
+          </a:xfrm>
+        </p:spPr>
+        <p:txBody>
+          <a:bodyPr anchor="ctr">
+            <a:normAutofit/>
+          </a:bodyPr>
+          <a:lstStyle/>
+          <a:p>
+            <a:r>
+              <a:rPr lang="en-US" altLang="ko-KR" sz="9600" dirty="0">
+                <a:solidFill>
+                  <a:schemeClr val="bg1"/>
+                </a:solidFill>
                 <a:latin typeface="helvetica" panose="020B0604020202020204" pitchFamily="34" charset="0"/>
                 <a:cs typeface="helvetica" panose="020B0604020202020204" pitchFamily="34" charset="0"/>
               </a:rPr>
-              <a:t>Period: 2015 - 2018</a:t>
-            </a:r>
-          </a:p>
-          <a:p>
-            <a:pPr fontAlgn="base"/>
-            <a:r>
-              <a:rPr lang="en-US" altLang="ko-KR" dirty="0">
+              <a:t>TOPIC</a:t>
+            </a:r>
+            <a:endParaRPr lang="ko-KR" altLang="en-US" sz="9600" dirty="0">
+              <a:solidFill>
+                <a:schemeClr val="bg1"/>
+              </a:solidFill>
+              <a:latin typeface="helvetica" panose="020B0604020202020204" pitchFamily="34" charset="0"/>
+              <a:cs typeface="helvetica" panose="020B0604020202020204" pitchFamily="34" charset="0"/>
+            </a:endParaRPr>
+          </a:p>
+        </p:txBody>
+      </p:sp>
+      <p:sp>
+        <p:nvSpPr>
+          <p:cNvPr id="8" name="제목 3">
+            <a:extLst>
+              <a:ext uri="{FF2B5EF4-FFF2-40B4-BE49-F238E27FC236}">
+                <a16:creationId xmlns:a16="http://schemas.microsoft.com/office/drawing/2014/main" id="{6A7E3CFD-E59A-41BB-A515-16B8DB115D12}"/>
+              </a:ext>
+            </a:extLst>
+          </p:cNvPr>
+          <p:cNvSpPr txBox="1">
+            <a:spLocks/>
+          </p:cNvSpPr>
+          <p:nvPr/>
+        </p:nvSpPr>
+        <p:spPr>
+          <a:xfrm>
+            <a:off x="7151296" y="2322213"/>
+            <a:ext cx="4606508" cy="2499953"/>
+          </a:xfrm>
+          <a:prstGeom prst="rect">
+            <a:avLst/>
+          </a:prstGeom>
+        </p:spPr>
+        <p:txBody>
+          <a:bodyPr vert="horz" lIns="91440" tIns="45720" rIns="91440" bIns="45720" rtlCol="0" anchor="ctr">
+            <a:normAutofit fontScale="77500" lnSpcReduction="20000"/>
+          </a:bodyPr>
+          <a:lstStyle>
+            <a:lvl1pPr algn="l" defTabSz="914400" rtl="0" eaLnBrk="1" latinLnBrk="1" hangingPunct="1">
+              <a:lnSpc>
+                <a:spcPct val="90000"/>
+              </a:lnSpc>
+              <a:spcBef>
+                <a:spcPct val="0"/>
+              </a:spcBef>
+              <a:buNone/>
+              <a:defRPr sz="6000" kern="1200">
+                <a:solidFill>
+                  <a:schemeClr val="tx1"/>
+                </a:solidFill>
+                <a:latin typeface="+mj-lt"/>
+                <a:ea typeface="+mj-ea"/>
+                <a:cs typeface="+mj-cs"/>
+              </a:defRPr>
+            </a:lvl1pPr>
+          </a:lstStyle>
+          <a:p>
+            <a:r>
+              <a:rPr lang="en-US" altLang="ko-KR" sz="9600" dirty="0">
+                <a:solidFill>
+                  <a:schemeClr val="bg1"/>
+                </a:solidFill>
                 <a:latin typeface="helvetica" panose="020B0604020202020204" pitchFamily="34" charset="0"/>
                 <a:cs typeface="helvetica" panose="020B0604020202020204" pitchFamily="34" charset="0"/>
               </a:rPr>
-              <a:t>Season: Spring, Summer</a:t>
-            </a:r>
-          </a:p>
-          <a:p>
-            <a:pPr fontAlgn="base"/>
-            <a:r>
-              <a:rPr lang="en-US" altLang="ko-KR" dirty="0">
+              <a:t>COLLECT</a:t>
+            </a:r>
+          </a:p>
+          <a:p>
+            <a:r>
+              <a:rPr lang="en-US" altLang="ko-KR" sz="9600" dirty="0">
+                <a:solidFill>
+                  <a:schemeClr val="bg1"/>
+                </a:solidFill>
                 <a:latin typeface="helvetica" panose="020B0604020202020204" pitchFamily="34" charset="0"/>
                 <a:cs typeface="helvetica" panose="020B0604020202020204" pitchFamily="34" charset="0"/>
               </a:rPr>
-              <a:t>Type: Season, Playoffs, Regional</a:t>
-            </a:r>
-          </a:p>
-          <a:p>
-            <a:pPr fontAlgn="base"/>
-            <a:endParaRPr lang="en-US" altLang="ko-KR" dirty="0">
+              <a:t>DATA</a:t>
+            </a:r>
+            <a:endParaRPr lang="ko-KR" altLang="en-US" sz="9600" dirty="0">
+              <a:solidFill>
+                <a:schemeClr val="bg1"/>
+              </a:solidFill>
               <a:latin typeface="helvetica" panose="020B0604020202020204" pitchFamily="34" charset="0"/>
               <a:cs typeface="helvetica" panose="020B0604020202020204" pitchFamily="34" charset="0"/>
             </a:endParaRPr>
           </a:p>
-          <a:p>
-            <a:pPr fontAlgn="base"/>
-            <a:r>
-              <a:rPr lang="en-US" altLang="ko-KR" b="1" dirty="0">
-                <a:latin typeface="helvetica" panose="020B0604020202020204" pitchFamily="34" charset="0"/>
-                <a:cs typeface="helvetica" panose="020B0604020202020204" pitchFamily="34" charset="0"/>
-              </a:rPr>
-              <a:t>Match Count: 7621</a:t>
-            </a:r>
-            <a:endParaRPr lang="ko-KR" altLang="en-US" b="1" dirty="0">
+        </p:txBody>
+      </p:sp>
+      <p:sp>
+        <p:nvSpPr>
+          <p:cNvPr id="2" name="화살표: 아래로 구부러짐 1">
+            <a:extLst>
+              <a:ext uri="{FF2B5EF4-FFF2-40B4-BE49-F238E27FC236}">
+                <a16:creationId xmlns:a16="http://schemas.microsoft.com/office/drawing/2014/main" id="{DED6CEF2-EAE8-434B-AEE4-7972A1AFE528}"/>
+              </a:ext>
+            </a:extLst>
+          </p:cNvPr>
+          <p:cNvSpPr/>
+          <p:nvPr/>
+        </p:nvSpPr>
+        <p:spPr>
+          <a:xfrm>
+            <a:off x="4209692" y="1285336"/>
+            <a:ext cx="3786996" cy="1293962"/>
+          </a:xfrm>
+          <a:prstGeom prst="curvedDownArrow">
+            <a:avLst>
+              <a:gd name="adj1" fmla="val 17125"/>
+              <a:gd name="adj2" fmla="val 50000"/>
+              <a:gd name="adj3" fmla="val 44333"/>
+            </a:avLst>
+          </a:prstGeom>
+          <a:solidFill>
+            <a:schemeClr val="bg1"/>
+          </a:solidFill>
+          <a:ln>
+            <a:noFill/>
+          </a:ln>
+        </p:spPr>
+        <p:style>
+          <a:lnRef idx="2">
+            <a:schemeClr val="accent1">
+              <a:shade val="50000"/>
+            </a:schemeClr>
+          </a:lnRef>
+          <a:fillRef idx="1">
+            <a:schemeClr val="accent1"/>
+          </a:fillRef>
+          <a:effectRef idx="0">
+            <a:schemeClr val="accent1"/>
+          </a:effectRef>
+          <a:fontRef idx="minor">
+            <a:schemeClr val="lt1"/>
+          </a:fontRef>
+        </p:style>
+        <p:txBody>
+          <a:bodyPr rtlCol="0" anchor="ctr"/>
+          <a:lstStyle/>
+          <a:p>
+            <a:pPr algn="ctr"/>
+            <a:endParaRPr lang="ko-KR" altLang="en-US">
+              <a:solidFill>
+                <a:schemeClr val="tx1"/>
+              </a:solidFill>
               <a:latin typeface="helvetica" panose="020B0604020202020204" pitchFamily="34" charset="0"/>
               <a:cs typeface="helvetica" panose="020B0604020202020204" pitchFamily="34" charset="0"/>
             </a:endParaRPr>
@@ -3715,7 +5208,7 @@
     </p:spTree>
     <p:extLst>
       <p:ext uri="{BB962C8B-B14F-4D97-AF65-F5344CB8AC3E}">
-        <p14:creationId xmlns:p14="http://schemas.microsoft.com/office/powerpoint/2010/main" val="453224985"/>
+        <p14:creationId xmlns:p14="http://schemas.microsoft.com/office/powerpoint/2010/main" val="2771299542"/>
       </p:ext>
     </p:extLst>
   </p:cSld>
@@ -3744,32 +5237,52 @@
       </p:grpSpPr>
       <p:sp>
         <p:nvSpPr>
-          <p:cNvPr id="2" name="제목 1">
-            <a:extLst>
-              <a:ext uri="{FF2B5EF4-FFF2-40B4-BE49-F238E27FC236}">
-                <a16:creationId xmlns:a16="http://schemas.microsoft.com/office/drawing/2014/main" id="{E035347B-DFCD-4474-BE9A-4D675C6325C0}"/>
-              </a:ext>
-            </a:extLst>
-          </p:cNvPr>
-          <p:cNvSpPr>
-            <a:spLocks noGrp="1"/>
-          </p:cNvSpPr>
-          <p:nvPr>
-            <p:ph type="title"/>
-          </p:nvPr>
-        </p:nvSpPr>
-        <p:spPr/>
-        <p:txBody>
-          <a:bodyPr/>
-          <a:lstStyle/>
-          <a:p>
-            <a:r>
-              <a:rPr lang="en-US" altLang="ko-KR" dirty="0">
-                <a:latin typeface="helvetica" panose="020B0604020202020204" pitchFamily="34" charset="0"/>
-                <a:cs typeface="helvetica" panose="020B0604020202020204" pitchFamily="34" charset="0"/>
-              </a:rPr>
-              <a:t>Characteristics</a:t>
-            </a:r>
+          <p:cNvPr id="6" name="직사각형 5">
+            <a:extLst>
+              <a:ext uri="{FF2B5EF4-FFF2-40B4-BE49-F238E27FC236}">
+                <a16:creationId xmlns:a16="http://schemas.microsoft.com/office/drawing/2014/main" id="{93FD60D2-BBD0-4153-99BC-69CB5966D57A}"/>
+              </a:ext>
+            </a:extLst>
+          </p:cNvPr>
+          <p:cNvSpPr/>
+          <p:nvPr/>
+        </p:nvSpPr>
+        <p:spPr>
+          <a:xfrm>
+            <a:off x="0" y="0"/>
+            <a:ext cx="12192000" cy="6858000"/>
+          </a:xfrm>
+          <a:prstGeom prst="rect">
+            <a:avLst/>
+          </a:prstGeom>
+          <a:solidFill>
+            <a:srgbClr val="10232C"/>
+          </a:solidFill>
+          <a:ln>
+            <a:noFill/>
+          </a:ln>
+        </p:spPr>
+        <p:style>
+          <a:lnRef idx="2">
+            <a:schemeClr val="accent1">
+              <a:shade val="50000"/>
+            </a:schemeClr>
+          </a:lnRef>
+          <a:fillRef idx="1">
+            <a:schemeClr val="accent1"/>
+          </a:fillRef>
+          <a:effectRef idx="0">
+            <a:schemeClr val="accent1"/>
+          </a:effectRef>
+          <a:fontRef idx="minor">
+            <a:schemeClr val="lt1"/>
+          </a:fontRef>
+        </p:style>
+        <p:txBody>
+          <a:bodyPr rtlCol="0" anchor="ctr"/>
+          <a:lstStyle/>
+          <a:p>
+            <a:pPr algn="ctr"/>
             <a:endParaRPr lang="ko-KR" altLang="en-US" dirty="0">
               <a:latin typeface="helvetica" panose="020B0604020202020204" pitchFamily="34" charset="0"/>
               <a:cs typeface="helvetica" panose="020B0604020202020204" pitchFamily="34" charset="0"/>
@@ -3779,10 +5292,10 @@
       </p:sp>
       <p:sp>
         <p:nvSpPr>
-          <p:cNvPr id="3" name="내용 개체 틀 2">
-            <a:extLst>
-              <a:ext uri="{FF2B5EF4-FFF2-40B4-BE49-F238E27FC236}">
-                <a16:creationId xmlns:a16="http://schemas.microsoft.com/office/drawing/2014/main" id="{430337F9-331E-48CB-A15F-7D88541A93A2}"/>
+          <p:cNvPr id="4" name="제목 3">
+            <a:extLst>
+              <a:ext uri="{FF2B5EF4-FFF2-40B4-BE49-F238E27FC236}">
+                <a16:creationId xmlns:a16="http://schemas.microsoft.com/office/drawing/2014/main" id="{01352715-472E-4054-8508-F8363F27CCFA}"/>
               </a:ext>
             </a:extLst>
           </p:cNvPr>
@@ -3790,94 +5303,186 @@
             <a:spLocks noGrp="1"/>
           </p:cNvSpPr>
           <p:nvPr>
-            <p:ph idx="1"/>
-          </p:nvPr>
-        </p:nvSpPr>
-        <p:spPr/>
-        <p:txBody>
-          <a:bodyPr/>
-          <a:lstStyle/>
-          <a:p>
-            <a:pPr fontAlgn="base"/>
-            <a:r>
-              <a:rPr lang="en-US" altLang="ko-KR" dirty="0">
+            <p:ph type="title"/>
+          </p:nvPr>
+        </p:nvSpPr>
+        <p:spPr>
+          <a:xfrm>
+            <a:off x="7428931" y="2179023"/>
+            <a:ext cx="3968152" cy="2499953"/>
+          </a:xfrm>
+        </p:spPr>
+        <p:txBody>
+          <a:bodyPr anchor="ctr">
+            <a:normAutofit/>
+          </a:bodyPr>
+          <a:lstStyle/>
+          <a:p>
+            <a:r>
+              <a:rPr lang="en-US" altLang="ko-KR" sz="9600" dirty="0">
+                <a:solidFill>
+                  <a:schemeClr val="bg1"/>
+                </a:solidFill>
                 <a:latin typeface="helvetica" panose="020B0604020202020204" pitchFamily="34" charset="0"/>
                 <a:cs typeface="helvetica" panose="020B0604020202020204" pitchFamily="34" charset="0"/>
               </a:rPr>
-              <a:t>N (Node): Individual LOL pro team</a:t>
-            </a:r>
-          </a:p>
-          <a:p>
-            <a:pPr fontAlgn="base"/>
-            <a:r>
-              <a:rPr lang="en-US" altLang="ko-KR" dirty="0">
+              <a:t>TOPIC</a:t>
+            </a:r>
+            <a:endParaRPr lang="ko-KR" altLang="en-US" sz="9600" dirty="0">
+              <a:solidFill>
+                <a:schemeClr val="bg1"/>
+              </a:solidFill>
+              <a:latin typeface="helvetica" panose="020B0604020202020204" pitchFamily="34" charset="0"/>
+              <a:cs typeface="helvetica" panose="020B0604020202020204" pitchFamily="34" charset="0"/>
+            </a:endParaRPr>
+          </a:p>
+        </p:txBody>
+      </p:sp>
+      <p:sp>
+        <p:nvSpPr>
+          <p:cNvPr id="8" name="제목 3">
+            <a:extLst>
+              <a:ext uri="{FF2B5EF4-FFF2-40B4-BE49-F238E27FC236}">
+                <a16:creationId xmlns:a16="http://schemas.microsoft.com/office/drawing/2014/main" id="{6A7E3CFD-E59A-41BB-A515-16B8DB115D12}"/>
+              </a:ext>
+            </a:extLst>
+          </p:cNvPr>
+          <p:cNvSpPr txBox="1">
+            <a:spLocks/>
+          </p:cNvSpPr>
+          <p:nvPr/>
+        </p:nvSpPr>
+        <p:spPr>
+          <a:xfrm>
+            <a:off x="902005" y="2322213"/>
+            <a:ext cx="4606508" cy="2499953"/>
+          </a:xfrm>
+          <a:prstGeom prst="rect">
+            <a:avLst/>
+          </a:prstGeom>
+        </p:spPr>
+        <p:txBody>
+          <a:bodyPr vert="horz" lIns="91440" tIns="45720" rIns="91440" bIns="45720" rtlCol="0" anchor="ctr">
+            <a:normAutofit fontScale="77500" lnSpcReduction="20000"/>
+          </a:bodyPr>
+          <a:lstStyle>
+            <a:lvl1pPr algn="l" defTabSz="914400" rtl="0" eaLnBrk="1" latinLnBrk="1" hangingPunct="1">
+              <a:lnSpc>
+                <a:spcPct val="90000"/>
+              </a:lnSpc>
+              <a:spcBef>
+                <a:spcPct val="0"/>
+              </a:spcBef>
+              <a:buNone/>
+              <a:defRPr sz="6000" kern="1200">
+                <a:solidFill>
+                  <a:schemeClr val="tx1"/>
+                </a:solidFill>
+                <a:latin typeface="+mj-lt"/>
+                <a:ea typeface="+mj-ea"/>
+                <a:cs typeface="+mj-cs"/>
+              </a:defRPr>
+            </a:lvl1pPr>
+          </a:lstStyle>
+          <a:p>
+            <a:r>
+              <a:rPr lang="en-US" altLang="ko-KR" sz="9600" dirty="0">
+                <a:solidFill>
+                  <a:schemeClr val="bg1"/>
+                </a:solidFill>
                 <a:latin typeface="helvetica" panose="020B0604020202020204" pitchFamily="34" charset="0"/>
                 <a:cs typeface="helvetica" panose="020B0604020202020204" pitchFamily="34" charset="0"/>
               </a:rPr>
-              <a:t>E (Edge): Match between two teams</a:t>
-            </a:r>
-          </a:p>
-          <a:p>
-            <a:pPr fontAlgn="base"/>
-            <a:r>
-              <a:rPr lang="en-US" altLang="ko-KR" dirty="0">
+              <a:t>COLLECT</a:t>
+            </a:r>
+          </a:p>
+          <a:p>
+            <a:r>
+              <a:rPr lang="en-US" altLang="ko-KR" sz="9600" dirty="0">
+                <a:solidFill>
+                  <a:schemeClr val="bg1"/>
+                </a:solidFill>
                 <a:latin typeface="helvetica" panose="020B0604020202020204" pitchFamily="34" charset="0"/>
                 <a:cs typeface="helvetica" panose="020B0604020202020204" pitchFamily="34" charset="0"/>
               </a:rPr>
-              <a:t>This graph is </a:t>
-            </a:r>
-            <a:r>
-              <a:rPr lang="en-US" altLang="ko-KR" b="1" dirty="0">
-                <a:latin typeface="helvetica" panose="020B0604020202020204" pitchFamily="34" charset="0"/>
-                <a:cs typeface="helvetica" panose="020B0604020202020204" pitchFamily="34" charset="0"/>
-              </a:rPr>
-              <a:t>`undirected`</a:t>
-            </a:r>
-            <a:r>
-              <a:rPr lang="en-US" altLang="ko-KR" dirty="0">
-                <a:latin typeface="helvetica" panose="020B0604020202020204" pitchFamily="34" charset="0"/>
-                <a:cs typeface="helvetica" panose="020B0604020202020204" pitchFamily="34" charset="0"/>
-              </a:rPr>
-              <a:t>.</a:t>
-            </a:r>
-          </a:p>
-          <a:p>
-            <a:pPr fontAlgn="base"/>
-            <a:r>
-              <a:rPr lang="en-US" altLang="ko-KR" dirty="0">
-                <a:latin typeface="helvetica" panose="020B0604020202020204" pitchFamily="34" charset="0"/>
-                <a:cs typeface="helvetica" panose="020B0604020202020204" pitchFamily="34" charset="0"/>
-              </a:rPr>
-              <a:t>Set </a:t>
-            </a:r>
-            <a:r>
-              <a:rPr lang="en-US" altLang="ko-KR" b="1" dirty="0">
-                <a:latin typeface="helvetica" panose="020B0604020202020204" pitchFamily="34" charset="0"/>
-                <a:cs typeface="helvetica" panose="020B0604020202020204" pitchFamily="34" charset="0"/>
-              </a:rPr>
-              <a:t>`weigh`</a:t>
-            </a:r>
-            <a:r>
-              <a:rPr lang="en-US" altLang="ko-KR" dirty="0">
-                <a:latin typeface="helvetica" panose="020B0604020202020204" pitchFamily="34" charset="0"/>
-                <a:cs typeface="helvetica" panose="020B0604020202020204" pitchFamily="34" charset="0"/>
-              </a:rPr>
-              <a:t> as victory point.</a:t>
-            </a:r>
-          </a:p>
-          <a:p>
-            <a:pPr fontAlgn="base"/>
-            <a:endParaRPr lang="ko-KR" altLang="en-US" dirty="0">
+              <a:t>DATA</a:t>
+            </a:r>
+            <a:endParaRPr lang="ko-KR" altLang="en-US" sz="9600" dirty="0">
+              <a:solidFill>
+                <a:schemeClr val="bg1"/>
+              </a:solidFill>
               <a:latin typeface="helvetica" panose="020B0604020202020204" pitchFamily="34" charset="0"/>
               <a:cs typeface="helvetica" panose="020B0604020202020204" pitchFamily="34" charset="0"/>
             </a:endParaRPr>
           </a:p>
         </p:txBody>
       </p:sp>
+      <p:sp>
+        <p:nvSpPr>
+          <p:cNvPr id="2" name="화살표: 아래로 구부러짐 1">
+            <a:extLst>
+              <a:ext uri="{FF2B5EF4-FFF2-40B4-BE49-F238E27FC236}">
+                <a16:creationId xmlns:a16="http://schemas.microsoft.com/office/drawing/2014/main" id="{DED6CEF2-EAE8-434B-AEE4-7972A1AFE528}"/>
+              </a:ext>
+            </a:extLst>
+          </p:cNvPr>
+          <p:cNvSpPr/>
+          <p:nvPr/>
+        </p:nvSpPr>
+        <p:spPr>
+          <a:xfrm>
+            <a:off x="4209692" y="1285336"/>
+            <a:ext cx="3786996" cy="1293962"/>
+          </a:xfrm>
+          <a:prstGeom prst="curvedDownArrow">
+            <a:avLst>
+              <a:gd name="adj1" fmla="val 17125"/>
+              <a:gd name="adj2" fmla="val 50000"/>
+              <a:gd name="adj3" fmla="val 44333"/>
+            </a:avLst>
+          </a:prstGeom>
+          <a:solidFill>
+            <a:schemeClr val="bg1"/>
+          </a:solidFill>
+          <a:ln>
+            <a:noFill/>
+          </a:ln>
+        </p:spPr>
+        <p:style>
+          <a:lnRef idx="2">
+            <a:schemeClr val="accent1">
+              <a:shade val="50000"/>
+            </a:schemeClr>
+          </a:lnRef>
+          <a:fillRef idx="1">
+            <a:schemeClr val="accent1"/>
+          </a:fillRef>
+          <a:effectRef idx="0">
+            <a:schemeClr val="accent1"/>
+          </a:effectRef>
+          <a:fontRef idx="minor">
+            <a:schemeClr val="lt1"/>
+          </a:fontRef>
+        </p:style>
+        <p:txBody>
+          <a:bodyPr rtlCol="0" anchor="ctr"/>
+          <a:lstStyle/>
+          <a:p>
+            <a:pPr algn="ctr"/>
+            <a:endParaRPr lang="ko-KR" altLang="en-US">
+              <a:solidFill>
+                <a:schemeClr val="tx1"/>
+              </a:solidFill>
+              <a:latin typeface="helvetica" panose="020B0604020202020204" pitchFamily="34" charset="0"/>
+              <a:cs typeface="helvetica" panose="020B0604020202020204" pitchFamily="34" charset="0"/>
+            </a:endParaRPr>
+          </a:p>
+        </p:txBody>
+      </p:sp>
     </p:spTree>
     <p:extLst>
       <p:ext uri="{BB962C8B-B14F-4D97-AF65-F5344CB8AC3E}">
-        <p14:creationId xmlns:p14="http://schemas.microsoft.com/office/powerpoint/2010/main" val="3106583724"/>
+        <p14:creationId xmlns:p14="http://schemas.microsoft.com/office/powerpoint/2010/main" val="489811989"/>
       </p:ext>
     </p:extLst>
   </p:cSld>
@@ -3906,32 +5511,52 @@
       </p:grpSpPr>
       <p:sp>
         <p:nvSpPr>
-          <p:cNvPr id="2" name="제목 1">
-            <a:extLst>
-              <a:ext uri="{FF2B5EF4-FFF2-40B4-BE49-F238E27FC236}">
-                <a16:creationId xmlns:a16="http://schemas.microsoft.com/office/drawing/2014/main" id="{B8C859AA-04F4-476A-8E10-C87CF2DBC94B}"/>
-              </a:ext>
-            </a:extLst>
-          </p:cNvPr>
-          <p:cNvSpPr>
-            <a:spLocks noGrp="1"/>
-          </p:cNvSpPr>
-          <p:nvPr>
-            <p:ph type="title"/>
-          </p:nvPr>
-        </p:nvSpPr>
-        <p:spPr/>
-        <p:txBody>
-          <a:bodyPr/>
-          <a:lstStyle/>
-          <a:p>
-            <a:r>
-              <a:rPr lang="en-US" altLang="ko-KR" dirty="0">
-                <a:latin typeface="helvetica" panose="020B0604020202020204" pitchFamily="34" charset="0"/>
-                <a:cs typeface="helvetica" panose="020B0604020202020204" pitchFamily="34" charset="0"/>
-              </a:rPr>
-              <a:t>Meaningful information</a:t>
-            </a:r>
+          <p:cNvPr id="6" name="직사각형 5">
+            <a:extLst>
+              <a:ext uri="{FF2B5EF4-FFF2-40B4-BE49-F238E27FC236}">
+                <a16:creationId xmlns:a16="http://schemas.microsoft.com/office/drawing/2014/main" id="{93FD60D2-BBD0-4153-99BC-69CB5966D57A}"/>
+              </a:ext>
+            </a:extLst>
+          </p:cNvPr>
+          <p:cNvSpPr/>
+          <p:nvPr/>
+        </p:nvSpPr>
+        <p:spPr>
+          <a:xfrm>
+            <a:off x="0" y="0"/>
+            <a:ext cx="12192000" cy="6858000"/>
+          </a:xfrm>
+          <a:prstGeom prst="rect">
+            <a:avLst/>
+          </a:prstGeom>
+          <a:solidFill>
+            <a:srgbClr val="10232C"/>
+          </a:solidFill>
+          <a:ln>
+            <a:noFill/>
+          </a:ln>
+        </p:spPr>
+        <p:style>
+          <a:lnRef idx="2">
+            <a:schemeClr val="accent1">
+              <a:shade val="50000"/>
+            </a:schemeClr>
+          </a:lnRef>
+          <a:fillRef idx="1">
+            <a:schemeClr val="accent1"/>
+          </a:fillRef>
+          <a:effectRef idx="0">
+            <a:schemeClr val="accent1"/>
+          </a:effectRef>
+          <a:fontRef idx="minor">
+            <a:schemeClr val="lt1"/>
+          </a:fontRef>
+        </p:style>
+        <p:txBody>
+          <a:bodyPr rtlCol="0" anchor="ctr"/>
+          <a:lstStyle/>
+          <a:p>
+            <a:pPr algn="ctr"/>
             <a:endParaRPr lang="ko-KR" altLang="en-US" dirty="0">
               <a:latin typeface="helvetica" panose="020B0604020202020204" pitchFamily="34" charset="0"/>
               <a:cs typeface="helvetica" panose="020B0604020202020204" pitchFamily="34" charset="0"/>
@@ -3941,10 +5566,10 @@
       </p:sp>
       <p:sp>
         <p:nvSpPr>
-          <p:cNvPr id="3" name="내용 개체 틀 2">
-            <a:extLst>
-              <a:ext uri="{FF2B5EF4-FFF2-40B4-BE49-F238E27FC236}">
-                <a16:creationId xmlns:a16="http://schemas.microsoft.com/office/drawing/2014/main" id="{8F378CD6-CAB8-4951-85AF-A181C2BB73FE}"/>
+          <p:cNvPr id="4" name="제목 3">
+            <a:extLst>
+              <a:ext uri="{FF2B5EF4-FFF2-40B4-BE49-F238E27FC236}">
+                <a16:creationId xmlns:a16="http://schemas.microsoft.com/office/drawing/2014/main" id="{01352715-472E-4054-8508-F8363F27CCFA}"/>
               </a:ext>
             </a:extLst>
           </p:cNvPr>
@@ -3952,7 +5577,7 @@
             <a:spLocks noGrp="1"/>
           </p:cNvSpPr>
           <p:nvPr>
-            <p:ph idx="1"/>
+            <p:ph type="title"/>
           </p:nvPr>
         </p:nvSpPr>
         <p:spPr/>
@@ -3962,66 +5587,257 @@
           <a:p>
             <a:r>
               <a:rPr lang="en-US" altLang="ko-KR" dirty="0">
+                <a:solidFill>
+                  <a:schemeClr val="bg1"/>
+                </a:solidFill>
                 <a:latin typeface="helvetica" panose="020B0604020202020204" pitchFamily="34" charset="0"/>
                 <a:cs typeface="helvetica" panose="020B0604020202020204" pitchFamily="34" charset="0"/>
               </a:rPr>
-              <a:t>Odds</a:t>
-            </a:r>
-          </a:p>
-          <a:p>
-            <a:r>
-              <a:rPr lang="en-US" altLang="ko-KR" dirty="0">
-                <a:latin typeface="helvetica" panose="020B0604020202020204" pitchFamily="34" charset="0"/>
-                <a:cs typeface="helvetica" panose="020B0604020202020204" pitchFamily="34" charset="0"/>
-              </a:rPr>
-              <a:t>No connection</a:t>
-            </a:r>
-          </a:p>
-          <a:p>
-            <a:r>
-              <a:rPr lang="en-US" altLang="ko-KR" dirty="0">
-                <a:latin typeface="helvetica" panose="020B0604020202020204" pitchFamily="34" charset="0"/>
-                <a:cs typeface="helvetica" panose="020B0604020202020204" pitchFamily="34" charset="0"/>
-              </a:rPr>
-              <a:t>Counter team</a:t>
-            </a:r>
-          </a:p>
-          <a:p>
-            <a:r>
-              <a:rPr lang="en-US" altLang="ko-KR" dirty="0">
-                <a:latin typeface="helvetica" panose="020B0604020202020204" pitchFamily="34" charset="0"/>
-                <a:cs typeface="helvetica" panose="020B0604020202020204" pitchFamily="34" charset="0"/>
-              </a:rPr>
-              <a:t>Warmonger / Pacifist</a:t>
-            </a:r>
-          </a:p>
-          <a:p>
-            <a:endParaRPr lang="en-US" altLang="ko-KR" dirty="0">
+              <a:t>Why Data Driven?</a:t>
+            </a:r>
+            <a:endParaRPr lang="ko-KR" altLang="en-US" dirty="0">
+              <a:solidFill>
+                <a:schemeClr val="bg1"/>
+              </a:solidFill>
               <a:latin typeface="helvetica" panose="020B0604020202020204" pitchFamily="34" charset="0"/>
               <a:cs typeface="helvetica" panose="020B0604020202020204" pitchFamily="34" charset="0"/>
             </a:endParaRPr>
           </a:p>
-          <a:p>
-            <a:endParaRPr lang="en-US" altLang="ko-KR" dirty="0">
+        </p:txBody>
+      </p:sp>
+      <p:sp>
+        <p:nvSpPr>
+          <p:cNvPr id="2" name="TextBox 1">
+            <a:extLst>
+              <a:ext uri="{FF2B5EF4-FFF2-40B4-BE49-F238E27FC236}">
+                <a16:creationId xmlns:a16="http://schemas.microsoft.com/office/drawing/2014/main" id="{D29CAC2C-D295-48A8-B379-8C41D63A99C0}"/>
+              </a:ext>
+            </a:extLst>
+          </p:cNvPr>
+          <p:cNvSpPr txBox="1"/>
+          <p:nvPr/>
+        </p:nvSpPr>
+        <p:spPr>
+          <a:xfrm>
+            <a:off x="1040524" y="2634258"/>
+            <a:ext cx="10110952" cy="892552"/>
+          </a:xfrm>
+          <a:prstGeom prst="rect">
+            <a:avLst/>
+          </a:prstGeom>
+          <a:noFill/>
+        </p:spPr>
+        <p:txBody>
+          <a:bodyPr wrap="square" rtlCol="0">
+            <a:spAutoFit/>
+          </a:bodyPr>
+          <a:lstStyle/>
+          <a:p>
+            <a:r>
+              <a:rPr lang="en-US" altLang="ko-KR" sz="2600" dirty="0">
+                <a:solidFill>
+                  <a:schemeClr val="bg1"/>
+                </a:solidFill>
+                <a:latin typeface="helvetica" panose="020B0604020202020204" pitchFamily="34" charset="0"/>
+                <a:ea typeface="Sandoll 고딕Neo1 04 Regular" panose="020B0600000101010101" pitchFamily="34" charset="-127"/>
+                <a:cs typeface="helvetica" panose="020B0604020202020204" pitchFamily="34" charset="0"/>
+              </a:rPr>
+              <a:t>- </a:t>
+            </a:r>
+            <a:r>
+              <a:rPr lang="ko-KR" altLang="en-US" sz="2600" dirty="0">
+                <a:solidFill>
+                  <a:schemeClr val="bg1"/>
+                </a:solidFill>
+                <a:latin typeface="helvetica" panose="020B0604020202020204" pitchFamily="34" charset="0"/>
+                <a:ea typeface="Sandoll 고딕Neo1 04 Regular" panose="020B0600000101010101" pitchFamily="34" charset="-127"/>
+                <a:cs typeface="helvetica" panose="020B0604020202020204" pitchFamily="34" charset="0"/>
+              </a:rPr>
+              <a:t>좋은 주제를 선정하더라도</a:t>
+            </a:r>
+            <a:r>
+              <a:rPr lang="en-US" altLang="ko-KR" sz="2600" dirty="0">
+                <a:solidFill>
+                  <a:schemeClr val="bg1"/>
+                </a:solidFill>
+                <a:latin typeface="helvetica" panose="020B0604020202020204" pitchFamily="34" charset="0"/>
+                <a:ea typeface="Sandoll 고딕Neo1 04 Regular" panose="020B0600000101010101" pitchFamily="34" charset="-127"/>
+                <a:cs typeface="helvetica" panose="020B0604020202020204" pitchFamily="34" charset="0"/>
+              </a:rPr>
+              <a:t>, </a:t>
+            </a:r>
+            <a:r>
+              <a:rPr lang="ko-KR" altLang="en-US" sz="2600" dirty="0">
+                <a:solidFill>
+                  <a:schemeClr val="bg1"/>
+                </a:solidFill>
+                <a:latin typeface="helvetica" panose="020B0604020202020204" pitchFamily="34" charset="0"/>
+                <a:ea typeface="Sandoll 고딕Neo1 04 Regular" panose="020B0600000101010101" pitchFamily="34" charset="-127"/>
+                <a:cs typeface="helvetica" panose="020B0604020202020204" pitchFamily="34" charset="0"/>
+              </a:rPr>
+              <a:t>이를 뒷받침해줄 신뢰성 있는 데이터가 존재하지 않는다면 검증하기 어려움</a:t>
+            </a:r>
+            <a:r>
+              <a:rPr lang="en-US" altLang="ko-KR" sz="2600" dirty="0">
+                <a:solidFill>
+                  <a:schemeClr val="bg1"/>
+                </a:solidFill>
+                <a:latin typeface="helvetica" panose="020B0604020202020204" pitchFamily="34" charset="0"/>
+                <a:ea typeface="Sandoll 고딕Neo1 04 Regular" panose="020B0600000101010101" pitchFamily="34" charset="-127"/>
+                <a:cs typeface="helvetica" panose="020B0604020202020204" pitchFamily="34" charset="0"/>
+              </a:rPr>
+              <a:t>.</a:t>
+            </a:r>
+            <a:endParaRPr lang="ko-KR" altLang="en-US" sz="2600" dirty="0">
+              <a:solidFill>
+                <a:schemeClr val="bg1"/>
+              </a:solidFill>
               <a:latin typeface="helvetica" panose="020B0604020202020204" pitchFamily="34" charset="0"/>
+              <a:ea typeface="Sandoll 고딕Neo1 04 Regular" panose="020B0600000101010101" pitchFamily="34" charset="-127"/>
               <a:cs typeface="helvetica" panose="020B0604020202020204" pitchFamily="34" charset="0"/>
             </a:endParaRPr>
           </a:p>
-          <a:p>
-            <a:endParaRPr lang="en-US" altLang="ko-KR" dirty="0">
+        </p:txBody>
+      </p:sp>
+      <p:sp>
+        <p:nvSpPr>
+          <p:cNvPr id="8" name="TextBox 7">
+            <a:extLst>
+              <a:ext uri="{FF2B5EF4-FFF2-40B4-BE49-F238E27FC236}">
+                <a16:creationId xmlns:a16="http://schemas.microsoft.com/office/drawing/2014/main" id="{5461A21E-957C-4806-9A60-FDD4355B6F42}"/>
+              </a:ext>
+            </a:extLst>
+          </p:cNvPr>
+          <p:cNvSpPr txBox="1"/>
+          <p:nvPr/>
+        </p:nvSpPr>
+        <p:spPr>
+          <a:xfrm>
+            <a:off x="1040524" y="3714196"/>
+            <a:ext cx="10110952" cy="492443"/>
+          </a:xfrm>
+          <a:prstGeom prst="rect">
+            <a:avLst/>
+          </a:prstGeom>
+          <a:noFill/>
+        </p:spPr>
+        <p:txBody>
+          <a:bodyPr wrap="square" rtlCol="0">
+            <a:spAutoFit/>
+          </a:bodyPr>
+          <a:lstStyle/>
+          <a:p>
+            <a:r>
+              <a:rPr lang="en-US" altLang="ko-KR" sz="2600" dirty="0">
+                <a:solidFill>
+                  <a:schemeClr val="bg1"/>
+                </a:solidFill>
+                <a:latin typeface="helvetica" panose="020B0604020202020204" pitchFamily="34" charset="0"/>
+                <a:ea typeface="Sandoll 고딕Neo1 04 Regular" panose="020B0600000101010101" pitchFamily="34" charset="-127"/>
+                <a:cs typeface="helvetica" panose="020B0604020202020204" pitchFamily="34" charset="0"/>
+              </a:rPr>
+              <a:t>- </a:t>
+            </a:r>
+            <a:r>
+              <a:rPr lang="ko-KR" altLang="en-US" sz="2600" dirty="0">
+                <a:solidFill>
+                  <a:schemeClr val="bg1"/>
+                </a:solidFill>
+                <a:latin typeface="helvetica" panose="020B0604020202020204" pitchFamily="34" charset="0"/>
+                <a:ea typeface="Sandoll 고딕Neo1 04 Regular" panose="020B0600000101010101" pitchFamily="34" charset="-127"/>
+                <a:cs typeface="helvetica" panose="020B0604020202020204" pitchFamily="34" charset="0"/>
+              </a:rPr>
+              <a:t>데이터를 찾아서 원하는 형태로 가공하는데 많은 시간이 들 수 있음</a:t>
+            </a:r>
+            <a:r>
+              <a:rPr lang="en-US" altLang="ko-KR" sz="2600" dirty="0">
+                <a:solidFill>
+                  <a:schemeClr val="bg1"/>
+                </a:solidFill>
+                <a:latin typeface="helvetica" panose="020B0604020202020204" pitchFamily="34" charset="0"/>
+                <a:ea typeface="Sandoll 고딕Neo1 04 Regular" panose="020B0600000101010101" pitchFamily="34" charset="-127"/>
+                <a:cs typeface="helvetica" panose="020B0604020202020204" pitchFamily="34" charset="0"/>
+              </a:rPr>
+              <a:t>.</a:t>
+            </a:r>
+            <a:endParaRPr lang="ko-KR" altLang="en-US" sz="2600" dirty="0">
+              <a:solidFill>
+                <a:schemeClr val="bg1"/>
+              </a:solidFill>
               <a:latin typeface="helvetica" panose="020B0604020202020204" pitchFamily="34" charset="0"/>
+              <a:ea typeface="Sandoll 고딕Neo1 04 Regular" panose="020B0600000101010101" pitchFamily="34" charset="-127"/>
               <a:cs typeface="helvetica" panose="020B0604020202020204" pitchFamily="34" charset="0"/>
             </a:endParaRPr>
           </a:p>
-          <a:p>
-            <a:endParaRPr lang="en-US" altLang="ko-KR" dirty="0">
+        </p:txBody>
+      </p:sp>
+      <p:sp>
+        <p:nvSpPr>
+          <p:cNvPr id="9" name="TextBox 8">
+            <a:extLst>
+              <a:ext uri="{FF2B5EF4-FFF2-40B4-BE49-F238E27FC236}">
+                <a16:creationId xmlns:a16="http://schemas.microsoft.com/office/drawing/2014/main" id="{48E71A24-DBBF-4A00-ACAF-6544FD666DA4}"/>
+              </a:ext>
+            </a:extLst>
+          </p:cNvPr>
+          <p:cNvSpPr txBox="1"/>
+          <p:nvPr/>
+        </p:nvSpPr>
+        <p:spPr>
+          <a:xfrm>
+            <a:off x="1040524" y="5150210"/>
+            <a:ext cx="10110952" cy="492443"/>
+          </a:xfrm>
+          <a:prstGeom prst="rect">
+            <a:avLst/>
+          </a:prstGeom>
+          <a:noFill/>
+        </p:spPr>
+        <p:txBody>
+          <a:bodyPr wrap="square" rtlCol="0">
+            <a:spAutoFit/>
+          </a:bodyPr>
+          <a:lstStyle/>
+          <a:p>
+            <a:r>
+              <a:rPr lang="en-US" altLang="ko-KR" sz="2600" dirty="0">
+                <a:solidFill>
+                  <a:schemeClr val="bg1"/>
+                </a:solidFill>
+                <a:latin typeface="helvetica" panose="020B0604020202020204" pitchFamily="34" charset="0"/>
+                <a:ea typeface="Sandoll 고딕Neo1 04 Regular" panose="020B0600000101010101" pitchFamily="34" charset="-127"/>
+                <a:cs typeface="helvetica" panose="020B0604020202020204" pitchFamily="34" charset="0"/>
+              </a:rPr>
+              <a:t>- </a:t>
+            </a:r>
+            <a:r>
+              <a:rPr lang="ko-KR" altLang="en-US" sz="2600" dirty="0">
+                <a:solidFill>
+                  <a:schemeClr val="bg1"/>
+                </a:solidFill>
+                <a:latin typeface="helvetica" panose="020B0604020202020204" pitchFamily="34" charset="0"/>
+                <a:ea typeface="Sandoll 고딕Neo1 04 Regular" panose="020B0600000101010101" pitchFamily="34" charset="-127"/>
+                <a:cs typeface="helvetica" panose="020B0604020202020204" pitchFamily="34" charset="0"/>
+              </a:rPr>
+              <a:t>교수님께서 중요하다고 말씀하심</a:t>
+            </a:r>
+            <a:r>
+              <a:rPr lang="en-US" altLang="ko-KR" sz="2600" dirty="0">
+                <a:solidFill>
+                  <a:schemeClr val="bg1"/>
+                </a:solidFill>
+                <a:latin typeface="helvetica" panose="020B0604020202020204" pitchFamily="34" charset="0"/>
+                <a:ea typeface="Sandoll 고딕Neo1 04 Regular" panose="020B0600000101010101" pitchFamily="34" charset="-127"/>
+                <a:cs typeface="helvetica" panose="020B0604020202020204" pitchFamily="34" charset="0"/>
+              </a:rPr>
+              <a:t>.</a:t>
+            </a:r>
+            <a:endParaRPr lang="ko-KR" altLang="en-US" sz="2600" dirty="0">
+              <a:solidFill>
+                <a:schemeClr val="bg1"/>
+              </a:solidFill>
               <a:latin typeface="helvetica" panose="020B0604020202020204" pitchFamily="34" charset="0"/>
-              <a:cs typeface="helvetica" panose="020B0604020202020204" pitchFamily="34" charset="0"/>
-            </a:endParaRPr>
-          </a:p>
-          <a:p>
-            <a:endParaRPr lang="ko-KR" altLang="en-US" dirty="0">
-              <a:latin typeface="helvetica" panose="020B0604020202020204" pitchFamily="34" charset="0"/>
+              <a:ea typeface="Sandoll 고딕Neo1 04 Regular" panose="020B0600000101010101" pitchFamily="34" charset="-127"/>
               <a:cs typeface="helvetica" panose="020B0604020202020204" pitchFamily="34" charset="0"/>
             </a:endParaRPr>
           </a:p>
@@ -4030,13 +5846,2567 @@
     </p:spTree>
     <p:extLst>
       <p:ext uri="{BB962C8B-B14F-4D97-AF65-F5344CB8AC3E}">
-        <p14:creationId xmlns:p14="http://schemas.microsoft.com/office/powerpoint/2010/main" val="781182373"/>
+        <p14:creationId xmlns:p14="http://schemas.microsoft.com/office/powerpoint/2010/main" val="88899132"/>
       </p:ext>
     </p:extLst>
   </p:cSld>
   <p:clrMapOvr>
     <a:masterClrMapping/>
   </p:clrMapOvr>
+  <p:timing>
+    <p:tnLst>
+      <p:par>
+        <p:cTn id="1" dur="indefinite" restart="never" nodeType="tmRoot">
+          <p:childTnLst>
+            <p:seq concurrent="1" nextAc="seek">
+              <p:cTn id="2" dur="indefinite" nodeType="mainSeq">
+                <p:childTnLst>
+                  <p:par>
+                    <p:cTn id="3" fill="hold">
+                      <p:stCondLst>
+                        <p:cond delay="indefinite"/>
+                      </p:stCondLst>
+                      <p:childTnLst>
+                        <p:par>
+                          <p:cTn id="4" fill="hold">
+                            <p:stCondLst>
+                              <p:cond delay="0"/>
+                            </p:stCondLst>
+                            <p:childTnLst>
+                              <p:par>
+                                <p:cTn id="5" presetID="1" presetClass="entr" presetSubtype="0" fill="hold" grpId="0" nodeType="clickEffect">
+                                  <p:stCondLst>
+                                    <p:cond delay="0"/>
+                                  </p:stCondLst>
+                                  <p:childTnLst>
+                                    <p:set>
+                                      <p:cBhvr>
+                                        <p:cTn id="6" dur="1" fill="hold">
+                                          <p:stCondLst>
+                                            <p:cond delay="0"/>
+                                          </p:stCondLst>
+                                        </p:cTn>
+                                        <p:tgtEl>
+                                          <p:spTgt spid="2"/>
+                                        </p:tgtEl>
+                                        <p:attrNameLst>
+                                          <p:attrName>style.visibility</p:attrName>
+                                        </p:attrNameLst>
+                                      </p:cBhvr>
+                                      <p:to>
+                                        <p:strVal val="visible"/>
+                                      </p:to>
+                                    </p:set>
+                                  </p:childTnLst>
+                                </p:cTn>
+                              </p:par>
+                            </p:childTnLst>
+                          </p:cTn>
+                        </p:par>
+                      </p:childTnLst>
+                    </p:cTn>
+                  </p:par>
+                  <p:par>
+                    <p:cTn id="7" fill="hold">
+                      <p:stCondLst>
+                        <p:cond delay="indefinite"/>
+                      </p:stCondLst>
+                      <p:childTnLst>
+                        <p:par>
+                          <p:cTn id="8" fill="hold">
+                            <p:stCondLst>
+                              <p:cond delay="0"/>
+                            </p:stCondLst>
+                            <p:childTnLst>
+                              <p:par>
+                                <p:cTn id="9" presetID="1" presetClass="entr" presetSubtype="0" fill="hold" grpId="0" nodeType="clickEffect">
+                                  <p:stCondLst>
+                                    <p:cond delay="0"/>
+                                  </p:stCondLst>
+                                  <p:childTnLst>
+                                    <p:set>
+                                      <p:cBhvr>
+                                        <p:cTn id="10" dur="1" fill="hold">
+                                          <p:stCondLst>
+                                            <p:cond delay="0"/>
+                                          </p:stCondLst>
+                                        </p:cTn>
+                                        <p:tgtEl>
+                                          <p:spTgt spid="8"/>
+                                        </p:tgtEl>
+                                        <p:attrNameLst>
+                                          <p:attrName>style.visibility</p:attrName>
+                                        </p:attrNameLst>
+                                      </p:cBhvr>
+                                      <p:to>
+                                        <p:strVal val="visible"/>
+                                      </p:to>
+                                    </p:set>
+                                  </p:childTnLst>
+                                </p:cTn>
+                              </p:par>
+                            </p:childTnLst>
+                          </p:cTn>
+                        </p:par>
+                      </p:childTnLst>
+                    </p:cTn>
+                  </p:par>
+                  <p:par>
+                    <p:cTn id="11" fill="hold">
+                      <p:stCondLst>
+                        <p:cond delay="indefinite"/>
+                      </p:stCondLst>
+                      <p:childTnLst>
+                        <p:par>
+                          <p:cTn id="12" fill="hold">
+                            <p:stCondLst>
+                              <p:cond delay="0"/>
+                            </p:stCondLst>
+                            <p:childTnLst>
+                              <p:par>
+                                <p:cTn id="13" presetID="1" presetClass="entr" presetSubtype="0" fill="hold" grpId="0" nodeType="clickEffect">
+                                  <p:stCondLst>
+                                    <p:cond delay="0"/>
+                                  </p:stCondLst>
+                                  <p:childTnLst>
+                                    <p:set>
+                                      <p:cBhvr>
+                                        <p:cTn id="14" dur="1" fill="hold">
+                                          <p:stCondLst>
+                                            <p:cond delay="0"/>
+                                          </p:stCondLst>
+                                        </p:cTn>
+                                        <p:tgtEl>
+                                          <p:spTgt spid="9"/>
+                                        </p:tgtEl>
+                                        <p:attrNameLst>
+                                          <p:attrName>style.visibility</p:attrName>
+                                        </p:attrNameLst>
+                                      </p:cBhvr>
+                                      <p:to>
+                                        <p:strVal val="visible"/>
+                                      </p:to>
+                                    </p:set>
+                                  </p:childTnLst>
+                                </p:cTn>
+                              </p:par>
+                            </p:childTnLst>
+                          </p:cTn>
+                        </p:par>
+                      </p:childTnLst>
+                    </p:cTn>
+                  </p:par>
+                </p:childTnLst>
+              </p:cTn>
+              <p:prevCondLst>
+                <p:cond evt="onPrev" delay="0">
+                  <p:tgtEl>
+                    <p:sldTgt/>
+                  </p:tgtEl>
+                </p:cond>
+              </p:prevCondLst>
+              <p:nextCondLst>
+                <p:cond evt="onNext" delay="0">
+                  <p:tgtEl>
+                    <p:sldTgt/>
+                  </p:tgtEl>
+                </p:cond>
+              </p:nextCondLst>
+            </p:seq>
+          </p:childTnLst>
+        </p:cTn>
+      </p:par>
+    </p:tnLst>
+    <p:bldLst>
+      <p:bldP spid="2" grpId="0"/>
+      <p:bldP spid="8" grpId="0"/>
+      <p:bldP spid="9" grpId="0"/>
+    </p:bldLst>
+  </p:timing>
+</p:sld>
+</file>
+
+<file path=ppt/slides/slide6.xml><?xml version="1.0" encoding="utf-8"?>
+<p:sld xmlns:a="http://schemas.openxmlformats.org/drawingml/2006/main" xmlns:r="http://schemas.openxmlformats.org/officeDocument/2006/relationships" xmlns:p="http://schemas.openxmlformats.org/presentationml/2006/main">
+  <p:cSld>
+    <p:spTree>
+      <p:nvGrpSpPr>
+        <p:cNvPr id="1" name=""/>
+        <p:cNvGrpSpPr/>
+        <p:nvPr/>
+      </p:nvGrpSpPr>
+      <p:grpSpPr>
+        <a:xfrm>
+          <a:off x="0" y="0"/>
+          <a:ext cx="0" cy="0"/>
+          <a:chOff x="0" y="0"/>
+          <a:chExt cx="0" cy="0"/>
+        </a:xfrm>
+      </p:grpSpPr>
+      <p:sp>
+        <p:nvSpPr>
+          <p:cNvPr id="6" name="직사각형 5">
+            <a:extLst>
+              <a:ext uri="{FF2B5EF4-FFF2-40B4-BE49-F238E27FC236}">
+                <a16:creationId xmlns:a16="http://schemas.microsoft.com/office/drawing/2014/main" id="{93FD60D2-BBD0-4153-99BC-69CB5966D57A}"/>
+              </a:ext>
+            </a:extLst>
+          </p:cNvPr>
+          <p:cNvSpPr/>
+          <p:nvPr/>
+        </p:nvSpPr>
+        <p:spPr>
+          <a:xfrm>
+            <a:off x="0" y="0"/>
+            <a:ext cx="12192000" cy="6858000"/>
+          </a:xfrm>
+          <a:prstGeom prst="rect">
+            <a:avLst/>
+          </a:prstGeom>
+          <a:solidFill>
+            <a:srgbClr val="10232C"/>
+          </a:solidFill>
+          <a:ln>
+            <a:noFill/>
+          </a:ln>
+        </p:spPr>
+        <p:style>
+          <a:lnRef idx="2">
+            <a:schemeClr val="accent1">
+              <a:shade val="50000"/>
+            </a:schemeClr>
+          </a:lnRef>
+          <a:fillRef idx="1">
+            <a:schemeClr val="accent1"/>
+          </a:fillRef>
+          <a:effectRef idx="0">
+            <a:schemeClr val="accent1"/>
+          </a:effectRef>
+          <a:fontRef idx="minor">
+            <a:schemeClr val="lt1"/>
+          </a:fontRef>
+        </p:style>
+        <p:txBody>
+          <a:bodyPr rtlCol="0" anchor="ctr"/>
+          <a:lstStyle/>
+          <a:p>
+            <a:pPr algn="ctr"/>
+            <a:endParaRPr lang="ko-KR" altLang="en-US" dirty="0"/>
+          </a:p>
+        </p:txBody>
+      </p:sp>
+      <p:pic>
+        <p:nvPicPr>
+          <p:cNvPr id="12" name="그림 11">
+            <a:extLst>
+              <a:ext uri="{FF2B5EF4-FFF2-40B4-BE49-F238E27FC236}">
+                <a16:creationId xmlns:a16="http://schemas.microsoft.com/office/drawing/2014/main" id="{B5E66DBA-C042-4854-80D4-304C34E0ADCA}"/>
+              </a:ext>
+            </a:extLst>
+          </p:cNvPr>
+          <p:cNvPicPr>
+            <a:picLocks noChangeAspect="1"/>
+          </p:cNvPicPr>
+          <p:nvPr/>
+        </p:nvPicPr>
+        <p:blipFill>
+          <a:blip r:embed="rId2">
+            <a:extLst>
+              <a:ext uri="{28A0092B-C50C-407E-A947-70E740481C1C}">
+                <a14:useLocalDpi xmlns:a14="http://schemas.microsoft.com/office/drawing/2010/main" val="0"/>
+              </a:ext>
+            </a:extLst>
+          </a:blip>
+          <a:stretch>
+            <a:fillRect/>
+          </a:stretch>
+        </p:blipFill>
+        <p:spPr>
+          <a:xfrm>
+            <a:off x="341587" y="2592815"/>
+            <a:ext cx="4398579" cy="1672370"/>
+          </a:xfrm>
+          <a:prstGeom prst="rect">
+            <a:avLst/>
+          </a:prstGeom>
+        </p:spPr>
+      </p:pic>
+      <p:pic>
+        <p:nvPicPr>
+          <p:cNvPr id="14" name="그림 13">
+            <a:extLst>
+              <a:ext uri="{FF2B5EF4-FFF2-40B4-BE49-F238E27FC236}">
+                <a16:creationId xmlns:a16="http://schemas.microsoft.com/office/drawing/2014/main" id="{68135405-FC84-4394-AFE6-A783D2A4DBC3}"/>
+              </a:ext>
+            </a:extLst>
+          </p:cNvPr>
+          <p:cNvPicPr>
+            <a:picLocks noChangeAspect="1"/>
+          </p:cNvPicPr>
+          <p:nvPr/>
+        </p:nvPicPr>
+        <p:blipFill>
+          <a:blip r:embed="rId3">
+            <a:extLst>
+              <a:ext uri="{28A0092B-C50C-407E-A947-70E740481C1C}">
+                <a14:useLocalDpi xmlns:a14="http://schemas.microsoft.com/office/drawing/2010/main" val="0"/>
+              </a:ext>
+            </a:extLst>
+          </a:blip>
+          <a:stretch>
+            <a:fillRect/>
+          </a:stretch>
+        </p:blipFill>
+        <p:spPr>
+          <a:xfrm>
+            <a:off x="7120759" y="2514796"/>
+            <a:ext cx="4740164" cy="1828408"/>
+          </a:xfrm>
+          <a:prstGeom prst="rect">
+            <a:avLst/>
+          </a:prstGeom>
+        </p:spPr>
+      </p:pic>
+      <p:pic>
+        <p:nvPicPr>
+          <p:cNvPr id="17" name="그림 16">
+            <a:extLst>
+              <a:ext uri="{FF2B5EF4-FFF2-40B4-BE49-F238E27FC236}">
+                <a16:creationId xmlns:a16="http://schemas.microsoft.com/office/drawing/2014/main" id="{F6D3B83D-7A88-48F9-A33D-3613F49B5E03}"/>
+              </a:ext>
+            </a:extLst>
+          </p:cNvPr>
+          <p:cNvPicPr>
+            <a:picLocks noChangeAspect="1"/>
+          </p:cNvPicPr>
+          <p:nvPr/>
+        </p:nvPicPr>
+        <p:blipFill>
+          <a:blip r:embed="rId4">
+            <a:extLst>
+              <a:ext uri="{28A0092B-C50C-407E-A947-70E740481C1C}">
+                <a14:useLocalDpi xmlns:a14="http://schemas.microsoft.com/office/drawing/2010/main" val="0"/>
+              </a:ext>
+            </a:extLst>
+          </a:blip>
+          <a:stretch>
+            <a:fillRect/>
+          </a:stretch>
+        </p:blipFill>
+        <p:spPr>
+          <a:xfrm>
+            <a:off x="5550776" y="2883776"/>
+            <a:ext cx="1090448" cy="1090448"/>
+          </a:xfrm>
+          <a:prstGeom prst="rect">
+            <a:avLst/>
+          </a:prstGeom>
+        </p:spPr>
+      </p:pic>
+      <p:sp>
+        <p:nvSpPr>
+          <p:cNvPr id="18" name="직사각형 17">
+            <a:extLst>
+              <a:ext uri="{FF2B5EF4-FFF2-40B4-BE49-F238E27FC236}">
+                <a16:creationId xmlns:a16="http://schemas.microsoft.com/office/drawing/2014/main" id="{5CEACB93-938E-425F-BD9F-8C78EB23DFC0}"/>
+              </a:ext>
+            </a:extLst>
+          </p:cNvPr>
+          <p:cNvSpPr/>
+          <p:nvPr/>
+        </p:nvSpPr>
+        <p:spPr>
+          <a:xfrm>
+            <a:off x="3231331" y="5220584"/>
+            <a:ext cx="5750357" cy="369332"/>
+          </a:xfrm>
+          <a:prstGeom prst="rect">
+            <a:avLst/>
+          </a:prstGeom>
+        </p:spPr>
+        <p:txBody>
+          <a:bodyPr wrap="none">
+            <a:spAutoFit/>
+          </a:bodyPr>
+          <a:lstStyle/>
+          <a:p>
+            <a:r>
+              <a:rPr lang="en-US" altLang="ko-KR" dirty="0">
+                <a:solidFill>
+                  <a:schemeClr val="bg1"/>
+                </a:solidFill>
+                <a:latin typeface="helvetica" panose="020B0604020202020204" pitchFamily="34" charset="0"/>
+                <a:cs typeface="helvetica" panose="020B0604020202020204" pitchFamily="34" charset="0"/>
+              </a:rPr>
+              <a:t>https://www.kaggle.com/chuckephron/leagueoflegends</a:t>
+            </a:r>
+            <a:endParaRPr lang="ko-KR" altLang="en-US" dirty="0">
+              <a:solidFill>
+                <a:schemeClr val="bg1"/>
+              </a:solidFill>
+              <a:latin typeface="helvetica" panose="020B0604020202020204" pitchFamily="34" charset="0"/>
+              <a:cs typeface="helvetica" panose="020B0604020202020204" pitchFamily="34" charset="0"/>
+            </a:endParaRPr>
+          </a:p>
+        </p:txBody>
+      </p:sp>
+    </p:spTree>
+    <p:extLst>
+      <p:ext uri="{BB962C8B-B14F-4D97-AF65-F5344CB8AC3E}">
+        <p14:creationId xmlns:p14="http://schemas.microsoft.com/office/powerpoint/2010/main" val="2854909703"/>
+      </p:ext>
+    </p:extLst>
+  </p:cSld>
+  <p:clrMapOvr>
+    <a:masterClrMapping/>
+  </p:clrMapOvr>
+</p:sld>
+</file>
+
+<file path=ppt/slides/slide7.xml><?xml version="1.0" encoding="utf-8"?>
+<p:sld xmlns:a="http://schemas.openxmlformats.org/drawingml/2006/main" xmlns:r="http://schemas.openxmlformats.org/officeDocument/2006/relationships" xmlns:p="http://schemas.openxmlformats.org/presentationml/2006/main">
+  <p:cSld>
+    <p:spTree>
+      <p:nvGrpSpPr>
+        <p:cNvPr id="1" name=""/>
+        <p:cNvGrpSpPr/>
+        <p:nvPr/>
+      </p:nvGrpSpPr>
+      <p:grpSpPr>
+        <a:xfrm>
+          <a:off x="0" y="0"/>
+          <a:ext cx="0" cy="0"/>
+          <a:chOff x="0" y="0"/>
+          <a:chExt cx="0" cy="0"/>
+        </a:xfrm>
+      </p:grpSpPr>
+      <p:sp>
+        <p:nvSpPr>
+          <p:cNvPr id="6" name="직사각형 5">
+            <a:extLst>
+              <a:ext uri="{FF2B5EF4-FFF2-40B4-BE49-F238E27FC236}">
+                <a16:creationId xmlns:a16="http://schemas.microsoft.com/office/drawing/2014/main" id="{93FD60D2-BBD0-4153-99BC-69CB5966D57A}"/>
+              </a:ext>
+            </a:extLst>
+          </p:cNvPr>
+          <p:cNvSpPr/>
+          <p:nvPr/>
+        </p:nvSpPr>
+        <p:spPr>
+          <a:xfrm>
+            <a:off x="0" y="0"/>
+            <a:ext cx="12192000" cy="6858000"/>
+          </a:xfrm>
+          <a:prstGeom prst="rect">
+            <a:avLst/>
+          </a:prstGeom>
+          <a:solidFill>
+            <a:srgbClr val="10232C"/>
+          </a:solidFill>
+          <a:ln>
+            <a:noFill/>
+          </a:ln>
+        </p:spPr>
+        <p:style>
+          <a:lnRef idx="2">
+            <a:schemeClr val="accent1">
+              <a:shade val="50000"/>
+            </a:schemeClr>
+          </a:lnRef>
+          <a:fillRef idx="1">
+            <a:schemeClr val="accent1"/>
+          </a:fillRef>
+          <a:effectRef idx="0">
+            <a:schemeClr val="accent1"/>
+          </a:effectRef>
+          <a:fontRef idx="minor">
+            <a:schemeClr val="lt1"/>
+          </a:fontRef>
+        </p:style>
+        <p:txBody>
+          <a:bodyPr rtlCol="0" anchor="ctr"/>
+          <a:lstStyle/>
+          <a:p>
+            <a:pPr algn="ctr"/>
+            <a:endParaRPr lang="ko-KR" altLang="en-US" dirty="0">
+              <a:latin typeface="helvetica" panose="020B0604020202020204" pitchFamily="34" charset="0"/>
+              <a:cs typeface="helvetica" panose="020B0604020202020204" pitchFamily="34" charset="0"/>
+            </a:endParaRPr>
+          </a:p>
+        </p:txBody>
+      </p:sp>
+      <p:sp>
+        <p:nvSpPr>
+          <p:cNvPr id="7" name="제목 3">
+            <a:extLst>
+              <a:ext uri="{FF2B5EF4-FFF2-40B4-BE49-F238E27FC236}">
+                <a16:creationId xmlns:a16="http://schemas.microsoft.com/office/drawing/2014/main" id="{22C1A780-DAE7-46CA-ADA6-46F0DB755D02}"/>
+              </a:ext>
+            </a:extLst>
+          </p:cNvPr>
+          <p:cNvSpPr>
+            <a:spLocks noGrp="1"/>
+          </p:cNvSpPr>
+          <p:nvPr>
+            <p:ph type="title"/>
+          </p:nvPr>
+        </p:nvSpPr>
+        <p:spPr>
+          <a:xfrm>
+            <a:off x="838200" y="365125"/>
+            <a:ext cx="10515600" cy="1325563"/>
+          </a:xfrm>
+        </p:spPr>
+        <p:txBody>
+          <a:bodyPr/>
+          <a:lstStyle/>
+          <a:p>
+            <a:r>
+              <a:rPr lang="en-US" altLang="ko-KR" dirty="0">
+                <a:solidFill>
+                  <a:schemeClr val="bg1"/>
+                </a:solidFill>
+                <a:latin typeface="helvetica" panose="020B0604020202020204" pitchFamily="34" charset="0"/>
+                <a:cs typeface="helvetica" panose="020B0604020202020204" pitchFamily="34" charset="0"/>
+              </a:rPr>
+              <a:t>Dataset</a:t>
+            </a:r>
+            <a:endParaRPr lang="ko-KR" altLang="en-US" dirty="0">
+              <a:solidFill>
+                <a:schemeClr val="bg1"/>
+              </a:solidFill>
+              <a:latin typeface="helvetica" panose="020B0604020202020204" pitchFamily="34" charset="0"/>
+              <a:cs typeface="helvetica" panose="020B0604020202020204" pitchFamily="34" charset="0"/>
+            </a:endParaRPr>
+          </a:p>
+        </p:txBody>
+      </p:sp>
+      <p:pic>
+        <p:nvPicPr>
+          <p:cNvPr id="3" name="그림 2">
+            <a:extLst>
+              <a:ext uri="{FF2B5EF4-FFF2-40B4-BE49-F238E27FC236}">
+                <a16:creationId xmlns:a16="http://schemas.microsoft.com/office/drawing/2014/main" id="{2566D80A-2361-4B3A-83FB-C4E997D5CD74}"/>
+              </a:ext>
+            </a:extLst>
+          </p:cNvPr>
+          <p:cNvPicPr>
+            <a:picLocks noChangeAspect="1"/>
+          </p:cNvPicPr>
+          <p:nvPr/>
+        </p:nvPicPr>
+        <p:blipFill>
+          <a:blip r:embed="rId3">
+            <a:extLst>
+              <a:ext uri="{28A0092B-C50C-407E-A947-70E740481C1C}">
+                <a14:useLocalDpi xmlns:a14="http://schemas.microsoft.com/office/drawing/2010/main" val="0"/>
+              </a:ext>
+            </a:extLst>
+          </a:blip>
+          <a:stretch>
+            <a:fillRect/>
+          </a:stretch>
+        </p:blipFill>
+        <p:spPr>
+          <a:xfrm>
+            <a:off x="6831311" y="735725"/>
+            <a:ext cx="4623774" cy="5586248"/>
+          </a:xfrm>
+          <a:prstGeom prst="rect">
+            <a:avLst/>
+          </a:prstGeom>
+        </p:spPr>
+      </p:pic>
+      <p:sp>
+        <p:nvSpPr>
+          <p:cNvPr id="10" name="내용 개체 틀 2">
+            <a:extLst>
+              <a:ext uri="{FF2B5EF4-FFF2-40B4-BE49-F238E27FC236}">
+                <a16:creationId xmlns:a16="http://schemas.microsoft.com/office/drawing/2014/main" id="{CB324DDC-7D5F-4773-ACFE-1D47E759E8D2}"/>
+              </a:ext>
+            </a:extLst>
+          </p:cNvPr>
+          <p:cNvSpPr txBox="1">
+            <a:spLocks/>
+          </p:cNvSpPr>
+          <p:nvPr/>
+        </p:nvSpPr>
+        <p:spPr>
+          <a:xfrm>
+            <a:off x="838200" y="1825625"/>
+            <a:ext cx="5993111" cy="4351338"/>
+          </a:xfrm>
+          <a:prstGeom prst="rect">
+            <a:avLst/>
+          </a:prstGeom>
+        </p:spPr>
+        <p:txBody>
+          <a:bodyPr/>
+          <a:lstStyle>
+            <a:lvl1pPr marL="228600" indent="-228600" algn="l" defTabSz="914400" rtl="0" eaLnBrk="1" latinLnBrk="1" hangingPunct="1">
+              <a:lnSpc>
+                <a:spcPct val="90000"/>
+              </a:lnSpc>
+              <a:spcBef>
+                <a:spcPts val="1000"/>
+              </a:spcBef>
+              <a:buFont typeface="Arial" panose="020B0604020202020204" pitchFamily="34" charset="0"/>
+              <a:buChar char="•"/>
+              <a:defRPr sz="2800" kern="1200">
+                <a:solidFill>
+                  <a:schemeClr val="tx1"/>
+                </a:solidFill>
+                <a:latin typeface="+mn-lt"/>
+                <a:ea typeface="+mn-ea"/>
+                <a:cs typeface="+mn-cs"/>
+              </a:defRPr>
+            </a:lvl1pPr>
+            <a:lvl2pPr marL="685800" indent="-228600" algn="l" defTabSz="914400" rtl="0" eaLnBrk="1" latinLnBrk="1" hangingPunct="1">
+              <a:lnSpc>
+                <a:spcPct val="90000"/>
+              </a:lnSpc>
+              <a:spcBef>
+                <a:spcPts val="500"/>
+              </a:spcBef>
+              <a:buFont typeface="Arial" panose="020B0604020202020204" pitchFamily="34" charset="0"/>
+              <a:buChar char="•"/>
+              <a:defRPr sz="2400" kern="1200">
+                <a:solidFill>
+                  <a:schemeClr val="tx1"/>
+                </a:solidFill>
+                <a:latin typeface="+mn-lt"/>
+                <a:ea typeface="+mn-ea"/>
+                <a:cs typeface="+mn-cs"/>
+              </a:defRPr>
+            </a:lvl2pPr>
+            <a:lvl3pPr marL="1143000" indent="-228600" algn="l" defTabSz="914400" rtl="0" eaLnBrk="1" latinLnBrk="1" hangingPunct="1">
+              <a:lnSpc>
+                <a:spcPct val="90000"/>
+              </a:lnSpc>
+              <a:spcBef>
+                <a:spcPts val="500"/>
+              </a:spcBef>
+              <a:buFont typeface="Arial" panose="020B0604020202020204" pitchFamily="34" charset="0"/>
+              <a:buChar char="•"/>
+              <a:defRPr sz="2000" kern="1200">
+                <a:solidFill>
+                  <a:schemeClr val="tx1"/>
+                </a:solidFill>
+                <a:latin typeface="+mn-lt"/>
+                <a:ea typeface="+mn-ea"/>
+                <a:cs typeface="+mn-cs"/>
+              </a:defRPr>
+            </a:lvl3pPr>
+            <a:lvl4pPr marL="1600200" indent="-228600" algn="l" defTabSz="914400" rtl="0" eaLnBrk="1" latinLnBrk="1" hangingPunct="1">
+              <a:lnSpc>
+                <a:spcPct val="90000"/>
+              </a:lnSpc>
+              <a:spcBef>
+                <a:spcPts val="500"/>
+              </a:spcBef>
+              <a:buFont typeface="Arial" panose="020B0604020202020204" pitchFamily="34" charset="0"/>
+              <a:buChar char="•"/>
+              <a:defRPr sz="1800" kern="1200">
+                <a:solidFill>
+                  <a:schemeClr val="tx1"/>
+                </a:solidFill>
+                <a:latin typeface="+mn-lt"/>
+                <a:ea typeface="+mn-ea"/>
+                <a:cs typeface="+mn-cs"/>
+              </a:defRPr>
+            </a:lvl4pPr>
+            <a:lvl5pPr marL="2057400" indent="-228600" algn="l" defTabSz="914400" rtl="0" eaLnBrk="1" latinLnBrk="1" hangingPunct="1">
+              <a:lnSpc>
+                <a:spcPct val="90000"/>
+              </a:lnSpc>
+              <a:spcBef>
+                <a:spcPts val="500"/>
+              </a:spcBef>
+              <a:buFont typeface="Arial" panose="020B0604020202020204" pitchFamily="34" charset="0"/>
+              <a:buChar char="•"/>
+              <a:defRPr sz="1800" kern="1200">
+                <a:solidFill>
+                  <a:schemeClr val="tx1"/>
+                </a:solidFill>
+                <a:latin typeface="+mn-lt"/>
+                <a:ea typeface="+mn-ea"/>
+                <a:cs typeface="+mn-cs"/>
+              </a:defRPr>
+            </a:lvl5pPr>
+            <a:lvl6pPr marL="2514600" indent="-228600" algn="l" defTabSz="914400" rtl="0" eaLnBrk="1" latinLnBrk="1" hangingPunct="1">
+              <a:lnSpc>
+                <a:spcPct val="90000"/>
+              </a:lnSpc>
+              <a:spcBef>
+                <a:spcPts val="500"/>
+              </a:spcBef>
+              <a:buFont typeface="Arial" panose="020B0604020202020204" pitchFamily="34" charset="0"/>
+              <a:buChar char="•"/>
+              <a:defRPr sz="1800" kern="1200">
+                <a:solidFill>
+                  <a:schemeClr val="tx1"/>
+                </a:solidFill>
+                <a:latin typeface="+mn-lt"/>
+                <a:ea typeface="+mn-ea"/>
+                <a:cs typeface="+mn-cs"/>
+              </a:defRPr>
+            </a:lvl6pPr>
+            <a:lvl7pPr marL="2971800" indent="-228600" algn="l" defTabSz="914400" rtl="0" eaLnBrk="1" latinLnBrk="1" hangingPunct="1">
+              <a:lnSpc>
+                <a:spcPct val="90000"/>
+              </a:lnSpc>
+              <a:spcBef>
+                <a:spcPts val="500"/>
+              </a:spcBef>
+              <a:buFont typeface="Arial" panose="020B0604020202020204" pitchFamily="34" charset="0"/>
+              <a:buChar char="•"/>
+              <a:defRPr sz="1800" kern="1200">
+                <a:solidFill>
+                  <a:schemeClr val="tx1"/>
+                </a:solidFill>
+                <a:latin typeface="+mn-lt"/>
+                <a:ea typeface="+mn-ea"/>
+                <a:cs typeface="+mn-cs"/>
+              </a:defRPr>
+            </a:lvl7pPr>
+            <a:lvl8pPr marL="3429000" indent="-228600" algn="l" defTabSz="914400" rtl="0" eaLnBrk="1" latinLnBrk="1" hangingPunct="1">
+              <a:lnSpc>
+                <a:spcPct val="90000"/>
+              </a:lnSpc>
+              <a:spcBef>
+                <a:spcPts val="500"/>
+              </a:spcBef>
+              <a:buFont typeface="Arial" panose="020B0604020202020204" pitchFamily="34" charset="0"/>
+              <a:buChar char="•"/>
+              <a:defRPr sz="1800" kern="1200">
+                <a:solidFill>
+                  <a:schemeClr val="tx1"/>
+                </a:solidFill>
+                <a:latin typeface="+mn-lt"/>
+                <a:ea typeface="+mn-ea"/>
+                <a:cs typeface="+mn-cs"/>
+              </a:defRPr>
+            </a:lvl8pPr>
+            <a:lvl9pPr marL="3886200" indent="-228600" algn="l" defTabSz="914400" rtl="0" eaLnBrk="1" latinLnBrk="1" hangingPunct="1">
+              <a:lnSpc>
+                <a:spcPct val="90000"/>
+              </a:lnSpc>
+              <a:spcBef>
+                <a:spcPts val="500"/>
+              </a:spcBef>
+              <a:buFont typeface="Arial" panose="020B0604020202020204" pitchFamily="34" charset="0"/>
+              <a:buChar char="•"/>
+              <a:defRPr sz="1800" kern="1200">
+                <a:solidFill>
+                  <a:schemeClr val="tx1"/>
+                </a:solidFill>
+                <a:latin typeface="+mn-lt"/>
+                <a:ea typeface="+mn-ea"/>
+                <a:cs typeface="+mn-cs"/>
+              </a:defRPr>
+            </a:lvl9pPr>
+          </a:lstStyle>
+          <a:p>
+            <a:pPr fontAlgn="base"/>
+            <a:r>
+              <a:rPr lang="en-US" altLang="ko-KR" b="1" dirty="0">
+                <a:solidFill>
+                  <a:schemeClr val="bg1"/>
+                </a:solidFill>
+                <a:latin typeface="helvetica" panose="020B0604020202020204" pitchFamily="34" charset="0"/>
+                <a:cs typeface="helvetica" panose="020B0604020202020204" pitchFamily="34" charset="0"/>
+              </a:rPr>
+              <a:t>Match Count: 7621</a:t>
+            </a:r>
+          </a:p>
+          <a:p>
+            <a:pPr fontAlgn="base"/>
+            <a:endParaRPr lang="en-US" altLang="ko-KR" b="1" dirty="0">
+              <a:solidFill>
+                <a:schemeClr val="bg1"/>
+              </a:solidFill>
+              <a:latin typeface="helvetica" panose="020B0604020202020204" pitchFamily="34" charset="0"/>
+              <a:cs typeface="helvetica" panose="020B0604020202020204" pitchFamily="34" charset="0"/>
+            </a:endParaRPr>
+          </a:p>
+          <a:p>
+            <a:pPr fontAlgn="base"/>
+            <a:r>
+              <a:rPr lang="en-US" altLang="ko-KR" dirty="0">
+                <a:solidFill>
+                  <a:schemeClr val="bg1"/>
+                </a:solidFill>
+                <a:latin typeface="helvetica" panose="020B0604020202020204" pitchFamily="34" charset="0"/>
+                <a:cs typeface="helvetica" panose="020B0604020202020204" pitchFamily="34" charset="0"/>
+              </a:rPr>
+              <a:t>League: NALCS, LCK, WC, </a:t>
+            </a:r>
+            <a:r>
+              <a:rPr lang="en-US" altLang="ko-KR" dirty="0" err="1">
+                <a:solidFill>
+                  <a:schemeClr val="bg1"/>
+                </a:solidFill>
+                <a:latin typeface="helvetica" panose="020B0604020202020204" pitchFamily="34" charset="0"/>
+                <a:cs typeface="helvetica" panose="020B0604020202020204" pitchFamily="34" charset="0"/>
+              </a:rPr>
+              <a:t>etc</a:t>
+            </a:r>
+            <a:endParaRPr lang="en-US" altLang="ko-KR" dirty="0">
+              <a:solidFill>
+                <a:schemeClr val="bg1"/>
+              </a:solidFill>
+              <a:latin typeface="helvetica" panose="020B0604020202020204" pitchFamily="34" charset="0"/>
+              <a:cs typeface="helvetica" panose="020B0604020202020204" pitchFamily="34" charset="0"/>
+            </a:endParaRPr>
+          </a:p>
+          <a:p>
+            <a:pPr fontAlgn="base"/>
+            <a:r>
+              <a:rPr lang="en-US" altLang="ko-KR" dirty="0">
+                <a:solidFill>
+                  <a:schemeClr val="bg1"/>
+                </a:solidFill>
+                <a:latin typeface="helvetica" panose="020B0604020202020204" pitchFamily="34" charset="0"/>
+                <a:cs typeface="helvetica" panose="020B0604020202020204" pitchFamily="34" charset="0"/>
+              </a:rPr>
+              <a:t>Period: 2014 - 2018</a:t>
+            </a:r>
+          </a:p>
+          <a:p>
+            <a:pPr fontAlgn="base"/>
+            <a:r>
+              <a:rPr lang="en-US" altLang="ko-KR" dirty="0">
+                <a:solidFill>
+                  <a:schemeClr val="bg1"/>
+                </a:solidFill>
+                <a:latin typeface="helvetica" panose="020B0604020202020204" pitchFamily="34" charset="0"/>
+                <a:cs typeface="helvetica" panose="020B0604020202020204" pitchFamily="34" charset="0"/>
+              </a:rPr>
+              <a:t>Season: Spring, Summer</a:t>
+            </a:r>
+          </a:p>
+          <a:p>
+            <a:pPr fontAlgn="base"/>
+            <a:r>
+              <a:rPr lang="en-US" altLang="ko-KR" dirty="0">
+                <a:solidFill>
+                  <a:schemeClr val="bg1"/>
+                </a:solidFill>
+                <a:latin typeface="helvetica" panose="020B0604020202020204" pitchFamily="34" charset="0"/>
+                <a:cs typeface="helvetica" panose="020B0604020202020204" pitchFamily="34" charset="0"/>
+              </a:rPr>
+              <a:t>Type: Season, Playoffs, International, </a:t>
+            </a:r>
+            <a:r>
+              <a:rPr lang="en-US" altLang="ko-KR" dirty="0" err="1">
+                <a:solidFill>
+                  <a:schemeClr val="bg1"/>
+                </a:solidFill>
+                <a:latin typeface="helvetica" panose="020B0604020202020204" pitchFamily="34" charset="0"/>
+                <a:cs typeface="helvetica" panose="020B0604020202020204" pitchFamily="34" charset="0"/>
+              </a:rPr>
+              <a:t>etc</a:t>
+            </a:r>
+            <a:endParaRPr lang="en-US" altLang="ko-KR" dirty="0">
+              <a:solidFill>
+                <a:schemeClr val="bg1"/>
+              </a:solidFill>
+              <a:latin typeface="helvetica" panose="020B0604020202020204" pitchFamily="34" charset="0"/>
+              <a:cs typeface="helvetica" panose="020B0604020202020204" pitchFamily="34" charset="0"/>
+            </a:endParaRPr>
+          </a:p>
+        </p:txBody>
+      </p:sp>
+      <p:sp>
+        <p:nvSpPr>
+          <p:cNvPr id="4" name="직사각형 3">
+            <a:extLst>
+              <a:ext uri="{FF2B5EF4-FFF2-40B4-BE49-F238E27FC236}">
+                <a16:creationId xmlns:a16="http://schemas.microsoft.com/office/drawing/2014/main" id="{DD92E3BC-26BB-4D6B-BA08-7F11742431F1}"/>
+              </a:ext>
+            </a:extLst>
+          </p:cNvPr>
+          <p:cNvSpPr/>
+          <p:nvPr/>
+        </p:nvSpPr>
+        <p:spPr>
+          <a:xfrm>
+            <a:off x="6831311" y="735725"/>
+            <a:ext cx="3763117" cy="5586248"/>
+          </a:xfrm>
+          <a:prstGeom prst="rect">
+            <a:avLst/>
+          </a:prstGeom>
+          <a:noFill/>
+          <a:ln w="31750">
+            <a:solidFill>
+              <a:srgbClr val="EA1D24"/>
+            </a:solidFill>
+          </a:ln>
+        </p:spPr>
+        <p:style>
+          <a:lnRef idx="2">
+            <a:schemeClr val="accent1">
+              <a:shade val="50000"/>
+            </a:schemeClr>
+          </a:lnRef>
+          <a:fillRef idx="1">
+            <a:schemeClr val="accent1"/>
+          </a:fillRef>
+          <a:effectRef idx="0">
+            <a:schemeClr val="accent1"/>
+          </a:effectRef>
+          <a:fontRef idx="minor">
+            <a:schemeClr val="lt1"/>
+          </a:fontRef>
+        </p:style>
+        <p:txBody>
+          <a:bodyPr rtlCol="0" anchor="ctr"/>
+          <a:lstStyle/>
+          <a:p>
+            <a:pPr algn="ctr"/>
+            <a:endParaRPr lang="ko-KR" altLang="en-US">
+              <a:latin typeface="helvetica" panose="020B0604020202020204" pitchFamily="34" charset="0"/>
+              <a:cs typeface="helvetica" panose="020B0604020202020204" pitchFamily="34" charset="0"/>
+            </a:endParaRPr>
+          </a:p>
+        </p:txBody>
+      </p:sp>
+      <p:sp>
+        <p:nvSpPr>
+          <p:cNvPr id="13" name="직사각형 12">
+            <a:extLst>
+              <a:ext uri="{FF2B5EF4-FFF2-40B4-BE49-F238E27FC236}">
+                <a16:creationId xmlns:a16="http://schemas.microsoft.com/office/drawing/2014/main" id="{5F352A57-D02F-4589-ACDF-DC96E3E8BA58}"/>
+              </a:ext>
+            </a:extLst>
+          </p:cNvPr>
+          <p:cNvSpPr/>
+          <p:nvPr/>
+        </p:nvSpPr>
+        <p:spPr>
+          <a:xfrm>
+            <a:off x="957919" y="1272147"/>
+            <a:ext cx="1901962" cy="72000"/>
+          </a:xfrm>
+          <a:prstGeom prst="rect">
+            <a:avLst/>
+          </a:prstGeom>
+          <a:solidFill>
+            <a:schemeClr val="bg1"/>
+          </a:solidFill>
+          <a:ln>
+            <a:noFill/>
+          </a:ln>
+        </p:spPr>
+        <p:style>
+          <a:lnRef idx="2">
+            <a:schemeClr val="accent1">
+              <a:shade val="50000"/>
+            </a:schemeClr>
+          </a:lnRef>
+          <a:fillRef idx="1">
+            <a:schemeClr val="accent1"/>
+          </a:fillRef>
+          <a:effectRef idx="0">
+            <a:schemeClr val="accent1"/>
+          </a:effectRef>
+          <a:fontRef idx="minor">
+            <a:schemeClr val="lt1"/>
+          </a:fontRef>
+        </p:style>
+        <p:txBody>
+          <a:bodyPr rtlCol="0" anchor="ctr"/>
+          <a:lstStyle/>
+          <a:p>
+            <a:pPr algn="ctr"/>
+            <a:endParaRPr lang="ko-KR" altLang="en-US">
+              <a:latin typeface="helvetica" panose="020B0604020202020204" pitchFamily="34" charset="0"/>
+              <a:cs typeface="helvetica" panose="020B0604020202020204" pitchFamily="34" charset="0"/>
+            </a:endParaRPr>
+          </a:p>
+        </p:txBody>
+      </p:sp>
+    </p:spTree>
+    <p:extLst>
+      <p:ext uri="{BB962C8B-B14F-4D97-AF65-F5344CB8AC3E}">
+        <p14:creationId xmlns:p14="http://schemas.microsoft.com/office/powerpoint/2010/main" val="1566549592"/>
+      </p:ext>
+    </p:extLst>
+  </p:cSld>
+  <p:clrMapOvr>
+    <a:masterClrMapping/>
+  </p:clrMapOvr>
+</p:sld>
+</file>
+
+<file path=ppt/slides/slide8.xml><?xml version="1.0" encoding="utf-8"?>
+<p:sld xmlns:a="http://schemas.openxmlformats.org/drawingml/2006/main" xmlns:r="http://schemas.openxmlformats.org/officeDocument/2006/relationships" xmlns:p="http://schemas.openxmlformats.org/presentationml/2006/main">
+  <p:cSld>
+    <p:spTree>
+      <p:nvGrpSpPr>
+        <p:cNvPr id="1" name=""/>
+        <p:cNvGrpSpPr/>
+        <p:nvPr/>
+      </p:nvGrpSpPr>
+      <p:grpSpPr>
+        <a:xfrm>
+          <a:off x="0" y="0"/>
+          <a:ext cx="0" cy="0"/>
+          <a:chOff x="0" y="0"/>
+          <a:chExt cx="0" cy="0"/>
+        </a:xfrm>
+      </p:grpSpPr>
+      <p:sp>
+        <p:nvSpPr>
+          <p:cNvPr id="6" name="직사각형 5">
+            <a:extLst>
+              <a:ext uri="{FF2B5EF4-FFF2-40B4-BE49-F238E27FC236}">
+                <a16:creationId xmlns:a16="http://schemas.microsoft.com/office/drawing/2014/main" id="{93FD60D2-BBD0-4153-99BC-69CB5966D57A}"/>
+              </a:ext>
+            </a:extLst>
+          </p:cNvPr>
+          <p:cNvSpPr/>
+          <p:nvPr/>
+        </p:nvSpPr>
+        <p:spPr>
+          <a:xfrm>
+            <a:off x="0" y="0"/>
+            <a:ext cx="12192000" cy="6858000"/>
+          </a:xfrm>
+          <a:prstGeom prst="rect">
+            <a:avLst/>
+          </a:prstGeom>
+          <a:solidFill>
+            <a:srgbClr val="10232C"/>
+          </a:solidFill>
+          <a:ln>
+            <a:noFill/>
+          </a:ln>
+        </p:spPr>
+        <p:style>
+          <a:lnRef idx="2">
+            <a:schemeClr val="accent1">
+              <a:shade val="50000"/>
+            </a:schemeClr>
+          </a:lnRef>
+          <a:fillRef idx="1">
+            <a:schemeClr val="accent1"/>
+          </a:fillRef>
+          <a:effectRef idx="0">
+            <a:schemeClr val="accent1"/>
+          </a:effectRef>
+          <a:fontRef idx="minor">
+            <a:schemeClr val="lt1"/>
+          </a:fontRef>
+        </p:style>
+        <p:txBody>
+          <a:bodyPr rtlCol="0" anchor="ctr"/>
+          <a:lstStyle/>
+          <a:p>
+            <a:pPr algn="ctr"/>
+            <a:endParaRPr lang="ko-KR" altLang="en-US" dirty="0">
+              <a:latin typeface="helvetica" panose="020B0604020202020204" pitchFamily="34" charset="0"/>
+              <a:cs typeface="helvetica" panose="020B0604020202020204" pitchFamily="34" charset="0"/>
+            </a:endParaRPr>
+          </a:p>
+        </p:txBody>
+      </p:sp>
+      <p:sp>
+        <p:nvSpPr>
+          <p:cNvPr id="7" name="제목 3">
+            <a:extLst>
+              <a:ext uri="{FF2B5EF4-FFF2-40B4-BE49-F238E27FC236}">
+                <a16:creationId xmlns:a16="http://schemas.microsoft.com/office/drawing/2014/main" id="{22C1A780-DAE7-46CA-ADA6-46F0DB755D02}"/>
+              </a:ext>
+            </a:extLst>
+          </p:cNvPr>
+          <p:cNvSpPr>
+            <a:spLocks noGrp="1"/>
+          </p:cNvSpPr>
+          <p:nvPr>
+            <p:ph type="title"/>
+          </p:nvPr>
+        </p:nvSpPr>
+        <p:spPr>
+          <a:xfrm>
+            <a:off x="838200" y="365125"/>
+            <a:ext cx="10515600" cy="1325563"/>
+          </a:xfrm>
+        </p:spPr>
+        <p:txBody>
+          <a:bodyPr/>
+          <a:lstStyle/>
+          <a:p>
+            <a:r>
+              <a:rPr lang="en-US" altLang="ko-KR" dirty="0">
+                <a:solidFill>
+                  <a:schemeClr val="bg1"/>
+                </a:solidFill>
+                <a:latin typeface="helvetica" panose="020B0604020202020204" pitchFamily="34" charset="0"/>
+                <a:cs typeface="helvetica" panose="020B0604020202020204" pitchFamily="34" charset="0"/>
+              </a:rPr>
+              <a:t>Characteristics</a:t>
+            </a:r>
+            <a:endParaRPr lang="ko-KR" altLang="en-US" dirty="0">
+              <a:solidFill>
+                <a:schemeClr val="bg1"/>
+              </a:solidFill>
+              <a:latin typeface="helvetica" panose="020B0604020202020204" pitchFamily="34" charset="0"/>
+              <a:cs typeface="helvetica" panose="020B0604020202020204" pitchFamily="34" charset="0"/>
+            </a:endParaRPr>
+          </a:p>
+        </p:txBody>
+      </p:sp>
+      <p:sp>
+        <p:nvSpPr>
+          <p:cNvPr id="8" name="내용 개체 틀 2">
+            <a:extLst>
+              <a:ext uri="{FF2B5EF4-FFF2-40B4-BE49-F238E27FC236}">
+                <a16:creationId xmlns:a16="http://schemas.microsoft.com/office/drawing/2014/main" id="{CC861D5F-FF47-448E-A1AA-24AC91708D1A}"/>
+              </a:ext>
+            </a:extLst>
+          </p:cNvPr>
+          <p:cNvSpPr txBox="1">
+            <a:spLocks/>
+          </p:cNvSpPr>
+          <p:nvPr/>
+        </p:nvSpPr>
+        <p:spPr>
+          <a:xfrm>
+            <a:off x="838200" y="1825625"/>
+            <a:ext cx="10515600" cy="4351338"/>
+          </a:xfrm>
+          <a:prstGeom prst="rect">
+            <a:avLst/>
+          </a:prstGeom>
+        </p:spPr>
+        <p:txBody>
+          <a:bodyPr/>
+          <a:lstStyle>
+            <a:lvl1pPr marL="228600" indent="-228600" algn="l" defTabSz="914400" rtl="0" eaLnBrk="1" latinLnBrk="1" hangingPunct="1">
+              <a:lnSpc>
+                <a:spcPct val="90000"/>
+              </a:lnSpc>
+              <a:spcBef>
+                <a:spcPts val="1000"/>
+              </a:spcBef>
+              <a:buFont typeface="Arial" panose="020B0604020202020204" pitchFamily="34" charset="0"/>
+              <a:buChar char="•"/>
+              <a:defRPr sz="2800" kern="1200">
+                <a:solidFill>
+                  <a:schemeClr val="tx1"/>
+                </a:solidFill>
+                <a:latin typeface="+mn-lt"/>
+                <a:ea typeface="+mn-ea"/>
+                <a:cs typeface="+mn-cs"/>
+              </a:defRPr>
+            </a:lvl1pPr>
+            <a:lvl2pPr marL="685800" indent="-228600" algn="l" defTabSz="914400" rtl="0" eaLnBrk="1" latinLnBrk="1" hangingPunct="1">
+              <a:lnSpc>
+                <a:spcPct val="90000"/>
+              </a:lnSpc>
+              <a:spcBef>
+                <a:spcPts val="500"/>
+              </a:spcBef>
+              <a:buFont typeface="Arial" panose="020B0604020202020204" pitchFamily="34" charset="0"/>
+              <a:buChar char="•"/>
+              <a:defRPr sz="2400" kern="1200">
+                <a:solidFill>
+                  <a:schemeClr val="tx1"/>
+                </a:solidFill>
+                <a:latin typeface="+mn-lt"/>
+                <a:ea typeface="+mn-ea"/>
+                <a:cs typeface="+mn-cs"/>
+              </a:defRPr>
+            </a:lvl2pPr>
+            <a:lvl3pPr marL="1143000" indent="-228600" algn="l" defTabSz="914400" rtl="0" eaLnBrk="1" latinLnBrk="1" hangingPunct="1">
+              <a:lnSpc>
+                <a:spcPct val="90000"/>
+              </a:lnSpc>
+              <a:spcBef>
+                <a:spcPts val="500"/>
+              </a:spcBef>
+              <a:buFont typeface="Arial" panose="020B0604020202020204" pitchFamily="34" charset="0"/>
+              <a:buChar char="•"/>
+              <a:defRPr sz="2000" kern="1200">
+                <a:solidFill>
+                  <a:schemeClr val="tx1"/>
+                </a:solidFill>
+                <a:latin typeface="+mn-lt"/>
+                <a:ea typeface="+mn-ea"/>
+                <a:cs typeface="+mn-cs"/>
+              </a:defRPr>
+            </a:lvl3pPr>
+            <a:lvl4pPr marL="1600200" indent="-228600" algn="l" defTabSz="914400" rtl="0" eaLnBrk="1" latinLnBrk="1" hangingPunct="1">
+              <a:lnSpc>
+                <a:spcPct val="90000"/>
+              </a:lnSpc>
+              <a:spcBef>
+                <a:spcPts val="500"/>
+              </a:spcBef>
+              <a:buFont typeface="Arial" panose="020B0604020202020204" pitchFamily="34" charset="0"/>
+              <a:buChar char="•"/>
+              <a:defRPr sz="1800" kern="1200">
+                <a:solidFill>
+                  <a:schemeClr val="tx1"/>
+                </a:solidFill>
+                <a:latin typeface="+mn-lt"/>
+                <a:ea typeface="+mn-ea"/>
+                <a:cs typeface="+mn-cs"/>
+              </a:defRPr>
+            </a:lvl4pPr>
+            <a:lvl5pPr marL="2057400" indent="-228600" algn="l" defTabSz="914400" rtl="0" eaLnBrk="1" latinLnBrk="1" hangingPunct="1">
+              <a:lnSpc>
+                <a:spcPct val="90000"/>
+              </a:lnSpc>
+              <a:spcBef>
+                <a:spcPts val="500"/>
+              </a:spcBef>
+              <a:buFont typeface="Arial" panose="020B0604020202020204" pitchFamily="34" charset="0"/>
+              <a:buChar char="•"/>
+              <a:defRPr sz="1800" kern="1200">
+                <a:solidFill>
+                  <a:schemeClr val="tx1"/>
+                </a:solidFill>
+                <a:latin typeface="+mn-lt"/>
+                <a:ea typeface="+mn-ea"/>
+                <a:cs typeface="+mn-cs"/>
+              </a:defRPr>
+            </a:lvl5pPr>
+            <a:lvl6pPr marL="2514600" indent="-228600" algn="l" defTabSz="914400" rtl="0" eaLnBrk="1" latinLnBrk="1" hangingPunct="1">
+              <a:lnSpc>
+                <a:spcPct val="90000"/>
+              </a:lnSpc>
+              <a:spcBef>
+                <a:spcPts val="500"/>
+              </a:spcBef>
+              <a:buFont typeface="Arial" panose="020B0604020202020204" pitchFamily="34" charset="0"/>
+              <a:buChar char="•"/>
+              <a:defRPr sz="1800" kern="1200">
+                <a:solidFill>
+                  <a:schemeClr val="tx1"/>
+                </a:solidFill>
+                <a:latin typeface="+mn-lt"/>
+                <a:ea typeface="+mn-ea"/>
+                <a:cs typeface="+mn-cs"/>
+              </a:defRPr>
+            </a:lvl6pPr>
+            <a:lvl7pPr marL="2971800" indent="-228600" algn="l" defTabSz="914400" rtl="0" eaLnBrk="1" latinLnBrk="1" hangingPunct="1">
+              <a:lnSpc>
+                <a:spcPct val="90000"/>
+              </a:lnSpc>
+              <a:spcBef>
+                <a:spcPts val="500"/>
+              </a:spcBef>
+              <a:buFont typeface="Arial" panose="020B0604020202020204" pitchFamily="34" charset="0"/>
+              <a:buChar char="•"/>
+              <a:defRPr sz="1800" kern="1200">
+                <a:solidFill>
+                  <a:schemeClr val="tx1"/>
+                </a:solidFill>
+                <a:latin typeface="+mn-lt"/>
+                <a:ea typeface="+mn-ea"/>
+                <a:cs typeface="+mn-cs"/>
+              </a:defRPr>
+            </a:lvl7pPr>
+            <a:lvl8pPr marL="3429000" indent="-228600" algn="l" defTabSz="914400" rtl="0" eaLnBrk="1" latinLnBrk="1" hangingPunct="1">
+              <a:lnSpc>
+                <a:spcPct val="90000"/>
+              </a:lnSpc>
+              <a:spcBef>
+                <a:spcPts val="500"/>
+              </a:spcBef>
+              <a:buFont typeface="Arial" panose="020B0604020202020204" pitchFamily="34" charset="0"/>
+              <a:buChar char="•"/>
+              <a:defRPr sz="1800" kern="1200">
+                <a:solidFill>
+                  <a:schemeClr val="tx1"/>
+                </a:solidFill>
+                <a:latin typeface="+mn-lt"/>
+                <a:ea typeface="+mn-ea"/>
+                <a:cs typeface="+mn-cs"/>
+              </a:defRPr>
+            </a:lvl8pPr>
+            <a:lvl9pPr marL="3886200" indent="-228600" algn="l" defTabSz="914400" rtl="0" eaLnBrk="1" latinLnBrk="1" hangingPunct="1">
+              <a:lnSpc>
+                <a:spcPct val="90000"/>
+              </a:lnSpc>
+              <a:spcBef>
+                <a:spcPts val="500"/>
+              </a:spcBef>
+              <a:buFont typeface="Arial" panose="020B0604020202020204" pitchFamily="34" charset="0"/>
+              <a:buChar char="•"/>
+              <a:defRPr sz="1800" kern="1200">
+                <a:solidFill>
+                  <a:schemeClr val="tx1"/>
+                </a:solidFill>
+                <a:latin typeface="+mn-lt"/>
+                <a:ea typeface="+mn-ea"/>
+                <a:cs typeface="+mn-cs"/>
+              </a:defRPr>
+            </a:lvl9pPr>
+          </a:lstStyle>
+          <a:p>
+            <a:pPr fontAlgn="base"/>
+            <a:r>
+              <a:rPr lang="en-US" altLang="ko-KR" dirty="0">
+                <a:solidFill>
+                  <a:schemeClr val="bg1"/>
+                </a:solidFill>
+                <a:latin typeface="helvetica" panose="020B0604020202020204" pitchFamily="34" charset="0"/>
+                <a:cs typeface="helvetica" panose="020B0604020202020204" pitchFamily="34" charset="0"/>
+              </a:rPr>
+              <a:t>N (Node): Individual LOL pro </a:t>
+            </a:r>
+            <a:r>
+              <a:rPr lang="en-US" altLang="ko-KR" b="1" u="sng" dirty="0">
+                <a:solidFill>
+                  <a:schemeClr val="bg1"/>
+                </a:solidFill>
+                <a:latin typeface="helvetica" panose="020B0604020202020204" pitchFamily="34" charset="0"/>
+                <a:cs typeface="helvetica" panose="020B0604020202020204" pitchFamily="34" charset="0"/>
+              </a:rPr>
+              <a:t>team</a:t>
+            </a:r>
+          </a:p>
+          <a:p>
+            <a:pPr fontAlgn="base"/>
+            <a:r>
+              <a:rPr lang="en-US" altLang="ko-KR" dirty="0">
+                <a:solidFill>
+                  <a:schemeClr val="bg1"/>
+                </a:solidFill>
+                <a:latin typeface="helvetica" panose="020B0604020202020204" pitchFamily="34" charset="0"/>
+                <a:cs typeface="helvetica" panose="020B0604020202020204" pitchFamily="34" charset="0"/>
+              </a:rPr>
+              <a:t>E (Edge): </a:t>
+            </a:r>
+            <a:r>
+              <a:rPr lang="en-US" altLang="ko-KR" b="1" u="sng" dirty="0">
+                <a:solidFill>
+                  <a:schemeClr val="bg1"/>
+                </a:solidFill>
+                <a:latin typeface="helvetica" panose="020B0604020202020204" pitchFamily="34" charset="0"/>
+                <a:cs typeface="helvetica" panose="020B0604020202020204" pitchFamily="34" charset="0"/>
+              </a:rPr>
+              <a:t>Match</a:t>
+            </a:r>
+            <a:r>
+              <a:rPr lang="en-US" altLang="ko-KR" dirty="0">
+                <a:solidFill>
+                  <a:schemeClr val="bg1"/>
+                </a:solidFill>
+                <a:latin typeface="helvetica" panose="020B0604020202020204" pitchFamily="34" charset="0"/>
+                <a:cs typeface="helvetica" panose="020B0604020202020204" pitchFamily="34" charset="0"/>
+              </a:rPr>
+              <a:t> between two teams</a:t>
+            </a:r>
+          </a:p>
+          <a:p>
+            <a:pPr fontAlgn="base"/>
+            <a:r>
+              <a:rPr lang="en-US" altLang="ko-KR" dirty="0">
+                <a:solidFill>
+                  <a:schemeClr val="bg1"/>
+                </a:solidFill>
+                <a:latin typeface="helvetica" panose="020B0604020202020204" pitchFamily="34" charset="0"/>
+                <a:cs typeface="helvetica" panose="020B0604020202020204" pitchFamily="34" charset="0"/>
+              </a:rPr>
+              <a:t>This graph is </a:t>
+            </a:r>
+            <a:r>
+              <a:rPr lang="en-US" altLang="ko-KR" b="1" dirty="0">
+                <a:solidFill>
+                  <a:schemeClr val="bg1"/>
+                </a:solidFill>
+                <a:latin typeface="helvetica" panose="020B0604020202020204" pitchFamily="34" charset="0"/>
+                <a:cs typeface="helvetica" panose="020B0604020202020204" pitchFamily="34" charset="0"/>
+              </a:rPr>
+              <a:t>`</a:t>
+            </a:r>
+            <a:r>
+              <a:rPr lang="en-US" altLang="ko-KR" b="1" u="sng" dirty="0">
+                <a:solidFill>
+                  <a:schemeClr val="bg1"/>
+                </a:solidFill>
+                <a:latin typeface="helvetica" panose="020B0604020202020204" pitchFamily="34" charset="0"/>
+                <a:cs typeface="helvetica" panose="020B0604020202020204" pitchFamily="34" charset="0"/>
+              </a:rPr>
+              <a:t>undirected</a:t>
+            </a:r>
+            <a:r>
+              <a:rPr lang="en-US" altLang="ko-KR" b="1" dirty="0">
+                <a:solidFill>
+                  <a:schemeClr val="bg1"/>
+                </a:solidFill>
+                <a:latin typeface="helvetica" panose="020B0604020202020204" pitchFamily="34" charset="0"/>
+                <a:cs typeface="helvetica" panose="020B0604020202020204" pitchFamily="34" charset="0"/>
+              </a:rPr>
+              <a:t>`</a:t>
+            </a:r>
+            <a:r>
+              <a:rPr lang="en-US" altLang="ko-KR" dirty="0">
+                <a:solidFill>
+                  <a:schemeClr val="bg1"/>
+                </a:solidFill>
+                <a:latin typeface="helvetica" panose="020B0604020202020204" pitchFamily="34" charset="0"/>
+                <a:cs typeface="helvetica" panose="020B0604020202020204" pitchFamily="34" charset="0"/>
+              </a:rPr>
+              <a:t>.</a:t>
+            </a:r>
+          </a:p>
+          <a:p>
+            <a:pPr fontAlgn="base"/>
+            <a:r>
+              <a:rPr lang="en-US" altLang="ko-KR" dirty="0">
+                <a:solidFill>
+                  <a:schemeClr val="bg1"/>
+                </a:solidFill>
+                <a:latin typeface="helvetica" panose="020B0604020202020204" pitchFamily="34" charset="0"/>
+                <a:cs typeface="helvetica" panose="020B0604020202020204" pitchFamily="34" charset="0"/>
+              </a:rPr>
+              <a:t>Set </a:t>
+            </a:r>
+            <a:r>
+              <a:rPr lang="en-US" altLang="ko-KR" b="1" dirty="0">
+                <a:solidFill>
+                  <a:schemeClr val="bg1"/>
+                </a:solidFill>
+                <a:latin typeface="helvetica" panose="020B0604020202020204" pitchFamily="34" charset="0"/>
+                <a:cs typeface="helvetica" panose="020B0604020202020204" pitchFamily="34" charset="0"/>
+              </a:rPr>
+              <a:t>`</a:t>
+            </a:r>
+            <a:r>
+              <a:rPr lang="en-US" altLang="ko-KR" b="1" u="sng" dirty="0">
+                <a:solidFill>
+                  <a:schemeClr val="bg1"/>
+                </a:solidFill>
+                <a:latin typeface="helvetica" panose="020B0604020202020204" pitchFamily="34" charset="0"/>
+                <a:cs typeface="helvetica" panose="020B0604020202020204" pitchFamily="34" charset="0"/>
+              </a:rPr>
+              <a:t>weight</a:t>
+            </a:r>
+            <a:r>
+              <a:rPr lang="en-US" altLang="ko-KR" b="1" dirty="0">
+                <a:solidFill>
+                  <a:schemeClr val="bg1"/>
+                </a:solidFill>
+                <a:latin typeface="helvetica" panose="020B0604020202020204" pitchFamily="34" charset="0"/>
+                <a:cs typeface="helvetica" panose="020B0604020202020204" pitchFamily="34" charset="0"/>
+              </a:rPr>
+              <a:t>`</a:t>
+            </a:r>
+            <a:r>
+              <a:rPr lang="en-US" altLang="ko-KR" dirty="0">
+                <a:solidFill>
+                  <a:schemeClr val="bg1"/>
+                </a:solidFill>
+                <a:latin typeface="helvetica" panose="020B0604020202020204" pitchFamily="34" charset="0"/>
+                <a:cs typeface="helvetica" panose="020B0604020202020204" pitchFamily="34" charset="0"/>
+              </a:rPr>
+              <a:t> as victory point.</a:t>
+            </a:r>
+          </a:p>
+          <a:p>
+            <a:pPr fontAlgn="base"/>
+            <a:endParaRPr lang="ko-KR" altLang="en-US" dirty="0">
+              <a:solidFill>
+                <a:schemeClr val="bg1"/>
+              </a:solidFill>
+              <a:latin typeface="helvetica" panose="020B0604020202020204" pitchFamily="34" charset="0"/>
+              <a:cs typeface="helvetica" panose="020B0604020202020204" pitchFamily="34" charset="0"/>
+            </a:endParaRPr>
+          </a:p>
+        </p:txBody>
+      </p:sp>
+      <p:sp>
+        <p:nvSpPr>
+          <p:cNvPr id="9" name="직사각형 8">
+            <a:extLst>
+              <a:ext uri="{FF2B5EF4-FFF2-40B4-BE49-F238E27FC236}">
+                <a16:creationId xmlns:a16="http://schemas.microsoft.com/office/drawing/2014/main" id="{ABA4EA19-317B-4380-BEBA-ACC4EC7105AB}"/>
+              </a:ext>
+            </a:extLst>
+          </p:cNvPr>
+          <p:cNvSpPr/>
+          <p:nvPr/>
+        </p:nvSpPr>
+        <p:spPr>
+          <a:xfrm>
+            <a:off x="984250" y="1273148"/>
+            <a:ext cx="2397125" cy="72000"/>
+          </a:xfrm>
+          <a:prstGeom prst="rect">
+            <a:avLst/>
+          </a:prstGeom>
+          <a:solidFill>
+            <a:schemeClr val="bg1"/>
+          </a:solidFill>
+          <a:ln>
+            <a:noFill/>
+          </a:ln>
+        </p:spPr>
+        <p:style>
+          <a:lnRef idx="2">
+            <a:schemeClr val="accent1">
+              <a:shade val="50000"/>
+            </a:schemeClr>
+          </a:lnRef>
+          <a:fillRef idx="1">
+            <a:schemeClr val="accent1"/>
+          </a:fillRef>
+          <a:effectRef idx="0">
+            <a:schemeClr val="accent1"/>
+          </a:effectRef>
+          <a:fontRef idx="minor">
+            <a:schemeClr val="lt1"/>
+          </a:fontRef>
+        </p:style>
+        <p:txBody>
+          <a:bodyPr rtlCol="0" anchor="ctr"/>
+          <a:lstStyle/>
+          <a:p>
+            <a:pPr algn="ctr"/>
+            <a:endParaRPr lang="ko-KR" altLang="en-US">
+              <a:latin typeface="helvetica" panose="020B0604020202020204" pitchFamily="34" charset="0"/>
+              <a:cs typeface="helvetica" panose="020B0604020202020204" pitchFamily="34" charset="0"/>
+            </a:endParaRPr>
+          </a:p>
+        </p:txBody>
+      </p:sp>
+      <p:sp>
+        <p:nvSpPr>
+          <p:cNvPr id="2" name="타원 1">
+            <a:extLst>
+              <a:ext uri="{FF2B5EF4-FFF2-40B4-BE49-F238E27FC236}">
+                <a16:creationId xmlns:a16="http://schemas.microsoft.com/office/drawing/2014/main" id="{198F4145-6F4A-48DD-9AAA-8091FE8615E2}"/>
+              </a:ext>
+            </a:extLst>
+          </p:cNvPr>
+          <p:cNvSpPr/>
+          <p:nvPr/>
+        </p:nvSpPr>
+        <p:spPr>
+          <a:xfrm>
+            <a:off x="2533649" y="4275589"/>
+            <a:ext cx="1800000" cy="1800000"/>
+          </a:xfrm>
+          <a:prstGeom prst="ellipse">
+            <a:avLst/>
+          </a:prstGeom>
+          <a:solidFill>
+            <a:srgbClr val="E12239"/>
+          </a:solidFill>
+          <a:ln w="63500">
+            <a:solidFill>
+              <a:schemeClr val="bg1"/>
+            </a:solidFill>
+          </a:ln>
+        </p:spPr>
+        <p:style>
+          <a:lnRef idx="2">
+            <a:schemeClr val="accent1">
+              <a:shade val="50000"/>
+            </a:schemeClr>
+          </a:lnRef>
+          <a:fillRef idx="1">
+            <a:schemeClr val="accent1"/>
+          </a:fillRef>
+          <a:effectRef idx="0">
+            <a:schemeClr val="accent1"/>
+          </a:effectRef>
+          <a:fontRef idx="minor">
+            <a:schemeClr val="lt1"/>
+          </a:fontRef>
+        </p:style>
+        <p:txBody>
+          <a:bodyPr rtlCol="0" anchor="ctr"/>
+          <a:lstStyle/>
+          <a:p>
+            <a:pPr algn="ctr"/>
+            <a:r>
+              <a:rPr lang="en-US" altLang="ko-KR" sz="3600" dirty="0">
+                <a:latin typeface="helvetica" panose="020B0604020202020204" pitchFamily="34" charset="0"/>
+                <a:cs typeface="helvetica" panose="020B0604020202020204" pitchFamily="34" charset="0"/>
+              </a:rPr>
+              <a:t>SKT</a:t>
+            </a:r>
+            <a:endParaRPr lang="ko-KR" altLang="en-US" sz="3600" dirty="0">
+              <a:latin typeface="helvetica" panose="020B0604020202020204" pitchFamily="34" charset="0"/>
+              <a:cs typeface="helvetica" panose="020B0604020202020204" pitchFamily="34" charset="0"/>
+            </a:endParaRPr>
+          </a:p>
+        </p:txBody>
+      </p:sp>
+      <p:sp>
+        <p:nvSpPr>
+          <p:cNvPr id="11" name="타원 10">
+            <a:extLst>
+              <a:ext uri="{FF2B5EF4-FFF2-40B4-BE49-F238E27FC236}">
+                <a16:creationId xmlns:a16="http://schemas.microsoft.com/office/drawing/2014/main" id="{4E643CFA-4E9E-4723-A674-32A2CE632D38}"/>
+              </a:ext>
+            </a:extLst>
+          </p:cNvPr>
+          <p:cNvSpPr/>
+          <p:nvPr/>
+        </p:nvSpPr>
+        <p:spPr>
+          <a:xfrm>
+            <a:off x="7781924" y="4275589"/>
+            <a:ext cx="1800000" cy="1800000"/>
+          </a:xfrm>
+          <a:prstGeom prst="ellipse">
+            <a:avLst/>
+          </a:prstGeom>
+          <a:solidFill>
+            <a:srgbClr val="E73F00"/>
+          </a:solidFill>
+          <a:ln w="63500">
+            <a:solidFill>
+              <a:schemeClr val="bg1"/>
+            </a:solidFill>
+          </a:ln>
+        </p:spPr>
+        <p:style>
+          <a:lnRef idx="2">
+            <a:schemeClr val="accent1">
+              <a:shade val="50000"/>
+            </a:schemeClr>
+          </a:lnRef>
+          <a:fillRef idx="1">
+            <a:schemeClr val="accent1"/>
+          </a:fillRef>
+          <a:effectRef idx="0">
+            <a:schemeClr val="accent1"/>
+          </a:effectRef>
+          <a:fontRef idx="minor">
+            <a:schemeClr val="lt1"/>
+          </a:fontRef>
+        </p:style>
+        <p:txBody>
+          <a:bodyPr rtlCol="0" anchor="ctr"/>
+          <a:lstStyle/>
+          <a:p>
+            <a:pPr algn="ctr"/>
+            <a:r>
+              <a:rPr lang="en-US" altLang="ko-KR" sz="3600" dirty="0">
+                <a:latin typeface="helvetica" panose="020B0604020202020204" pitchFamily="34" charset="0"/>
+                <a:cs typeface="helvetica" panose="020B0604020202020204" pitchFamily="34" charset="0"/>
+              </a:rPr>
+              <a:t>ROX</a:t>
+            </a:r>
+            <a:endParaRPr lang="ko-KR" altLang="en-US" sz="3600" dirty="0">
+              <a:latin typeface="helvetica" panose="020B0604020202020204" pitchFamily="34" charset="0"/>
+              <a:cs typeface="helvetica" panose="020B0604020202020204" pitchFamily="34" charset="0"/>
+            </a:endParaRPr>
+          </a:p>
+        </p:txBody>
+      </p:sp>
+      <p:cxnSp>
+        <p:nvCxnSpPr>
+          <p:cNvPr id="12" name="직선 화살표 연결선 11">
+            <a:extLst>
+              <a:ext uri="{FF2B5EF4-FFF2-40B4-BE49-F238E27FC236}">
+                <a16:creationId xmlns:a16="http://schemas.microsoft.com/office/drawing/2014/main" id="{983C5BDD-5208-40F9-8AAD-1AA66B1BE099}"/>
+              </a:ext>
+            </a:extLst>
+          </p:cNvPr>
+          <p:cNvCxnSpPr>
+            <a:cxnSpLocks/>
+            <a:stCxn id="2" idx="6"/>
+            <a:endCxn id="11" idx="2"/>
+          </p:cNvCxnSpPr>
+          <p:nvPr/>
+        </p:nvCxnSpPr>
+        <p:spPr>
+          <a:xfrm>
+            <a:off x="4333649" y="5175589"/>
+            <a:ext cx="3448275" cy="0"/>
+          </a:xfrm>
+          <a:prstGeom prst="straightConnector1">
+            <a:avLst/>
+          </a:prstGeom>
+          <a:ln w="38100">
+            <a:solidFill>
+              <a:schemeClr val="bg1"/>
+            </a:solidFill>
+            <a:headEnd type="triangle"/>
+            <a:tailEnd type="triangle"/>
+          </a:ln>
+        </p:spPr>
+        <p:style>
+          <a:lnRef idx="1">
+            <a:schemeClr val="accent1"/>
+          </a:lnRef>
+          <a:fillRef idx="0">
+            <a:schemeClr val="accent1"/>
+          </a:fillRef>
+          <a:effectRef idx="0">
+            <a:schemeClr val="accent1"/>
+          </a:effectRef>
+          <a:fontRef idx="minor">
+            <a:schemeClr val="tx1"/>
+          </a:fontRef>
+        </p:style>
+      </p:cxnSp>
+      <p:sp>
+        <p:nvSpPr>
+          <p:cNvPr id="14" name="TextBox 13">
+            <a:extLst>
+              <a:ext uri="{FF2B5EF4-FFF2-40B4-BE49-F238E27FC236}">
+                <a16:creationId xmlns:a16="http://schemas.microsoft.com/office/drawing/2014/main" id="{27379601-17B3-4FB8-95B1-8C26732875C8}"/>
+              </a:ext>
+            </a:extLst>
+          </p:cNvPr>
+          <p:cNvSpPr txBox="1"/>
+          <p:nvPr/>
+        </p:nvSpPr>
+        <p:spPr>
+          <a:xfrm>
+            <a:off x="5286488" y="4533900"/>
+            <a:ext cx="1619023" cy="584775"/>
+          </a:xfrm>
+          <a:prstGeom prst="rect">
+            <a:avLst/>
+          </a:prstGeom>
+          <a:noFill/>
+        </p:spPr>
+        <p:txBody>
+          <a:bodyPr wrap="square" rtlCol="0">
+            <a:spAutoFit/>
+          </a:bodyPr>
+          <a:lstStyle/>
+          <a:p>
+            <a:pPr algn="ctr"/>
+            <a:r>
+              <a:rPr lang="en-US" altLang="ko-KR" sz="3200" b="1" dirty="0">
+                <a:solidFill>
+                  <a:schemeClr val="bg1"/>
+                </a:solidFill>
+                <a:latin typeface="helvetica" panose="020B0604020202020204" pitchFamily="34" charset="0"/>
+                <a:cs typeface="helvetica" panose="020B0604020202020204" pitchFamily="34" charset="0"/>
+              </a:rPr>
+              <a:t>[2, 2]</a:t>
+            </a:r>
+            <a:endParaRPr lang="ko-KR" altLang="en-US" sz="3200" b="1" dirty="0">
+              <a:solidFill>
+                <a:schemeClr val="bg1"/>
+              </a:solidFill>
+              <a:latin typeface="helvetica" panose="020B0604020202020204" pitchFamily="34" charset="0"/>
+              <a:cs typeface="helvetica" panose="020B0604020202020204" pitchFamily="34" charset="0"/>
+            </a:endParaRPr>
+          </a:p>
+        </p:txBody>
+      </p:sp>
+    </p:spTree>
+    <p:extLst>
+      <p:ext uri="{BB962C8B-B14F-4D97-AF65-F5344CB8AC3E}">
+        <p14:creationId xmlns:p14="http://schemas.microsoft.com/office/powerpoint/2010/main" val="2023560399"/>
+      </p:ext>
+    </p:extLst>
+  </p:cSld>
+  <p:clrMapOvr>
+    <a:masterClrMapping/>
+  </p:clrMapOvr>
+</p:sld>
+</file>
+
+<file path=ppt/slides/slide9.xml><?xml version="1.0" encoding="utf-8"?>
+<p:sld xmlns:a="http://schemas.openxmlformats.org/drawingml/2006/main" xmlns:r="http://schemas.openxmlformats.org/officeDocument/2006/relationships" xmlns:p="http://schemas.openxmlformats.org/presentationml/2006/main">
+  <p:cSld>
+    <p:spTree>
+      <p:nvGrpSpPr>
+        <p:cNvPr id="1" name=""/>
+        <p:cNvGrpSpPr/>
+        <p:nvPr/>
+      </p:nvGrpSpPr>
+      <p:grpSpPr>
+        <a:xfrm>
+          <a:off x="0" y="0"/>
+          <a:ext cx="0" cy="0"/>
+          <a:chOff x="0" y="0"/>
+          <a:chExt cx="0" cy="0"/>
+        </a:xfrm>
+      </p:grpSpPr>
+      <p:sp>
+        <p:nvSpPr>
+          <p:cNvPr id="6" name="직사각형 5">
+            <a:extLst>
+              <a:ext uri="{FF2B5EF4-FFF2-40B4-BE49-F238E27FC236}">
+                <a16:creationId xmlns:a16="http://schemas.microsoft.com/office/drawing/2014/main" id="{93FD60D2-BBD0-4153-99BC-69CB5966D57A}"/>
+              </a:ext>
+            </a:extLst>
+          </p:cNvPr>
+          <p:cNvSpPr/>
+          <p:nvPr/>
+        </p:nvSpPr>
+        <p:spPr>
+          <a:xfrm>
+            <a:off x="0" y="0"/>
+            <a:ext cx="12192000" cy="6858000"/>
+          </a:xfrm>
+          <a:prstGeom prst="rect">
+            <a:avLst/>
+          </a:prstGeom>
+          <a:solidFill>
+            <a:srgbClr val="10232C"/>
+          </a:solidFill>
+          <a:ln>
+            <a:noFill/>
+          </a:ln>
+        </p:spPr>
+        <p:style>
+          <a:lnRef idx="2">
+            <a:schemeClr val="accent1">
+              <a:shade val="50000"/>
+            </a:schemeClr>
+          </a:lnRef>
+          <a:fillRef idx="1">
+            <a:schemeClr val="accent1"/>
+          </a:fillRef>
+          <a:effectRef idx="0">
+            <a:schemeClr val="accent1"/>
+          </a:effectRef>
+          <a:fontRef idx="minor">
+            <a:schemeClr val="lt1"/>
+          </a:fontRef>
+        </p:style>
+        <p:txBody>
+          <a:bodyPr rtlCol="0" anchor="ctr"/>
+          <a:lstStyle/>
+          <a:p>
+            <a:pPr algn="ctr"/>
+            <a:endParaRPr lang="ko-KR" altLang="en-US" dirty="0">
+              <a:latin typeface="helvetica" panose="020B0604020202020204" pitchFamily="34" charset="0"/>
+              <a:cs typeface="helvetica" panose="020B0604020202020204" pitchFamily="34" charset="0"/>
+            </a:endParaRPr>
+          </a:p>
+        </p:txBody>
+      </p:sp>
+      <p:sp>
+        <p:nvSpPr>
+          <p:cNvPr id="7" name="제목 3">
+            <a:extLst>
+              <a:ext uri="{FF2B5EF4-FFF2-40B4-BE49-F238E27FC236}">
+                <a16:creationId xmlns:a16="http://schemas.microsoft.com/office/drawing/2014/main" id="{22C1A780-DAE7-46CA-ADA6-46F0DB755D02}"/>
+              </a:ext>
+            </a:extLst>
+          </p:cNvPr>
+          <p:cNvSpPr>
+            <a:spLocks noGrp="1"/>
+          </p:cNvSpPr>
+          <p:nvPr>
+            <p:ph type="title"/>
+          </p:nvPr>
+        </p:nvSpPr>
+        <p:spPr>
+          <a:xfrm>
+            <a:off x="838200" y="365125"/>
+            <a:ext cx="10515600" cy="1325563"/>
+          </a:xfrm>
+        </p:spPr>
+        <p:txBody>
+          <a:bodyPr/>
+          <a:lstStyle/>
+          <a:p>
+            <a:r>
+              <a:rPr lang="en-US" altLang="ko-KR" dirty="0">
+                <a:solidFill>
+                  <a:schemeClr val="bg1"/>
+                </a:solidFill>
+                <a:latin typeface="helvetica" panose="020B0604020202020204" pitchFamily="34" charset="0"/>
+                <a:cs typeface="helvetica" panose="020B0604020202020204" pitchFamily="34" charset="0"/>
+              </a:rPr>
+              <a:t>Meaningful Metric</a:t>
+            </a:r>
+            <a:endParaRPr lang="ko-KR" altLang="en-US" dirty="0">
+              <a:solidFill>
+                <a:schemeClr val="bg1"/>
+              </a:solidFill>
+              <a:latin typeface="helvetica" panose="020B0604020202020204" pitchFamily="34" charset="0"/>
+              <a:cs typeface="helvetica" panose="020B0604020202020204" pitchFamily="34" charset="0"/>
+            </a:endParaRPr>
+          </a:p>
+        </p:txBody>
+      </p:sp>
+      <p:sp>
+        <p:nvSpPr>
+          <p:cNvPr id="9" name="직사각형 8">
+            <a:extLst>
+              <a:ext uri="{FF2B5EF4-FFF2-40B4-BE49-F238E27FC236}">
+                <a16:creationId xmlns:a16="http://schemas.microsoft.com/office/drawing/2014/main" id="{ABA4EA19-317B-4380-BEBA-ACC4EC7105AB}"/>
+              </a:ext>
+            </a:extLst>
+          </p:cNvPr>
+          <p:cNvSpPr/>
+          <p:nvPr/>
+        </p:nvSpPr>
+        <p:spPr>
+          <a:xfrm>
+            <a:off x="946151" y="1374748"/>
+            <a:ext cx="2139950" cy="60352"/>
+          </a:xfrm>
+          <a:prstGeom prst="rect">
+            <a:avLst/>
+          </a:prstGeom>
+          <a:solidFill>
+            <a:schemeClr val="bg1"/>
+          </a:solidFill>
+          <a:ln>
+            <a:noFill/>
+          </a:ln>
+        </p:spPr>
+        <p:style>
+          <a:lnRef idx="2">
+            <a:schemeClr val="accent1">
+              <a:shade val="50000"/>
+            </a:schemeClr>
+          </a:lnRef>
+          <a:fillRef idx="1">
+            <a:schemeClr val="accent1"/>
+          </a:fillRef>
+          <a:effectRef idx="0">
+            <a:schemeClr val="accent1"/>
+          </a:effectRef>
+          <a:fontRef idx="minor">
+            <a:schemeClr val="lt1"/>
+          </a:fontRef>
+        </p:style>
+        <p:txBody>
+          <a:bodyPr rtlCol="0" anchor="ctr"/>
+          <a:lstStyle/>
+          <a:p>
+            <a:pPr algn="ctr"/>
+            <a:endParaRPr lang="ko-KR" altLang="en-US">
+              <a:latin typeface="helvetica" panose="020B0604020202020204" pitchFamily="34" charset="0"/>
+              <a:cs typeface="helvetica" panose="020B0604020202020204" pitchFamily="34" charset="0"/>
+            </a:endParaRPr>
+          </a:p>
+        </p:txBody>
+      </p:sp>
+      <p:sp>
+        <p:nvSpPr>
+          <p:cNvPr id="10" name="내용 개체 틀 2">
+            <a:extLst>
+              <a:ext uri="{FF2B5EF4-FFF2-40B4-BE49-F238E27FC236}">
+                <a16:creationId xmlns:a16="http://schemas.microsoft.com/office/drawing/2014/main" id="{8439238A-726F-4D79-867E-7496DCCDF0C0}"/>
+              </a:ext>
+            </a:extLst>
+          </p:cNvPr>
+          <p:cNvSpPr txBox="1">
+            <a:spLocks/>
+          </p:cNvSpPr>
+          <p:nvPr/>
+        </p:nvSpPr>
+        <p:spPr>
+          <a:xfrm>
+            <a:off x="838200" y="1825625"/>
+            <a:ext cx="5257800" cy="4351338"/>
+          </a:xfrm>
+          <a:prstGeom prst="rect">
+            <a:avLst/>
+          </a:prstGeom>
+        </p:spPr>
+        <p:txBody>
+          <a:bodyPr anchor="ctr"/>
+          <a:lstStyle>
+            <a:lvl1pPr marL="228600" indent="-228600" algn="l" defTabSz="914400" rtl="0" eaLnBrk="1" latinLnBrk="1" hangingPunct="1">
+              <a:lnSpc>
+                <a:spcPct val="90000"/>
+              </a:lnSpc>
+              <a:spcBef>
+                <a:spcPts val="1000"/>
+              </a:spcBef>
+              <a:buFont typeface="Arial" panose="020B0604020202020204" pitchFamily="34" charset="0"/>
+              <a:buChar char="•"/>
+              <a:defRPr sz="2800" kern="1200">
+                <a:solidFill>
+                  <a:schemeClr val="tx1"/>
+                </a:solidFill>
+                <a:latin typeface="+mn-lt"/>
+                <a:ea typeface="+mn-ea"/>
+                <a:cs typeface="+mn-cs"/>
+              </a:defRPr>
+            </a:lvl1pPr>
+            <a:lvl2pPr marL="685800" indent="-228600" algn="l" defTabSz="914400" rtl="0" eaLnBrk="1" latinLnBrk="1" hangingPunct="1">
+              <a:lnSpc>
+                <a:spcPct val="90000"/>
+              </a:lnSpc>
+              <a:spcBef>
+                <a:spcPts val="500"/>
+              </a:spcBef>
+              <a:buFont typeface="Arial" panose="020B0604020202020204" pitchFamily="34" charset="0"/>
+              <a:buChar char="•"/>
+              <a:defRPr sz="2400" kern="1200">
+                <a:solidFill>
+                  <a:schemeClr val="tx1"/>
+                </a:solidFill>
+                <a:latin typeface="+mn-lt"/>
+                <a:ea typeface="+mn-ea"/>
+                <a:cs typeface="+mn-cs"/>
+              </a:defRPr>
+            </a:lvl2pPr>
+            <a:lvl3pPr marL="1143000" indent="-228600" algn="l" defTabSz="914400" rtl="0" eaLnBrk="1" latinLnBrk="1" hangingPunct="1">
+              <a:lnSpc>
+                <a:spcPct val="90000"/>
+              </a:lnSpc>
+              <a:spcBef>
+                <a:spcPts val="500"/>
+              </a:spcBef>
+              <a:buFont typeface="Arial" panose="020B0604020202020204" pitchFamily="34" charset="0"/>
+              <a:buChar char="•"/>
+              <a:defRPr sz="2000" kern="1200">
+                <a:solidFill>
+                  <a:schemeClr val="tx1"/>
+                </a:solidFill>
+                <a:latin typeface="+mn-lt"/>
+                <a:ea typeface="+mn-ea"/>
+                <a:cs typeface="+mn-cs"/>
+              </a:defRPr>
+            </a:lvl3pPr>
+            <a:lvl4pPr marL="1600200" indent="-228600" algn="l" defTabSz="914400" rtl="0" eaLnBrk="1" latinLnBrk="1" hangingPunct="1">
+              <a:lnSpc>
+                <a:spcPct val="90000"/>
+              </a:lnSpc>
+              <a:spcBef>
+                <a:spcPts val="500"/>
+              </a:spcBef>
+              <a:buFont typeface="Arial" panose="020B0604020202020204" pitchFamily="34" charset="0"/>
+              <a:buChar char="•"/>
+              <a:defRPr sz="1800" kern="1200">
+                <a:solidFill>
+                  <a:schemeClr val="tx1"/>
+                </a:solidFill>
+                <a:latin typeface="+mn-lt"/>
+                <a:ea typeface="+mn-ea"/>
+                <a:cs typeface="+mn-cs"/>
+              </a:defRPr>
+            </a:lvl4pPr>
+            <a:lvl5pPr marL="2057400" indent="-228600" algn="l" defTabSz="914400" rtl="0" eaLnBrk="1" latinLnBrk="1" hangingPunct="1">
+              <a:lnSpc>
+                <a:spcPct val="90000"/>
+              </a:lnSpc>
+              <a:spcBef>
+                <a:spcPts val="500"/>
+              </a:spcBef>
+              <a:buFont typeface="Arial" panose="020B0604020202020204" pitchFamily="34" charset="0"/>
+              <a:buChar char="•"/>
+              <a:defRPr sz="1800" kern="1200">
+                <a:solidFill>
+                  <a:schemeClr val="tx1"/>
+                </a:solidFill>
+                <a:latin typeface="+mn-lt"/>
+                <a:ea typeface="+mn-ea"/>
+                <a:cs typeface="+mn-cs"/>
+              </a:defRPr>
+            </a:lvl5pPr>
+            <a:lvl6pPr marL="2514600" indent="-228600" algn="l" defTabSz="914400" rtl="0" eaLnBrk="1" latinLnBrk="1" hangingPunct="1">
+              <a:lnSpc>
+                <a:spcPct val="90000"/>
+              </a:lnSpc>
+              <a:spcBef>
+                <a:spcPts val="500"/>
+              </a:spcBef>
+              <a:buFont typeface="Arial" panose="020B0604020202020204" pitchFamily="34" charset="0"/>
+              <a:buChar char="•"/>
+              <a:defRPr sz="1800" kern="1200">
+                <a:solidFill>
+                  <a:schemeClr val="tx1"/>
+                </a:solidFill>
+                <a:latin typeface="+mn-lt"/>
+                <a:ea typeface="+mn-ea"/>
+                <a:cs typeface="+mn-cs"/>
+              </a:defRPr>
+            </a:lvl6pPr>
+            <a:lvl7pPr marL="2971800" indent="-228600" algn="l" defTabSz="914400" rtl="0" eaLnBrk="1" latinLnBrk="1" hangingPunct="1">
+              <a:lnSpc>
+                <a:spcPct val="90000"/>
+              </a:lnSpc>
+              <a:spcBef>
+                <a:spcPts val="500"/>
+              </a:spcBef>
+              <a:buFont typeface="Arial" panose="020B0604020202020204" pitchFamily="34" charset="0"/>
+              <a:buChar char="•"/>
+              <a:defRPr sz="1800" kern="1200">
+                <a:solidFill>
+                  <a:schemeClr val="tx1"/>
+                </a:solidFill>
+                <a:latin typeface="+mn-lt"/>
+                <a:ea typeface="+mn-ea"/>
+                <a:cs typeface="+mn-cs"/>
+              </a:defRPr>
+            </a:lvl7pPr>
+            <a:lvl8pPr marL="3429000" indent="-228600" algn="l" defTabSz="914400" rtl="0" eaLnBrk="1" latinLnBrk="1" hangingPunct="1">
+              <a:lnSpc>
+                <a:spcPct val="90000"/>
+              </a:lnSpc>
+              <a:spcBef>
+                <a:spcPts val="500"/>
+              </a:spcBef>
+              <a:buFont typeface="Arial" panose="020B0604020202020204" pitchFamily="34" charset="0"/>
+              <a:buChar char="•"/>
+              <a:defRPr sz="1800" kern="1200">
+                <a:solidFill>
+                  <a:schemeClr val="tx1"/>
+                </a:solidFill>
+                <a:latin typeface="+mn-lt"/>
+                <a:ea typeface="+mn-ea"/>
+                <a:cs typeface="+mn-cs"/>
+              </a:defRPr>
+            </a:lvl8pPr>
+            <a:lvl9pPr marL="3886200" indent="-228600" algn="l" defTabSz="914400" rtl="0" eaLnBrk="1" latinLnBrk="1" hangingPunct="1">
+              <a:lnSpc>
+                <a:spcPct val="90000"/>
+              </a:lnSpc>
+              <a:spcBef>
+                <a:spcPts val="500"/>
+              </a:spcBef>
+              <a:buFont typeface="Arial" panose="020B0604020202020204" pitchFamily="34" charset="0"/>
+              <a:buChar char="•"/>
+              <a:defRPr sz="1800" kern="1200">
+                <a:solidFill>
+                  <a:schemeClr val="tx1"/>
+                </a:solidFill>
+                <a:latin typeface="+mn-lt"/>
+                <a:ea typeface="+mn-ea"/>
+                <a:cs typeface="+mn-cs"/>
+              </a:defRPr>
+            </a:lvl9pPr>
+          </a:lstStyle>
+          <a:p>
+            <a:r>
+              <a:rPr lang="en-US" altLang="ko-KR" strike="sngStrike" dirty="0">
+                <a:solidFill>
+                  <a:schemeClr val="bg1"/>
+                </a:solidFill>
+                <a:latin typeface="helvetica" panose="020B0604020202020204" pitchFamily="34" charset="0"/>
+                <a:cs typeface="helvetica" panose="020B0604020202020204" pitchFamily="34" charset="0"/>
+              </a:rPr>
+              <a:t>Distance: Dijkstra algorithms</a:t>
+            </a:r>
+          </a:p>
+          <a:p>
+            <a:r>
+              <a:rPr lang="en-US" altLang="ko-KR" strike="sngStrike" dirty="0">
+                <a:solidFill>
+                  <a:schemeClr val="bg1"/>
+                </a:solidFill>
+                <a:latin typeface="helvetica" panose="020B0604020202020204" pitchFamily="34" charset="0"/>
+                <a:cs typeface="helvetica" panose="020B0604020202020204" pitchFamily="34" charset="0"/>
+              </a:rPr>
+              <a:t>Communities</a:t>
+            </a:r>
+            <a:endParaRPr lang="ko-KR" altLang="en-US" dirty="0">
+              <a:solidFill>
+                <a:schemeClr val="bg1"/>
+              </a:solidFill>
+              <a:latin typeface="helvetica" panose="020B0604020202020204" pitchFamily="34" charset="0"/>
+              <a:cs typeface="helvetica" panose="020B0604020202020204" pitchFamily="34" charset="0"/>
+            </a:endParaRPr>
+          </a:p>
+        </p:txBody>
+      </p:sp>
+      <p:sp>
+        <p:nvSpPr>
+          <p:cNvPr id="13" name="내용 개체 틀 2">
+            <a:extLst>
+              <a:ext uri="{FF2B5EF4-FFF2-40B4-BE49-F238E27FC236}">
+                <a16:creationId xmlns:a16="http://schemas.microsoft.com/office/drawing/2014/main" id="{EACC6363-902A-4D6F-A3AA-55A03E4BD278}"/>
+              </a:ext>
+            </a:extLst>
+          </p:cNvPr>
+          <p:cNvSpPr txBox="1">
+            <a:spLocks/>
+          </p:cNvSpPr>
+          <p:nvPr/>
+        </p:nvSpPr>
+        <p:spPr>
+          <a:xfrm>
+            <a:off x="6502400" y="1690688"/>
+            <a:ext cx="5257800" cy="4351338"/>
+          </a:xfrm>
+          <a:prstGeom prst="rect">
+            <a:avLst/>
+          </a:prstGeom>
+        </p:spPr>
+        <p:txBody>
+          <a:bodyPr anchor="ctr"/>
+          <a:lstStyle>
+            <a:lvl1pPr marL="228600" indent="-228600" algn="l" defTabSz="914400" rtl="0" eaLnBrk="1" latinLnBrk="1" hangingPunct="1">
+              <a:lnSpc>
+                <a:spcPct val="90000"/>
+              </a:lnSpc>
+              <a:spcBef>
+                <a:spcPts val="1000"/>
+              </a:spcBef>
+              <a:buFont typeface="Arial" panose="020B0604020202020204" pitchFamily="34" charset="0"/>
+              <a:buChar char="•"/>
+              <a:defRPr sz="2800" kern="1200">
+                <a:solidFill>
+                  <a:schemeClr val="tx1"/>
+                </a:solidFill>
+                <a:latin typeface="+mn-lt"/>
+                <a:ea typeface="+mn-ea"/>
+                <a:cs typeface="+mn-cs"/>
+              </a:defRPr>
+            </a:lvl1pPr>
+            <a:lvl2pPr marL="685800" indent="-228600" algn="l" defTabSz="914400" rtl="0" eaLnBrk="1" latinLnBrk="1" hangingPunct="1">
+              <a:lnSpc>
+                <a:spcPct val="90000"/>
+              </a:lnSpc>
+              <a:spcBef>
+                <a:spcPts val="500"/>
+              </a:spcBef>
+              <a:buFont typeface="Arial" panose="020B0604020202020204" pitchFamily="34" charset="0"/>
+              <a:buChar char="•"/>
+              <a:defRPr sz="2400" kern="1200">
+                <a:solidFill>
+                  <a:schemeClr val="tx1"/>
+                </a:solidFill>
+                <a:latin typeface="+mn-lt"/>
+                <a:ea typeface="+mn-ea"/>
+                <a:cs typeface="+mn-cs"/>
+              </a:defRPr>
+            </a:lvl2pPr>
+            <a:lvl3pPr marL="1143000" indent="-228600" algn="l" defTabSz="914400" rtl="0" eaLnBrk="1" latinLnBrk="1" hangingPunct="1">
+              <a:lnSpc>
+                <a:spcPct val="90000"/>
+              </a:lnSpc>
+              <a:spcBef>
+                <a:spcPts val="500"/>
+              </a:spcBef>
+              <a:buFont typeface="Arial" panose="020B0604020202020204" pitchFamily="34" charset="0"/>
+              <a:buChar char="•"/>
+              <a:defRPr sz="2000" kern="1200">
+                <a:solidFill>
+                  <a:schemeClr val="tx1"/>
+                </a:solidFill>
+                <a:latin typeface="+mn-lt"/>
+                <a:ea typeface="+mn-ea"/>
+                <a:cs typeface="+mn-cs"/>
+              </a:defRPr>
+            </a:lvl3pPr>
+            <a:lvl4pPr marL="1600200" indent="-228600" algn="l" defTabSz="914400" rtl="0" eaLnBrk="1" latinLnBrk="1" hangingPunct="1">
+              <a:lnSpc>
+                <a:spcPct val="90000"/>
+              </a:lnSpc>
+              <a:spcBef>
+                <a:spcPts val="500"/>
+              </a:spcBef>
+              <a:buFont typeface="Arial" panose="020B0604020202020204" pitchFamily="34" charset="0"/>
+              <a:buChar char="•"/>
+              <a:defRPr sz="1800" kern="1200">
+                <a:solidFill>
+                  <a:schemeClr val="tx1"/>
+                </a:solidFill>
+                <a:latin typeface="+mn-lt"/>
+                <a:ea typeface="+mn-ea"/>
+                <a:cs typeface="+mn-cs"/>
+              </a:defRPr>
+            </a:lvl4pPr>
+            <a:lvl5pPr marL="2057400" indent="-228600" algn="l" defTabSz="914400" rtl="0" eaLnBrk="1" latinLnBrk="1" hangingPunct="1">
+              <a:lnSpc>
+                <a:spcPct val="90000"/>
+              </a:lnSpc>
+              <a:spcBef>
+                <a:spcPts val="500"/>
+              </a:spcBef>
+              <a:buFont typeface="Arial" panose="020B0604020202020204" pitchFamily="34" charset="0"/>
+              <a:buChar char="•"/>
+              <a:defRPr sz="1800" kern="1200">
+                <a:solidFill>
+                  <a:schemeClr val="tx1"/>
+                </a:solidFill>
+                <a:latin typeface="+mn-lt"/>
+                <a:ea typeface="+mn-ea"/>
+                <a:cs typeface="+mn-cs"/>
+              </a:defRPr>
+            </a:lvl5pPr>
+            <a:lvl6pPr marL="2514600" indent="-228600" algn="l" defTabSz="914400" rtl="0" eaLnBrk="1" latinLnBrk="1" hangingPunct="1">
+              <a:lnSpc>
+                <a:spcPct val="90000"/>
+              </a:lnSpc>
+              <a:spcBef>
+                <a:spcPts val="500"/>
+              </a:spcBef>
+              <a:buFont typeface="Arial" panose="020B0604020202020204" pitchFamily="34" charset="0"/>
+              <a:buChar char="•"/>
+              <a:defRPr sz="1800" kern="1200">
+                <a:solidFill>
+                  <a:schemeClr val="tx1"/>
+                </a:solidFill>
+                <a:latin typeface="+mn-lt"/>
+                <a:ea typeface="+mn-ea"/>
+                <a:cs typeface="+mn-cs"/>
+              </a:defRPr>
+            </a:lvl6pPr>
+            <a:lvl7pPr marL="2971800" indent="-228600" algn="l" defTabSz="914400" rtl="0" eaLnBrk="1" latinLnBrk="1" hangingPunct="1">
+              <a:lnSpc>
+                <a:spcPct val="90000"/>
+              </a:lnSpc>
+              <a:spcBef>
+                <a:spcPts val="500"/>
+              </a:spcBef>
+              <a:buFont typeface="Arial" panose="020B0604020202020204" pitchFamily="34" charset="0"/>
+              <a:buChar char="•"/>
+              <a:defRPr sz="1800" kern="1200">
+                <a:solidFill>
+                  <a:schemeClr val="tx1"/>
+                </a:solidFill>
+                <a:latin typeface="+mn-lt"/>
+                <a:ea typeface="+mn-ea"/>
+                <a:cs typeface="+mn-cs"/>
+              </a:defRPr>
+            </a:lvl7pPr>
+            <a:lvl8pPr marL="3429000" indent="-228600" algn="l" defTabSz="914400" rtl="0" eaLnBrk="1" latinLnBrk="1" hangingPunct="1">
+              <a:lnSpc>
+                <a:spcPct val="90000"/>
+              </a:lnSpc>
+              <a:spcBef>
+                <a:spcPts val="500"/>
+              </a:spcBef>
+              <a:buFont typeface="Arial" panose="020B0604020202020204" pitchFamily="34" charset="0"/>
+              <a:buChar char="•"/>
+              <a:defRPr sz="1800" kern="1200">
+                <a:solidFill>
+                  <a:schemeClr val="tx1"/>
+                </a:solidFill>
+                <a:latin typeface="+mn-lt"/>
+                <a:ea typeface="+mn-ea"/>
+                <a:cs typeface="+mn-cs"/>
+              </a:defRPr>
+            </a:lvl8pPr>
+            <a:lvl9pPr marL="3886200" indent="-228600" algn="l" defTabSz="914400" rtl="0" eaLnBrk="1" latinLnBrk="1" hangingPunct="1">
+              <a:lnSpc>
+                <a:spcPct val="90000"/>
+              </a:lnSpc>
+              <a:spcBef>
+                <a:spcPts val="500"/>
+              </a:spcBef>
+              <a:buFont typeface="Arial" panose="020B0604020202020204" pitchFamily="34" charset="0"/>
+              <a:buChar char="•"/>
+              <a:defRPr sz="1800" kern="1200">
+                <a:solidFill>
+                  <a:schemeClr val="tx1"/>
+                </a:solidFill>
+                <a:latin typeface="+mn-lt"/>
+                <a:ea typeface="+mn-ea"/>
+                <a:cs typeface="+mn-cs"/>
+              </a:defRPr>
+            </a:lvl9pPr>
+          </a:lstStyle>
+          <a:p>
+            <a:r>
+              <a:rPr lang="en-US" altLang="ko-KR" dirty="0">
+                <a:solidFill>
+                  <a:schemeClr val="bg1"/>
+                </a:solidFill>
+                <a:latin typeface="helvetica" panose="020B0604020202020204" pitchFamily="34" charset="0"/>
+                <a:cs typeface="helvetica" panose="020B0604020202020204" pitchFamily="34" charset="0"/>
+              </a:rPr>
+              <a:t>Odds</a:t>
+            </a:r>
+          </a:p>
+          <a:p>
+            <a:r>
+              <a:rPr lang="en-US" altLang="ko-KR" dirty="0">
+                <a:solidFill>
+                  <a:schemeClr val="bg1"/>
+                </a:solidFill>
+                <a:latin typeface="helvetica" panose="020B0604020202020204" pitchFamily="34" charset="0"/>
+                <a:cs typeface="helvetica" panose="020B0604020202020204" pitchFamily="34" charset="0"/>
+              </a:rPr>
+              <a:t>No connection</a:t>
+            </a:r>
+          </a:p>
+          <a:p>
+            <a:r>
+              <a:rPr lang="en-US" altLang="ko-KR" dirty="0">
+                <a:solidFill>
+                  <a:schemeClr val="bg1"/>
+                </a:solidFill>
+                <a:latin typeface="helvetica" panose="020B0604020202020204" pitchFamily="34" charset="0"/>
+                <a:cs typeface="helvetica" panose="020B0604020202020204" pitchFamily="34" charset="0"/>
+              </a:rPr>
+              <a:t>Counter team</a:t>
+            </a:r>
+          </a:p>
+          <a:p>
+            <a:r>
+              <a:rPr lang="en-US" altLang="ko-KR" dirty="0">
+                <a:solidFill>
+                  <a:schemeClr val="bg1"/>
+                </a:solidFill>
+                <a:latin typeface="helvetica" panose="020B0604020202020204" pitchFamily="34" charset="0"/>
+                <a:cs typeface="helvetica" panose="020B0604020202020204" pitchFamily="34" charset="0"/>
+              </a:rPr>
+              <a:t>Warmonger</a:t>
+            </a:r>
+          </a:p>
+          <a:p>
+            <a:r>
+              <a:rPr lang="en-US" altLang="ko-KR" dirty="0">
+                <a:solidFill>
+                  <a:schemeClr val="bg1"/>
+                </a:solidFill>
+                <a:latin typeface="helvetica" panose="020B0604020202020204" pitchFamily="34" charset="0"/>
+                <a:cs typeface="helvetica" panose="020B0604020202020204" pitchFamily="34" charset="0"/>
+              </a:rPr>
+              <a:t>Pacifist</a:t>
+            </a:r>
+            <a:endParaRPr lang="ko-KR" altLang="en-US" dirty="0">
+              <a:solidFill>
+                <a:schemeClr val="bg1"/>
+              </a:solidFill>
+              <a:latin typeface="helvetica" panose="020B0604020202020204" pitchFamily="34" charset="0"/>
+              <a:cs typeface="helvetica" panose="020B0604020202020204" pitchFamily="34" charset="0"/>
+            </a:endParaRPr>
+          </a:p>
+        </p:txBody>
+      </p:sp>
+      <p:sp>
+        <p:nvSpPr>
+          <p:cNvPr id="3" name="TextBox 2">
+            <a:extLst>
+              <a:ext uri="{FF2B5EF4-FFF2-40B4-BE49-F238E27FC236}">
+                <a16:creationId xmlns:a16="http://schemas.microsoft.com/office/drawing/2014/main" id="{030BFCBD-3DA6-4E29-A5F2-4CBCA185299F}"/>
+              </a:ext>
+            </a:extLst>
+          </p:cNvPr>
+          <p:cNvSpPr txBox="1"/>
+          <p:nvPr/>
+        </p:nvSpPr>
+        <p:spPr>
+          <a:xfrm>
+            <a:off x="6096000" y="3095599"/>
+            <a:ext cx="6096000" cy="1200329"/>
+          </a:xfrm>
+          <a:prstGeom prst="rect">
+            <a:avLst/>
+          </a:prstGeom>
+          <a:solidFill>
+            <a:schemeClr val="bg1">
+              <a:alpha val="60000"/>
+            </a:schemeClr>
+          </a:solidFill>
+        </p:spPr>
+        <p:txBody>
+          <a:bodyPr wrap="square" rtlCol="0">
+            <a:spAutoFit/>
+          </a:bodyPr>
+          <a:lstStyle/>
+          <a:p>
+            <a:pPr algn="ctr"/>
+            <a:r>
+              <a:rPr lang="en-US" altLang="ko-KR" sz="7200" dirty="0">
+                <a:solidFill>
+                  <a:srgbClr val="10232C"/>
+                </a:solidFill>
+                <a:latin typeface="helvetica" panose="020B0604020202020204" pitchFamily="34" charset="0"/>
+                <a:cs typeface="helvetica" panose="020B0604020202020204" pitchFamily="34" charset="0"/>
+              </a:rPr>
+              <a:t>Transition</a:t>
+            </a:r>
+            <a:endParaRPr lang="ko-KR" altLang="en-US" sz="7200" dirty="0">
+              <a:solidFill>
+                <a:srgbClr val="10232C"/>
+              </a:solidFill>
+              <a:latin typeface="helvetica" panose="020B0604020202020204" pitchFamily="34" charset="0"/>
+              <a:cs typeface="helvetica" panose="020B0604020202020204" pitchFamily="34" charset="0"/>
+            </a:endParaRPr>
+          </a:p>
+        </p:txBody>
+      </p:sp>
+    </p:spTree>
+    <p:extLst>
+      <p:ext uri="{BB962C8B-B14F-4D97-AF65-F5344CB8AC3E}">
+        <p14:creationId xmlns:p14="http://schemas.microsoft.com/office/powerpoint/2010/main" val="2743099934"/>
+      </p:ext>
+    </p:extLst>
+  </p:cSld>
+  <p:clrMapOvr>
+    <a:masterClrMapping/>
+  </p:clrMapOvr>
+  <p:timing>
+    <p:tnLst>
+      <p:par>
+        <p:cTn id="1" dur="indefinite" restart="never" nodeType="tmRoot">
+          <p:childTnLst>
+            <p:seq concurrent="1" nextAc="seek">
+              <p:cTn id="2" dur="indefinite" nodeType="mainSeq">
+                <p:childTnLst>
+                  <p:par>
+                    <p:cTn id="3" fill="hold">
+                      <p:stCondLst>
+                        <p:cond delay="indefinite"/>
+                      </p:stCondLst>
+                      <p:childTnLst>
+                        <p:par>
+                          <p:cTn id="4" fill="hold">
+                            <p:stCondLst>
+                              <p:cond delay="0"/>
+                            </p:stCondLst>
+                            <p:childTnLst>
+                              <p:par>
+                                <p:cTn id="5" presetID="1" presetClass="entr" presetSubtype="0" fill="hold" grpId="0" nodeType="clickEffect">
+                                  <p:stCondLst>
+                                    <p:cond delay="0"/>
+                                  </p:stCondLst>
+                                  <p:childTnLst>
+                                    <p:set>
+                                      <p:cBhvr>
+                                        <p:cTn id="6" dur="1" fill="hold">
+                                          <p:stCondLst>
+                                            <p:cond delay="0"/>
+                                          </p:stCondLst>
+                                        </p:cTn>
+                                        <p:tgtEl>
+                                          <p:spTgt spid="3"/>
+                                        </p:tgtEl>
+                                        <p:attrNameLst>
+                                          <p:attrName>style.visibility</p:attrName>
+                                        </p:attrNameLst>
+                                      </p:cBhvr>
+                                      <p:to>
+                                        <p:strVal val="visible"/>
+                                      </p:to>
+                                    </p:set>
+                                  </p:childTnLst>
+                                </p:cTn>
+                              </p:par>
+                            </p:childTnLst>
+                          </p:cTn>
+                        </p:par>
+                      </p:childTnLst>
+                    </p:cTn>
+                  </p:par>
+                </p:childTnLst>
+              </p:cTn>
+              <p:prevCondLst>
+                <p:cond evt="onPrev" delay="0">
+                  <p:tgtEl>
+                    <p:sldTgt/>
+                  </p:tgtEl>
+                </p:cond>
+              </p:prevCondLst>
+              <p:nextCondLst>
+                <p:cond evt="onNext" delay="0">
+                  <p:tgtEl>
+                    <p:sldTgt/>
+                  </p:tgtEl>
+                </p:cond>
+              </p:nextCondLst>
+            </p:seq>
+          </p:childTnLst>
+        </p:cTn>
+      </p:par>
+    </p:tnLst>
+    <p:bldLst>
+      <p:bldP spid="3" grpId="0" animBg="1"/>
+    </p:bldLst>
+  </p:timing>
 </p:sld>
 </file>
 
@@ -4333,4 +8703,299 @@
     </a:ext>
   </a:extLst>
 </a:theme>
+</file>
+
+<file path=ppt/theme/theme2.xml><?xml version="1.0" encoding="utf-8"?>
+<a:theme xmlns:a="http://schemas.openxmlformats.org/drawingml/2006/main" name="Office 테마">
+  <a:themeElements>
+    <a:clrScheme name="Office">
+      <a:dk1>
+        <a:sysClr val="windowText" lastClr="000000"/>
+      </a:dk1>
+      <a:lt1>
+        <a:sysClr val="window" lastClr="FFFFFF"/>
+      </a:lt1>
+      <a:dk2>
+        <a:srgbClr val="44546A"/>
+      </a:dk2>
+      <a:lt2>
+        <a:srgbClr val="E7E6E6"/>
+      </a:lt2>
+      <a:accent1>
+        <a:srgbClr val="4472C4"/>
+      </a:accent1>
+      <a:accent2>
+        <a:srgbClr val="ED7D31"/>
+      </a:accent2>
+      <a:accent3>
+        <a:srgbClr val="A5A5A5"/>
+      </a:accent3>
+      <a:accent4>
+        <a:srgbClr val="FFC000"/>
+      </a:accent4>
+      <a:accent5>
+        <a:srgbClr val="5B9BD5"/>
+      </a:accent5>
+      <a:accent6>
+        <a:srgbClr val="70AD47"/>
+      </a:accent6>
+      <a:hlink>
+        <a:srgbClr val="0563C1"/>
+      </a:hlink>
+      <a:folHlink>
+        <a:srgbClr val="954F72"/>
+      </a:folHlink>
+    </a:clrScheme>
+    <a:fontScheme name="Office">
+      <a:majorFont>
+        <a:latin typeface="맑은 고딕" panose="020F0302020204030204"/>
+        <a:ea typeface=""/>
+        <a:cs typeface=""/>
+        <a:font script="Jpan" typeface="游ゴシック Light"/>
+        <a:font script="Hang" typeface="맑은 고딕"/>
+        <a:font script="Hans" typeface="等线 Light"/>
+        <a:font script="Hant" typeface="新細明體"/>
+        <a:font script="Arab" typeface="Times New Roman"/>
+        <a:font script="Hebr" typeface="Times New Roman"/>
+        <a:font script="Thai" typeface="Angsana New"/>
+        <a:font script="Ethi" typeface="Nyala"/>
+        <a:font script="Beng" typeface="Vrinda"/>
+        <a:font script="Gujr" typeface="Shruti"/>
+        <a:font script="Khmr" typeface="MoolBoran"/>
+        <a:font script="Knda" typeface="Tunga"/>
+        <a:font script="Guru" typeface="Raavi"/>
+        <a:font script="Cans" typeface="Euphemia"/>
+        <a:font script="Cher" typeface="Plantagenet Cherokee"/>
+        <a:font script="Yiii" typeface="Microsoft Yi Baiti"/>
+        <a:font script="Tibt" typeface="Microsoft Himalaya"/>
+        <a:font script="Thaa" typeface="MV Boli"/>
+        <a:font script="Deva" typeface="Mangal"/>
+        <a:font script="Telu" typeface="Gautami"/>
+        <a:font script="Taml" typeface="Latha"/>
+        <a:font script="Syrc" typeface="Estrangelo Edessa"/>
+        <a:font script="Orya" typeface="Kalinga"/>
+        <a:font script="Mlym" typeface="Kartika"/>
+        <a:font script="Laoo" typeface="DokChampa"/>
+        <a:font script="Sinh" typeface="Iskoola Pota"/>
+        <a:font script="Mong" typeface="Mongolian Baiti"/>
+        <a:font script="Viet" typeface="Times New Roman"/>
+        <a:font script="Uigh" typeface="Microsoft Uighur"/>
+        <a:font script="Geor" typeface="Sylfaen"/>
+        <a:font script="Armn" typeface="Arial"/>
+        <a:font script="Bugi" typeface="Leelawadee UI"/>
+        <a:font script="Bopo" typeface="Microsoft JhengHei"/>
+        <a:font script="Java" typeface="Javanese Text"/>
+        <a:font script="Lisu" typeface="Segoe UI"/>
+        <a:font script="Mymr" typeface="Myanmar Text"/>
+        <a:font script="Nkoo" typeface="Ebrima"/>
+        <a:font script="Olck" typeface="Nirmala UI"/>
+        <a:font script="Osma" typeface="Ebrima"/>
+        <a:font script="Phag" typeface="Phagspa"/>
+        <a:font script="Syrn" typeface="Estrangelo Edessa"/>
+        <a:font script="Syrj" typeface="Estrangelo Edessa"/>
+        <a:font script="Syre" typeface="Estrangelo Edessa"/>
+        <a:font script="Sora" typeface="Nirmala UI"/>
+        <a:font script="Tale" typeface="Microsoft Tai Le"/>
+        <a:font script="Talu" typeface="Microsoft New Tai Lue"/>
+        <a:font script="Tfng" typeface="Ebrima"/>
+      </a:majorFont>
+      <a:minorFont>
+        <a:latin typeface="맑은 고딕" panose="020F0502020204030204"/>
+        <a:ea typeface=""/>
+        <a:cs typeface=""/>
+        <a:font script="Jpan" typeface="游ゴシック"/>
+        <a:font script="Hang" typeface="맑은 고딕"/>
+        <a:font script="Hans" typeface="等线"/>
+        <a:font script="Hant" typeface="新細明體"/>
+        <a:font script="Arab" typeface="Arial"/>
+        <a:font script="Hebr" typeface="Arial"/>
+        <a:font script="Thai" typeface="Cordia New"/>
+        <a:font script="Ethi" typeface="Nyala"/>
+        <a:font script="Beng" typeface="Vrinda"/>
+        <a:font script="Gujr" typeface="Shruti"/>
+        <a:font script="Khmr" typeface="DaunPenh"/>
+        <a:font script="Knda" typeface="Tunga"/>
+        <a:font script="Guru" typeface="Raavi"/>
+        <a:font script="Cans" typeface="Euphemia"/>
+        <a:font script="Cher" typeface="Plantagenet Cherokee"/>
+        <a:font script="Yiii" typeface="Microsoft Yi Baiti"/>
+        <a:font script="Tibt" typeface="Microsoft Himalaya"/>
+        <a:font script="Thaa" typeface="MV Boli"/>
+        <a:font script="Deva" typeface="Mangal"/>
+        <a:font script="Telu" typeface="Gautami"/>
+        <a:font script="Taml" typeface="Latha"/>
+        <a:font script="Syrc" typeface="Estrangelo Edessa"/>
+        <a:font script="Orya" typeface="Kalinga"/>
+        <a:font script="Mlym" typeface="Kartika"/>
+        <a:font script="Laoo" typeface="DokChampa"/>
+        <a:font script="Sinh" typeface="Iskoola Pota"/>
+        <a:font script="Mong" typeface="Mongolian Baiti"/>
+        <a:font script="Viet" typeface="Arial"/>
+        <a:font script="Uigh" typeface="Microsoft Uighur"/>
+        <a:font script="Geor" typeface="Sylfaen"/>
+        <a:font script="Armn" typeface="Arial"/>
+        <a:font script="Bugi" typeface="Leelawadee UI"/>
+        <a:font script="Bopo" typeface="Microsoft JhengHei"/>
+        <a:font script="Java" typeface="Javanese Text"/>
+        <a:font script="Lisu" typeface="Segoe UI"/>
+        <a:font script="Mymr" typeface="Myanmar Text"/>
+        <a:font script="Nkoo" typeface="Ebrima"/>
+        <a:font script="Olck" typeface="Nirmala UI"/>
+        <a:font script="Osma" typeface="Ebrima"/>
+        <a:font script="Phag" typeface="Phagspa"/>
+        <a:font script="Syrn" typeface="Estrangelo Edessa"/>
+        <a:font script="Syrj" typeface="Estrangelo Edessa"/>
+        <a:font script="Syre" typeface="Estrangelo Edessa"/>
+        <a:font script="Sora" typeface="Nirmala UI"/>
+        <a:font script="Tale" typeface="Microsoft Tai Le"/>
+        <a:font script="Talu" typeface="Microsoft New Tai Lue"/>
+        <a:font script="Tfng" typeface="Ebrima"/>
+      </a:minorFont>
+    </a:fontScheme>
+    <a:fmtScheme name="Office">
+      <a:fillStyleLst>
+        <a:solidFill>
+          <a:schemeClr val="phClr"/>
+        </a:solidFill>
+        <a:gradFill rotWithShape="1">
+          <a:gsLst>
+            <a:gs pos="0">
+              <a:schemeClr val="phClr">
+                <a:lumMod val="110000"/>
+                <a:satMod val="105000"/>
+                <a:tint val="67000"/>
+              </a:schemeClr>
+            </a:gs>
+            <a:gs pos="50000">
+              <a:schemeClr val="phClr">
+                <a:lumMod val="105000"/>
+                <a:satMod val="103000"/>
+                <a:tint val="73000"/>
+              </a:schemeClr>
+            </a:gs>
+            <a:gs pos="100000">
+              <a:schemeClr val="phClr">
+                <a:lumMod val="105000"/>
+                <a:satMod val="109000"/>
+                <a:tint val="81000"/>
+              </a:schemeClr>
+            </a:gs>
+          </a:gsLst>
+          <a:lin ang="5400000" scaled="0"/>
+        </a:gradFill>
+        <a:gradFill rotWithShape="1">
+          <a:gsLst>
+            <a:gs pos="0">
+              <a:schemeClr val="phClr">
+                <a:satMod val="103000"/>
+                <a:lumMod val="102000"/>
+                <a:tint val="94000"/>
+              </a:schemeClr>
+            </a:gs>
+            <a:gs pos="50000">
+              <a:schemeClr val="phClr">
+                <a:satMod val="110000"/>
+                <a:lumMod val="100000"/>
+                <a:shade val="100000"/>
+              </a:schemeClr>
+            </a:gs>
+            <a:gs pos="100000">
+              <a:schemeClr val="phClr">
+                <a:lumMod val="99000"/>
+                <a:satMod val="120000"/>
+                <a:shade val="78000"/>
+              </a:schemeClr>
+            </a:gs>
+          </a:gsLst>
+          <a:lin ang="5400000" scaled="0"/>
+        </a:gradFill>
+      </a:fillStyleLst>
+      <a:lnStyleLst>
+        <a:ln w="6350" cap="flat" cmpd="sng" algn="ctr">
+          <a:solidFill>
+            <a:schemeClr val="phClr"/>
+          </a:solidFill>
+          <a:prstDash val="solid"/>
+          <a:miter lim="800000"/>
+        </a:ln>
+        <a:ln w="12700" cap="flat" cmpd="sng" algn="ctr">
+          <a:solidFill>
+            <a:schemeClr val="phClr"/>
+          </a:solidFill>
+          <a:prstDash val="solid"/>
+          <a:miter lim="800000"/>
+        </a:ln>
+        <a:ln w="19050" cap="flat" cmpd="sng" algn="ctr">
+          <a:solidFill>
+            <a:schemeClr val="phClr"/>
+          </a:solidFill>
+          <a:prstDash val="solid"/>
+          <a:miter lim="800000"/>
+        </a:ln>
+      </a:lnStyleLst>
+      <a:effectStyleLst>
+        <a:effectStyle>
+          <a:effectLst/>
+        </a:effectStyle>
+        <a:effectStyle>
+          <a:effectLst/>
+        </a:effectStyle>
+        <a:effectStyle>
+          <a:effectLst>
+            <a:outerShdw blurRad="57150" dist="19050" dir="5400000" algn="ctr" rotWithShape="0">
+              <a:srgbClr val="000000">
+                <a:alpha val="63000"/>
+              </a:srgbClr>
+            </a:outerShdw>
+          </a:effectLst>
+        </a:effectStyle>
+      </a:effectStyleLst>
+      <a:bgFillStyleLst>
+        <a:solidFill>
+          <a:schemeClr val="phClr"/>
+        </a:solidFill>
+        <a:solidFill>
+          <a:schemeClr val="phClr">
+            <a:tint val="95000"/>
+            <a:satMod val="170000"/>
+          </a:schemeClr>
+        </a:solidFill>
+        <a:gradFill rotWithShape="1">
+          <a:gsLst>
+            <a:gs pos="0">
+              <a:schemeClr val="phClr">
+                <a:tint val="93000"/>
+                <a:satMod val="150000"/>
+                <a:shade val="98000"/>
+                <a:lumMod val="102000"/>
+              </a:schemeClr>
+            </a:gs>
+            <a:gs pos="50000">
+              <a:schemeClr val="phClr">
+                <a:tint val="98000"/>
+                <a:satMod val="130000"/>
+                <a:shade val="90000"/>
+                <a:lumMod val="103000"/>
+              </a:schemeClr>
+            </a:gs>
+            <a:gs pos="100000">
+              <a:schemeClr val="phClr">
+                <a:shade val="63000"/>
+                <a:satMod val="120000"/>
+              </a:schemeClr>
+            </a:gs>
+          </a:gsLst>
+          <a:lin ang="5400000" scaled="0"/>
+        </a:gradFill>
+      </a:bgFillStyleLst>
+    </a:fmtScheme>
+  </a:themeElements>
+  <a:objectDefaults/>
+  <a:extraClrSchemeLst/>
+  <a:extLst>
+    <a:ext uri="{05A4C25C-085E-4340-85A3-A5531E510DB2}">
+      <thm15:themeFamily xmlns:thm15="http://schemas.microsoft.com/office/thememl/2012/main" name="Office Theme" id="{62F939B6-93AF-4DB8-9C6B-D6C7DFDC589F}" vid="{4A3C46E8-61CC-4603-A589-7422A47A8E4A}"/>
+    </a:ext>
+  </a:extLst>
+</a:theme>
 </file>